--- a/presentation.pptx
+++ b/presentation.pptx
@@ -8,7 +8,7 @@
     <p:sldId id="256" r:id="rId2"/>
     <p:sldId id="260" r:id="rId3"/>
     <p:sldId id="257" r:id="rId4"/>
-    <p:sldId id="264" r:id="rId5"/>
+    <p:sldId id="267" r:id="rId5"/>
     <p:sldId id="263" r:id="rId6"/>
     <p:sldId id="261" r:id="rId7"/>
     <p:sldId id="265" r:id="rId8"/>
@@ -124,13 +124,13 @@
 <pc:chgInfo xmlns:a="http://schemas.openxmlformats.org/drawingml/2006/main" xmlns:r="http://schemas.openxmlformats.org/officeDocument/2006/relationships" xmlns:ac="http://schemas.microsoft.com/office/drawing/2013/main/command" xmlns:pc="http://schemas.microsoft.com/office/powerpoint/2013/main/command">
   <pc:docChgLst>
     <pc:chgData name="akhil nichenametla" userId="a81230d310ee9045" providerId="LiveId" clId="{8C1AD7E2-4627-4914-A7F2-925FDD922AF0}"/>
-    <pc:docChg chg="undo custSel addSld delSld modSld">
-      <pc:chgData name="akhil nichenametla" userId="a81230d310ee9045" providerId="LiveId" clId="{8C1AD7E2-4627-4914-A7F2-925FDD922AF0}" dt="2018-03-11T16:46:50.968" v="2473" actId="20577"/>
+    <pc:docChg chg="undo custSel addSld delSld modSld sldOrd">
+      <pc:chgData name="akhil nichenametla" userId="a81230d310ee9045" providerId="LiveId" clId="{8C1AD7E2-4627-4914-A7F2-925FDD922AF0}" dt="2018-03-11T17:03:27.635" v="2944"/>
       <pc:docMkLst>
         <pc:docMk/>
       </pc:docMkLst>
       <pc:sldChg chg="modSp add">
-        <pc:chgData name="akhil nichenametla" userId="a81230d310ee9045" providerId="LiveId" clId="{8C1AD7E2-4627-4914-A7F2-925FDD922AF0}" dt="2018-03-11T12:05:42.471" v="81" actId="20577"/>
+        <pc:chgData name="akhil nichenametla" userId="a81230d310ee9045" providerId="LiveId" clId="{8C1AD7E2-4627-4914-A7F2-925FDD922AF0}" dt="2018-03-11T16:53:20.820" v="2566" actId="20577"/>
         <pc:sldMkLst>
           <pc:docMk/>
           <pc:sldMk cId="504835396" sldId="256"/>
@@ -144,7 +144,7 @@
           </ac:spMkLst>
         </pc:spChg>
         <pc:spChg chg="mod">
-          <ac:chgData name="akhil nichenametla" userId="a81230d310ee9045" providerId="LiveId" clId="{8C1AD7E2-4627-4914-A7F2-925FDD922AF0}" dt="2018-03-11T12:05:42.471" v="81" actId="20577"/>
+          <ac:chgData name="akhil nichenametla" userId="a81230d310ee9045" providerId="LiveId" clId="{8C1AD7E2-4627-4914-A7F2-925FDD922AF0}" dt="2018-03-11T16:53:20.820" v="2566" actId="20577"/>
           <ac:spMkLst>
             <pc:docMk/>
             <pc:sldMk cId="504835396" sldId="256"/>
@@ -153,7 +153,7 @@
         </pc:spChg>
       </pc:sldChg>
       <pc:sldChg chg="addSp delSp modSp add">
-        <pc:chgData name="akhil nichenametla" userId="a81230d310ee9045" providerId="LiveId" clId="{8C1AD7E2-4627-4914-A7F2-925FDD922AF0}" dt="2018-03-11T14:06:35.679" v="2252" actId="20577"/>
+        <pc:chgData name="akhil nichenametla" userId="a81230d310ee9045" providerId="LiveId" clId="{8C1AD7E2-4627-4914-A7F2-925FDD922AF0}" dt="2018-03-11T16:53:48.632" v="2575"/>
         <pc:sldMkLst>
           <pc:docMk/>
           <pc:sldMk cId="723266806" sldId="257"/>
@@ -167,7 +167,7 @@
           </ac:spMkLst>
         </pc:spChg>
         <pc:spChg chg="mod">
-          <ac:chgData name="akhil nichenametla" userId="a81230d310ee9045" providerId="LiveId" clId="{8C1AD7E2-4627-4914-A7F2-925FDD922AF0}" dt="2018-03-11T14:06:35.679" v="2252" actId="20577"/>
+          <ac:chgData name="akhil nichenametla" userId="a81230d310ee9045" providerId="LiveId" clId="{8C1AD7E2-4627-4914-A7F2-925FDD922AF0}" dt="2018-03-11T16:53:48.632" v="2575"/>
           <ac:spMkLst>
             <pc:docMk/>
             <pc:sldMk cId="723266806" sldId="257"/>
@@ -214,8 +214,8 @@
           </ac:spMkLst>
         </pc:spChg>
       </pc:sldChg>
-      <pc:sldChg chg="addSp delSp modSp add">
-        <pc:chgData name="akhil nichenametla" userId="a81230d310ee9045" providerId="LiveId" clId="{8C1AD7E2-4627-4914-A7F2-925FDD922AF0}" dt="2018-03-11T16:46:50.968" v="2473" actId="20577"/>
+      <pc:sldChg chg="addSp delSp modSp add ord">
+        <pc:chgData name="akhil nichenametla" userId="a81230d310ee9045" providerId="LiveId" clId="{8C1AD7E2-4627-4914-A7F2-925FDD922AF0}" dt="2018-03-11T17:02:53.308" v="2943" actId="6549"/>
         <pc:sldMkLst>
           <pc:docMk/>
           <pc:sldMk cId="1280395981" sldId="259"/>
@@ -229,13 +229,21 @@
           </ac:spMkLst>
         </pc:spChg>
         <pc:spChg chg="mod">
-          <ac:chgData name="akhil nichenametla" userId="a81230d310ee9045" providerId="LiveId" clId="{8C1AD7E2-4627-4914-A7F2-925FDD922AF0}" dt="2018-03-11T16:46:50.968" v="2473" actId="20577"/>
+          <ac:chgData name="akhil nichenametla" userId="a81230d310ee9045" providerId="LiveId" clId="{8C1AD7E2-4627-4914-A7F2-925FDD922AF0}" dt="2018-03-11T17:02:53.308" v="2943" actId="6549"/>
           <ac:spMkLst>
             <pc:docMk/>
             <pc:sldMk cId="1280395981" sldId="259"/>
             <ac:spMk id="3" creationId="{4735D31E-B1E9-4CFC-8505-04B31461C819}"/>
           </ac:spMkLst>
         </pc:spChg>
+        <pc:picChg chg="add mod">
+          <ac:chgData name="akhil nichenametla" userId="a81230d310ee9045" providerId="LiveId" clId="{8C1AD7E2-4627-4914-A7F2-925FDD922AF0}" dt="2018-03-11T16:52:46.738" v="2542" actId="14100"/>
+          <ac:picMkLst>
+            <pc:docMk/>
+            <pc:sldMk cId="1280395981" sldId="259"/>
+            <ac:picMk id="2" creationId="{FB1FB6A7-69C9-4B78-9614-C1795B5EF880}"/>
+          </ac:picMkLst>
+        </pc:picChg>
         <pc:picChg chg="add mod">
           <ac:chgData name="akhil nichenametla" userId="a81230d310ee9045" providerId="LiveId" clId="{8C1AD7E2-4627-4914-A7F2-925FDD922AF0}" dt="2018-03-11T16:46:28.229" v="2466" actId="14100"/>
           <ac:picMkLst>
@@ -246,7 +254,7 @@
         </pc:picChg>
       </pc:sldChg>
       <pc:sldChg chg="modSp add">
-        <pc:chgData name="akhil nichenametla" userId="a81230d310ee9045" providerId="LiveId" clId="{8C1AD7E2-4627-4914-A7F2-925FDD922AF0}" dt="2018-03-11T13:27:56.173" v="713" actId="20577"/>
+        <pc:chgData name="akhil nichenametla" userId="a81230d310ee9045" providerId="LiveId" clId="{8C1AD7E2-4627-4914-A7F2-925FDD922AF0}" dt="2018-03-11T16:53:48.632" v="2575"/>
         <pc:sldMkLst>
           <pc:docMk/>
           <pc:sldMk cId="1927497806" sldId="260"/>
@@ -260,7 +268,7 @@
           </ac:spMkLst>
         </pc:spChg>
         <pc:spChg chg="mod">
-          <ac:chgData name="akhil nichenametla" userId="a81230d310ee9045" providerId="LiveId" clId="{8C1AD7E2-4627-4914-A7F2-925FDD922AF0}" dt="2018-03-11T13:27:56.173" v="713" actId="20577"/>
+          <ac:chgData name="akhil nichenametla" userId="a81230d310ee9045" providerId="LiveId" clId="{8C1AD7E2-4627-4914-A7F2-925FDD922AF0}" dt="2018-03-11T16:53:48.632" v="2575"/>
           <ac:spMkLst>
             <pc:docMk/>
             <pc:sldMk cId="1927497806" sldId="260"/>
@@ -269,7 +277,7 @@
         </pc:spChg>
       </pc:sldChg>
       <pc:sldChg chg="modSp add">
-        <pc:chgData name="akhil nichenametla" userId="a81230d310ee9045" providerId="LiveId" clId="{8C1AD7E2-4627-4914-A7F2-925FDD922AF0}" dt="2018-03-11T13:34:54.941" v="812" actId="255"/>
+        <pc:chgData name="akhil nichenametla" userId="a81230d310ee9045" providerId="LiveId" clId="{8C1AD7E2-4627-4914-A7F2-925FDD922AF0}" dt="2018-03-11T17:03:27.635" v="2944"/>
         <pc:sldMkLst>
           <pc:docMk/>
           <pc:sldMk cId="287842034" sldId="261"/>
@@ -283,7 +291,7 @@
           </ac:spMkLst>
         </pc:spChg>
         <pc:spChg chg="mod">
-          <ac:chgData name="akhil nichenametla" userId="a81230d310ee9045" providerId="LiveId" clId="{8C1AD7E2-4627-4914-A7F2-925FDD922AF0}" dt="2018-03-11T13:34:54.941" v="812" actId="255"/>
+          <ac:chgData name="akhil nichenametla" userId="a81230d310ee9045" providerId="LiveId" clId="{8C1AD7E2-4627-4914-A7F2-925FDD922AF0}" dt="2018-03-11T17:03:27.635" v="2944"/>
           <ac:spMkLst>
             <pc:docMk/>
             <pc:sldMk cId="287842034" sldId="261"/>
@@ -315,7 +323,7 @@
         </pc:spChg>
       </pc:sldChg>
       <pc:sldChg chg="modSp add">
-        <pc:chgData name="akhil nichenametla" userId="a81230d310ee9045" providerId="LiveId" clId="{8C1AD7E2-4627-4914-A7F2-925FDD922AF0}" dt="2018-03-11T13:52:56.924" v="1552" actId="20577"/>
+        <pc:chgData name="akhil nichenametla" userId="a81230d310ee9045" providerId="LiveId" clId="{8C1AD7E2-4627-4914-A7F2-925FDD922AF0}" dt="2018-03-11T16:53:48.632" v="2575"/>
         <pc:sldMkLst>
           <pc:docMk/>
           <pc:sldMk cId="3238141033" sldId="263"/>
@@ -329,7 +337,7 @@
           </ac:spMkLst>
         </pc:spChg>
         <pc:spChg chg="mod">
-          <ac:chgData name="akhil nichenametla" userId="a81230d310ee9045" providerId="LiveId" clId="{8C1AD7E2-4627-4914-A7F2-925FDD922AF0}" dt="2018-03-11T13:52:56.924" v="1552" actId="20577"/>
+          <ac:chgData name="akhil nichenametla" userId="a81230d310ee9045" providerId="LiveId" clId="{8C1AD7E2-4627-4914-A7F2-925FDD922AF0}" dt="2018-03-11T16:53:48.632" v="2575"/>
           <ac:spMkLst>
             <pc:docMk/>
             <pc:sldMk cId="3238141033" sldId="263"/>
@@ -352,14 +360,14 @@
           </ac:spMkLst>
         </pc:spChg>
       </pc:sldChg>
-      <pc:sldChg chg="addSp delSp modSp add">
-        <pc:chgData name="akhil nichenametla" userId="a81230d310ee9045" providerId="LiveId" clId="{8C1AD7E2-4627-4914-A7F2-925FDD922AF0}" dt="2018-03-11T14:07:22.541" v="2264" actId="255"/>
+      <pc:sldChg chg="addSp delSp modSp add del">
+        <pc:chgData name="akhil nichenametla" userId="a81230d310ee9045" providerId="LiveId" clId="{8C1AD7E2-4627-4914-A7F2-925FDD922AF0}" dt="2018-03-11T17:01:26.857" v="2865" actId="2696"/>
         <pc:sldMkLst>
           <pc:docMk/>
           <pc:sldMk cId="2382366722" sldId="264"/>
         </pc:sldMkLst>
         <pc:spChg chg="mod">
-          <ac:chgData name="akhil nichenametla" userId="a81230d310ee9045" providerId="LiveId" clId="{8C1AD7E2-4627-4914-A7F2-925FDD922AF0}" dt="2018-03-11T13:54:24.442" v="1569" actId="14100"/>
+          <ac:chgData name="akhil nichenametla" userId="a81230d310ee9045" providerId="LiveId" clId="{8C1AD7E2-4627-4914-A7F2-925FDD922AF0}" dt="2018-03-11T16:54:26.505" v="2577"/>
           <ac:spMkLst>
             <pc:docMk/>
             <pc:sldMk cId="2382366722" sldId="264"/>
@@ -374,6 +382,14 @@
             <ac:spMk id="3" creationId="{CBFB0A7E-D7B3-43E0-8558-13E0A34531B0}"/>
           </ac:spMkLst>
         </pc:spChg>
+        <pc:spChg chg="add del mod">
+          <ac:chgData name="akhil nichenametla" userId="a81230d310ee9045" providerId="LiveId" clId="{8C1AD7E2-4627-4914-A7F2-925FDD922AF0}" dt="2018-03-11T16:56:22.663" v="2583" actId="478"/>
+          <ac:spMkLst>
+            <pc:docMk/>
+            <pc:sldMk cId="2382366722" sldId="264"/>
+            <ac:spMk id="3" creationId="{574660EE-D6A1-4434-97F7-8C73E7A48B7E}"/>
+          </ac:spMkLst>
+        </pc:spChg>
         <pc:spChg chg="add del">
           <ac:chgData name="akhil nichenametla" userId="a81230d310ee9045" providerId="LiveId" clId="{8C1AD7E2-4627-4914-A7F2-925FDD922AF0}" dt="2018-03-11T13:54:33.950" v="1571" actId="255"/>
           <ac:spMkLst>
@@ -382,16 +398,16 @@
             <ac:spMk id="4" creationId="{5162703A-C938-44FB-AA4C-98E6C340875A}"/>
           </ac:spMkLst>
         </pc:spChg>
-        <pc:spChg chg="add mod">
-          <ac:chgData name="akhil nichenametla" userId="a81230d310ee9045" providerId="LiveId" clId="{8C1AD7E2-4627-4914-A7F2-925FDD922AF0}" dt="2018-03-11T14:07:22.541" v="2264" actId="255"/>
+        <pc:spChg chg="add del mod">
+          <ac:chgData name="akhil nichenametla" userId="a81230d310ee9045" providerId="LiveId" clId="{8C1AD7E2-4627-4914-A7F2-925FDD922AF0}" dt="2018-03-11T16:58:09.792" v="2592"/>
           <ac:spMkLst>
             <pc:docMk/>
             <pc:sldMk cId="2382366722" sldId="264"/>
             <ac:spMk id="9" creationId="{2B83FB50-E421-45F2-BEBC-8737D1E809E6}"/>
           </ac:spMkLst>
         </pc:spChg>
-        <pc:picChg chg="add mod modCrop">
-          <ac:chgData name="akhil nichenametla" userId="a81230d310ee9045" providerId="LiveId" clId="{8C1AD7E2-4627-4914-A7F2-925FDD922AF0}" dt="2018-03-11T13:55:27.883" v="1576" actId="1076"/>
+        <pc:picChg chg="add del mod modCrop">
+          <ac:chgData name="akhil nichenametla" userId="a81230d310ee9045" providerId="LiveId" clId="{8C1AD7E2-4627-4914-A7F2-925FDD922AF0}" dt="2018-03-11T16:54:36.594" v="2580"/>
           <ac:picMkLst>
             <pc:docMk/>
             <pc:sldMk cId="2382366722" sldId="264"/>
@@ -400,7 +416,7 @@
         </pc:picChg>
       </pc:sldChg>
       <pc:sldChg chg="modSp add">
-        <pc:chgData name="akhil nichenametla" userId="a81230d310ee9045" providerId="LiveId" clId="{8C1AD7E2-4627-4914-A7F2-925FDD922AF0}" dt="2018-03-11T16:26:28.738" v="2292" actId="20577"/>
+        <pc:chgData name="akhil nichenametla" userId="a81230d310ee9045" providerId="LiveId" clId="{8C1AD7E2-4627-4914-A7F2-925FDD922AF0}" dt="2018-03-11T16:53:48.632" v="2575"/>
         <pc:sldMkLst>
           <pc:docMk/>
           <pc:sldMk cId="633247017" sldId="265"/>
@@ -414,13 +430,67 @@
           </ac:spMkLst>
         </pc:spChg>
         <pc:spChg chg="mod">
-          <ac:chgData name="akhil nichenametla" userId="a81230d310ee9045" providerId="LiveId" clId="{8C1AD7E2-4627-4914-A7F2-925FDD922AF0}" dt="2018-03-11T16:26:28.738" v="2292" actId="20577"/>
+          <ac:chgData name="akhil nichenametla" userId="a81230d310ee9045" providerId="LiveId" clId="{8C1AD7E2-4627-4914-A7F2-925FDD922AF0}" dt="2018-03-11T16:53:48.632" v="2575"/>
           <ac:spMkLst>
             <pc:docMk/>
             <pc:sldMk cId="633247017" sldId="265"/>
             <ac:spMk id="3" creationId="{E55FE8F5-CA8C-47A0-9D38-11272B2115A9}"/>
           </ac:spMkLst>
         </pc:spChg>
+      </pc:sldChg>
+      <pc:sldChg chg="delSp modSp add del">
+        <pc:chgData name="akhil nichenametla" userId="a81230d310ee9045" providerId="LiveId" clId="{8C1AD7E2-4627-4914-A7F2-925FDD922AF0}" dt="2018-03-11T17:02:39.168" v="2930" actId="2696"/>
+        <pc:sldMkLst>
+          <pc:docMk/>
+          <pc:sldMk cId="2834070916" sldId="266"/>
+        </pc:sldMkLst>
+        <pc:spChg chg="del">
+          <ac:chgData name="akhil nichenametla" userId="a81230d310ee9045" providerId="LiveId" clId="{8C1AD7E2-4627-4914-A7F2-925FDD922AF0}" dt="2018-03-11T17:02:21.383" v="2928" actId="478"/>
+          <ac:spMkLst>
+            <pc:docMk/>
+            <pc:sldMk cId="2834070916" sldId="266"/>
+            <ac:spMk id="2" creationId="{71B4F91D-285C-4829-BC47-4504FE8358AD}"/>
+          </ac:spMkLst>
+        </pc:spChg>
+        <pc:spChg chg="mod">
+          <ac:chgData name="akhil nichenametla" userId="a81230d310ee9045" providerId="LiveId" clId="{8C1AD7E2-4627-4914-A7F2-925FDD922AF0}" dt="2018-03-11T17:02:27.814" v="2929" actId="14100"/>
+          <ac:spMkLst>
+            <pc:docMk/>
+            <pc:sldMk cId="2834070916" sldId="266"/>
+            <ac:spMk id="3" creationId="{38397194-D9F9-4119-A897-0B0A8C1178FD}"/>
+          </ac:spMkLst>
+        </pc:spChg>
+      </pc:sldChg>
+      <pc:sldChg chg="addSp modSp add">
+        <pc:chgData name="akhil nichenametla" userId="a81230d310ee9045" providerId="LiveId" clId="{8C1AD7E2-4627-4914-A7F2-925FDD922AF0}" dt="2018-03-11T17:01:51.444" v="2926" actId="20577"/>
+        <pc:sldMkLst>
+          <pc:docMk/>
+          <pc:sldMk cId="3724018283" sldId="267"/>
+        </pc:sldMkLst>
+        <pc:spChg chg="mod">
+          <ac:chgData name="akhil nichenametla" userId="a81230d310ee9045" providerId="LiveId" clId="{8C1AD7E2-4627-4914-A7F2-925FDD922AF0}" dt="2018-03-11T16:54:42.665" v="2581" actId="14100"/>
+          <ac:spMkLst>
+            <pc:docMk/>
+            <pc:sldMk cId="3724018283" sldId="267"/>
+            <ac:spMk id="2" creationId="{63F99C54-CC5E-4713-9B38-841B810237D4}"/>
+          </ac:spMkLst>
+        </pc:spChg>
+        <pc:spChg chg="mod">
+          <ac:chgData name="akhil nichenametla" userId="a81230d310ee9045" providerId="LiveId" clId="{8C1AD7E2-4627-4914-A7F2-925FDD922AF0}" dt="2018-03-11T17:01:51.444" v="2926" actId="20577"/>
+          <ac:spMkLst>
+            <pc:docMk/>
+            <pc:sldMk cId="3724018283" sldId="267"/>
+            <ac:spMk id="3" creationId="{83C9CD43-42B7-4B44-9137-6303035FC2C5}"/>
+          </ac:spMkLst>
+        </pc:spChg>
+        <pc:picChg chg="add">
+          <ac:chgData name="akhil nichenametla" userId="a81230d310ee9045" providerId="LiveId" clId="{8C1AD7E2-4627-4914-A7F2-925FDD922AF0}" dt="2018-03-11T16:54:46.384" v="2582"/>
+          <ac:picMkLst>
+            <pc:docMk/>
+            <pc:sldMk cId="3724018283" sldId="267"/>
+            <ac:picMk id="4" creationId="{CBC62962-B882-46FD-9153-4F63ED1E3620}"/>
+          </ac:picMkLst>
+        </pc:picChg>
       </pc:sldChg>
     </pc:docChg>
   </pc:docChgLst>
@@ -3714,7 +3784,7 @@
           <a:p>
             <a:r>
               <a:rPr lang="en-US" dirty="0"/>
-              <a:t>Google Maps, Tvshows, Movies on Air</a:t>
+              <a:t>Google Maps, Tvshows and Movies</a:t>
             </a:r>
             <a:endParaRPr lang="en-IN" dirty="0"/>
           </a:p>
@@ -3820,30 +3890,21 @@
           <a:p>
             <a:r>
               <a:rPr lang="en-US" dirty="0"/>
-              <a:t>We are getting data from two </a:t>
-            </a:r>
-            <a:r>
-              <a:rPr lang="en-US" dirty="0" err="1"/>
-              <a:t>Api’s</a:t>
-            </a:r>
-            <a:endParaRPr lang="en-US" dirty="0"/>
+              <a:t>We are getting data from two API’s</a:t>
+            </a:r>
           </a:p>
           <a:p>
             <a:pPr lvl="1"/>
             <a:r>
               <a:rPr lang="en-US" dirty="0"/>
-              <a:t>Google Maps Api</a:t>
+              <a:t>Google Maps API</a:t>
             </a:r>
           </a:p>
           <a:p>
             <a:pPr lvl="1"/>
             <a:r>
-              <a:rPr lang="en-US" dirty="0" err="1"/>
-              <a:t>themoviesdb</a:t>
-            </a:r>
-            <a:r>
               <a:rPr lang="en-US" dirty="0"/>
-              <a:t> Api</a:t>
+              <a:t>TMDB API</a:t>
             </a:r>
           </a:p>
           <a:p>
@@ -4088,7 +4149,7 @@
           <p:cNvPr id="2" name="Title 1">
             <a:extLst>
               <a:ext uri="{FF2B5EF4-FFF2-40B4-BE49-F238E27FC236}">
-                <a16:creationId xmlns:a16="http://schemas.microsoft.com/office/drawing/2014/main" id="{6D445627-2136-4816-8D20-F12E37388431}"/>
+                <a16:creationId xmlns:a16="http://schemas.microsoft.com/office/drawing/2014/main" id="{63F99C54-CC5E-4713-9B38-841B810237D4}"/>
               </a:ext>
             </a:extLst>
           </p:cNvPr>
@@ -4102,7 +4163,7 @@
         <p:spPr>
           <a:xfrm>
             <a:off x="838200" y="365125"/>
-            <a:ext cx="1917192" cy="1325563"/>
+            <a:ext cx="1929384" cy="1325563"/>
           </a:xfrm>
         </p:spPr>
         <p:txBody>
@@ -4111,27 +4172,92 @@
           <a:p>
             <a:r>
               <a:rPr lang="en-US" dirty="0"/>
-              <a:t>Source </a:t>
+              <a:t>Source</a:t>
             </a:r>
             <a:endParaRPr lang="en-IN" dirty="0"/>
+          </a:p>
+        </p:txBody>
+      </p:sp>
+      <p:sp>
+        <p:nvSpPr>
+          <p:cNvPr id="3" name="Content Placeholder 2">
+            <a:extLst>
+              <a:ext uri="{FF2B5EF4-FFF2-40B4-BE49-F238E27FC236}">
+                <a16:creationId xmlns:a16="http://schemas.microsoft.com/office/drawing/2014/main" id="{83C9CD43-42B7-4B44-9137-6303035FC2C5}"/>
+              </a:ext>
+            </a:extLst>
+          </p:cNvPr>
+          <p:cNvSpPr>
+            <a:spLocks noGrp="1"/>
+          </p:cNvSpPr>
+          <p:nvPr>
+            <p:ph idx="1"/>
+          </p:nvPr>
+        </p:nvSpPr>
+        <p:spPr/>
+        <p:txBody>
+          <a:bodyPr/>
+          <a:lstStyle/>
+          <a:p>
+            <a:r>
+              <a:rPr lang="en-US" dirty="0"/>
+              <a:t>F</a:t>
+            </a:r>
+            <a:r>
+              <a:rPr lang="en-IN" dirty="0"/>
+              <a:t>or displaying map we used google maps JavaScript API. </a:t>
+            </a:r>
+            <a:r>
+              <a:rPr lang="en-US" dirty="0"/>
+              <a:t>It provides functionality for</a:t>
+            </a:r>
+          </a:p>
+          <a:p>
+            <a:pPr lvl="1"/>
+            <a:r>
+              <a:rPr lang="en-US" dirty="0"/>
+              <a:t>Marking places and labeling places on the map. </a:t>
+            </a:r>
+          </a:p>
+          <a:p>
+            <a:pPr lvl="1"/>
+            <a:r>
+              <a:rPr lang="en-US" dirty="0"/>
+              <a:t>Getting location (lat, lon) for a given address</a:t>
+            </a:r>
+          </a:p>
+          <a:p>
+            <a:pPr lvl="1"/>
+            <a:r>
+              <a:rPr lang="en-US" dirty="0"/>
+              <a:t>Getting address of a location.</a:t>
+            </a:r>
+          </a:p>
+          <a:p>
+            <a:r>
+              <a:rPr lang="en-US" dirty="0"/>
+              <a:t>We used it for marking Tvshows and movies. </a:t>
+            </a:r>
+          </a:p>
+          <a:p>
+            <a:pPr lvl="1"/>
+            <a:endParaRPr lang="en-US" dirty="0"/>
           </a:p>
         </p:txBody>
       </p:sp>
       <p:pic>
         <p:nvPicPr>
-          <p:cNvPr id="8" name="Content Placeholder 7">
-            <a:extLst>
-              <a:ext uri="{FF2B5EF4-FFF2-40B4-BE49-F238E27FC236}">
-                <a16:creationId xmlns:a16="http://schemas.microsoft.com/office/drawing/2014/main" id="{B00AB17D-50D6-43AD-BFAC-9FD4EEF6D372}"/>
+          <p:cNvPr id="4" name="Content Placeholder 7">
+            <a:extLst>
+              <a:ext uri="{FF2B5EF4-FFF2-40B4-BE49-F238E27FC236}">
+                <a16:creationId xmlns:a16="http://schemas.microsoft.com/office/drawing/2014/main" id="{CBC62962-B882-46FD-9153-4F63ED1E3620}"/>
               </a:ext>
             </a:extLst>
           </p:cNvPr>
           <p:cNvPicPr>
-            <a:picLocks noGrp="1" noChangeAspect="1"/>
+            <a:picLocks noChangeAspect="1"/>
           </p:cNvPicPr>
-          <p:nvPr>
-            <p:ph idx="1"/>
-          </p:nvPr>
+          <p:nvPr/>
         </p:nvPicPr>
         <p:blipFill rotWithShape="1">
           <a:blip r:embed="rId2">
@@ -4147,157 +4273,17 @@
         <p:spPr>
           <a:xfrm>
             <a:off x="2755392" y="337954"/>
-            <a:ext cx="1252025" cy="1294228"/>
-          </a:xfrm>
-        </p:spPr>
-      </p:pic>
-      <p:sp>
-        <p:nvSpPr>
-          <p:cNvPr id="9" name="TextBox 8">
-            <a:extLst>
-              <a:ext uri="{FF2B5EF4-FFF2-40B4-BE49-F238E27FC236}">
-                <a16:creationId xmlns:a16="http://schemas.microsoft.com/office/drawing/2014/main" id="{2B83FB50-E421-45F2-BEBC-8737D1E809E6}"/>
-              </a:ext>
-            </a:extLst>
-          </p:cNvPr>
-          <p:cNvSpPr txBox="1"/>
-          <p:nvPr/>
-        </p:nvSpPr>
-        <p:spPr>
-          <a:xfrm>
-            <a:off x="956603" y="2011680"/>
-            <a:ext cx="10199077" cy="2677656"/>
+            <a:ext cx="982249" cy="1015358"/>
           </a:xfrm>
           <a:prstGeom prst="rect">
             <a:avLst/>
           </a:prstGeom>
-          <a:noFill/>
         </p:spPr>
-        <p:txBody>
-          <a:bodyPr wrap="square" rtlCol="0">
-            <a:spAutoFit/>
-          </a:bodyPr>
-          <a:lstStyle/>
-          <a:p>
-            <a:pPr marL="457200" indent="-457200">
-              <a:buFont typeface="Arial" panose="020B0604020202020204" pitchFamily="34" charset="0"/>
-              <a:buChar char="•"/>
-            </a:pPr>
-            <a:r>
-              <a:rPr lang="en-US" sz="2400" dirty="0"/>
-              <a:t>F</a:t>
-            </a:r>
-            <a:r>
-              <a:rPr lang="en-IN" sz="2400" dirty="0"/>
-              <a:t>or displaying map we used google maps JavaScript API.</a:t>
-            </a:r>
-          </a:p>
-          <a:p>
-            <a:pPr marL="914400" lvl="1" indent="-457200">
-              <a:buFont typeface="Arial" panose="020B0604020202020204" pitchFamily="34" charset="0"/>
-              <a:buChar char="•"/>
-            </a:pPr>
-            <a:r>
-              <a:rPr lang="en-US" sz="2400" dirty="0"/>
-              <a:t>I</a:t>
-            </a:r>
-            <a:r>
-              <a:rPr lang="en-IN" sz="2400" dirty="0"/>
-              <a:t>t provides functionality for </a:t>
-            </a:r>
-          </a:p>
-          <a:p>
-            <a:pPr marL="1371600" lvl="2" indent="-457200">
-              <a:buFont typeface="Arial" panose="020B0604020202020204" pitchFamily="34" charset="0"/>
-              <a:buChar char="•"/>
-            </a:pPr>
-            <a:r>
-              <a:rPr lang="en-US" sz="2400" dirty="0"/>
-              <a:t>M</a:t>
-            </a:r>
-            <a:r>
-              <a:rPr lang="en-IN" sz="2400" dirty="0" err="1"/>
-              <a:t>arking</a:t>
-            </a:r>
-            <a:r>
-              <a:rPr lang="en-IN" sz="2400" dirty="0"/>
-              <a:t> places in the Map</a:t>
-            </a:r>
-          </a:p>
-          <a:p>
-            <a:pPr marL="1371600" lvl="2" indent="-457200">
-              <a:buFont typeface="Arial" panose="020B0604020202020204" pitchFamily="34" charset="0"/>
-              <a:buChar char="•"/>
-            </a:pPr>
-            <a:r>
-              <a:rPr lang="en-US" sz="2400" dirty="0"/>
-              <a:t>D</a:t>
-            </a:r>
-            <a:r>
-              <a:rPr lang="en-IN" sz="2400" dirty="0" err="1"/>
-              <a:t>isplaying</a:t>
-            </a:r>
-            <a:r>
-              <a:rPr lang="en-IN" sz="2400" dirty="0"/>
-              <a:t> names and labels for various places</a:t>
-            </a:r>
-          </a:p>
-          <a:p>
-            <a:pPr marL="1371600" lvl="2" indent="-457200">
-              <a:buFont typeface="Arial" panose="020B0604020202020204" pitchFamily="34" charset="0"/>
-              <a:buChar char="•"/>
-            </a:pPr>
-            <a:r>
-              <a:rPr lang="en-US" sz="2400" dirty="0"/>
-              <a:t>G</a:t>
-            </a:r>
-            <a:r>
-              <a:rPr lang="en-IN" sz="2400" dirty="0" err="1"/>
-              <a:t>etting</a:t>
-            </a:r>
-            <a:r>
-              <a:rPr lang="en-IN" sz="2400" dirty="0"/>
-              <a:t> location (</a:t>
-            </a:r>
-            <a:r>
-              <a:rPr lang="en-IN" sz="2400" dirty="0" err="1"/>
-              <a:t>lat</a:t>
-            </a:r>
-            <a:r>
-              <a:rPr lang="en-IN" sz="2400" dirty="0"/>
-              <a:t>, long) using address </a:t>
-            </a:r>
-          </a:p>
-          <a:p>
-            <a:pPr marL="1371600" lvl="2" indent="-457200">
-              <a:buFont typeface="Arial" panose="020B0604020202020204" pitchFamily="34" charset="0"/>
-              <a:buChar char="•"/>
-            </a:pPr>
-            <a:r>
-              <a:rPr lang="en-US" sz="2400" dirty="0"/>
-              <a:t>Getting address using location.</a:t>
-            </a:r>
-          </a:p>
-          <a:p>
-            <a:pPr marL="457200" indent="-457200">
-              <a:buFont typeface="Arial" panose="020B0604020202020204" pitchFamily="34" charset="0"/>
-              <a:buChar char="•"/>
-            </a:pPr>
-            <a:r>
-              <a:rPr lang="en-US" sz="2400" dirty="0"/>
-              <a:t>W</a:t>
-            </a:r>
-            <a:r>
-              <a:rPr lang="en-IN" sz="2400" dirty="0"/>
-              <a:t>e used it for marking locations of Movies and Tvshows of that region.</a:t>
-            </a:r>
-          </a:p>
-        </p:txBody>
-      </p:sp>
+      </p:pic>
     </p:spTree>
     <p:extLst>
       <p:ext uri="{BB962C8B-B14F-4D97-AF65-F5344CB8AC3E}">
-        <p14:creationId xmlns:p14="http://schemas.microsoft.com/office/powerpoint/2010/main" val="2382366722"/>
+        <p14:creationId xmlns:p14="http://schemas.microsoft.com/office/powerpoint/2010/main" val="3724018283"/>
       </p:ext>
     </p:extLst>
   </p:cSld>
@@ -4382,7 +4368,7 @@
               <a:rPr lang="en-IN" dirty="0">
                 <a:hlinkClick r:id="rId2"/>
               </a:rPr>
-              <a:t>https://api.themoviedb.org/3/tv/on_the_air?api_key={}</a:t>
+              <a:t>https://API.themoviedb.org/3/tv/on_the_air?API_key={}</a:t>
             </a:r>
             <a:endParaRPr lang="en-IN" dirty="0"/>
           </a:p>
@@ -4513,7 +4499,10 @@
             <a:ext cx="10515600" cy="4351338"/>
           </a:xfrm>
           <a:solidFill>
-            <a:schemeClr val="tx1"/>
+            <a:schemeClr val="tx1">
+              <a:lumMod val="85000"/>
+              <a:lumOff val="15000"/>
+            </a:schemeClr>
           </a:solidFill>
         </p:spPr>
         <p:txBody>
@@ -5224,7 +5213,7 @@
               <a:rPr lang="en-IN" dirty="0">
                 <a:hlinkClick r:id="rId2"/>
               </a:rPr>
-              <a:t>https://api.themoviedb.org/3/movie/now_playing?api_key={}</a:t>
+              <a:t>https://API.themoviedb.org/3/movie/now_playing?API_key={}</a:t>
             </a:r>
             <a:endParaRPr lang="en-IN" dirty="0"/>
           </a:p>
@@ -5381,25 +5370,89 @@
                 </a:solidFill>
                 <a:latin typeface="Consolas" panose="020B0609020204030204" pitchFamily="49" charset="0"/>
               </a:rPr>
-              <a:t>"</a:t>
-            </a:r>
-            <a:r>
-              <a:rPr lang="en-US" b="1" dirty="0" err="1">
+              <a:t>"vote_count"</a:t>
+            </a:r>
+            <a:r>
+              <a:rPr lang="en-US" b="1" dirty="0">
+                <a:solidFill>
+                  <a:srgbClr val="D4D4D4"/>
+                </a:solidFill>
+                <a:latin typeface="Consolas" panose="020B0609020204030204" pitchFamily="49" charset="0"/>
+              </a:rPr>
+              <a:t>: </a:t>
+            </a:r>
+            <a:r>
+              <a:rPr lang="en-US" b="1" dirty="0">
+                <a:solidFill>
+                  <a:srgbClr val="B5CEA8"/>
+                </a:solidFill>
+                <a:latin typeface="Consolas" panose="020B0609020204030204" pitchFamily="49" charset="0"/>
+              </a:rPr>
+              <a:t>2234</a:t>
+            </a:r>
+            <a:r>
+              <a:rPr lang="en-US" b="1" dirty="0">
+                <a:solidFill>
+                  <a:srgbClr val="D4D4D4"/>
+                </a:solidFill>
+                <a:latin typeface="Consolas" panose="020B0609020204030204" pitchFamily="49" charset="0"/>
+              </a:rPr>
+              <a:t>,</a:t>
+            </a:r>
+          </a:p>
+          <a:p>
+            <a:pPr marL="0" indent="0">
+              <a:buNone/>
+            </a:pPr>
+            <a:r>
+              <a:rPr lang="en-US" b="1" dirty="0">
                 <a:solidFill>
                   <a:srgbClr val="9CDCFE"/>
                 </a:solidFill>
                 <a:latin typeface="Consolas" panose="020B0609020204030204" pitchFamily="49" charset="0"/>
               </a:rPr>
-              <a:t>vote_count</a:t>
+              <a:t>"id"</a:t>
             </a:r>
             <a:r>
               <a:rPr lang="en-US" b="1" dirty="0">
                 <a:solidFill>
+                  <a:srgbClr val="D4D4D4"/>
+                </a:solidFill>
+                <a:latin typeface="Consolas" panose="020B0609020204030204" pitchFamily="49" charset="0"/>
+              </a:rPr>
+              <a:t>: </a:t>
+            </a:r>
+            <a:r>
+              <a:rPr lang="en-US" b="1" dirty="0">
+                <a:solidFill>
+                  <a:srgbClr val="B5CEA8"/>
+                </a:solidFill>
+                <a:latin typeface="Consolas" panose="020B0609020204030204" pitchFamily="49" charset="0"/>
+              </a:rPr>
+              <a:t>399055</a:t>
+            </a:r>
+            <a:r>
+              <a:rPr lang="en-US" b="1" dirty="0">
+                <a:solidFill>
+                  <a:srgbClr val="D4D4D4"/>
+                </a:solidFill>
+                <a:latin typeface="Consolas" panose="020B0609020204030204" pitchFamily="49" charset="0"/>
+              </a:rPr>
+              <a:t>,</a:t>
+            </a:r>
+          </a:p>
+          <a:p>
+            <a:pPr marL="0" indent="0">
+              <a:buNone/>
+            </a:pPr>
+            <a:r>
+              <a:rPr lang="en-US" b="1" dirty="0">
+                <a:solidFill>
                   <a:srgbClr val="9CDCFE"/>
                 </a:solidFill>
                 <a:latin typeface="Consolas" panose="020B0609020204030204" pitchFamily="49" charset="0"/>
               </a:rPr>
-              <a:t>"</a:t>
+              <a:t>"video"</a:t>
             </a:r>
             <a:r>
               <a:rPr lang="en-US" b="1" dirty="0">
@@ -5413,11 +5466,11 @@
             <a:r>
               <a:rPr lang="en-US" b="1" dirty="0">
                 <a:solidFill>
-                  <a:srgbClr val="B5CEA8"/>
-                </a:solidFill>
-                <a:latin typeface="Consolas" panose="020B0609020204030204" pitchFamily="49" charset="0"/>
-              </a:rPr>
-              <a:t>2234</a:t>
+                  <a:srgbClr val="569CD6"/>
+                </a:solidFill>
+                <a:latin typeface="Consolas" panose="020B0609020204030204" pitchFamily="49" charset="0"/>
+              </a:rPr>
+              <a:t>false</a:t>
             </a:r>
             <a:r>
               <a:rPr lang="en-US" b="1" dirty="0">
@@ -5440,107 +5493,7 @@
                 </a:solidFill>
                 <a:latin typeface="Consolas" panose="020B0609020204030204" pitchFamily="49" charset="0"/>
               </a:rPr>
-              <a:t>"id"</a:t>
-            </a:r>
-            <a:r>
-              <a:rPr lang="en-US" b="1" dirty="0">
-                <a:solidFill>
-                  <a:srgbClr val="D4D4D4"/>
-                </a:solidFill>
-                <a:latin typeface="Consolas" panose="020B0609020204030204" pitchFamily="49" charset="0"/>
-              </a:rPr>
-              <a:t>: </a:t>
-            </a:r>
-            <a:r>
-              <a:rPr lang="en-US" b="1" dirty="0">
-                <a:solidFill>
-                  <a:srgbClr val="B5CEA8"/>
-                </a:solidFill>
-                <a:latin typeface="Consolas" panose="020B0609020204030204" pitchFamily="49" charset="0"/>
-              </a:rPr>
-              <a:t>399055</a:t>
-            </a:r>
-            <a:r>
-              <a:rPr lang="en-US" b="1" dirty="0">
-                <a:solidFill>
-                  <a:srgbClr val="D4D4D4"/>
-                </a:solidFill>
-                <a:latin typeface="Consolas" panose="020B0609020204030204" pitchFamily="49" charset="0"/>
-              </a:rPr>
-              <a:t>,</a:t>
-            </a:r>
-          </a:p>
-          <a:p>
-            <a:pPr marL="0" indent="0">
-              <a:buNone/>
-            </a:pPr>
-            <a:r>
-              <a:rPr lang="en-US" b="1" dirty="0">
-                <a:solidFill>
-                  <a:srgbClr val="9CDCFE"/>
-                </a:solidFill>
-                <a:latin typeface="Consolas" panose="020B0609020204030204" pitchFamily="49" charset="0"/>
-              </a:rPr>
-              <a:t>"video"</a:t>
-            </a:r>
-            <a:r>
-              <a:rPr lang="en-US" b="1" dirty="0">
-                <a:solidFill>
-                  <a:srgbClr val="D4D4D4"/>
-                </a:solidFill>
-                <a:latin typeface="Consolas" panose="020B0609020204030204" pitchFamily="49" charset="0"/>
-              </a:rPr>
-              <a:t>: </a:t>
-            </a:r>
-            <a:r>
-              <a:rPr lang="en-US" b="1" dirty="0">
-                <a:solidFill>
-                  <a:srgbClr val="569CD6"/>
-                </a:solidFill>
-                <a:latin typeface="Consolas" panose="020B0609020204030204" pitchFamily="49" charset="0"/>
-              </a:rPr>
-              <a:t>false</a:t>
-            </a:r>
-            <a:r>
-              <a:rPr lang="en-US" b="1" dirty="0">
-                <a:solidFill>
-                  <a:srgbClr val="D4D4D4"/>
-                </a:solidFill>
-                <a:latin typeface="Consolas" panose="020B0609020204030204" pitchFamily="49" charset="0"/>
-              </a:rPr>
-              <a:t>,</a:t>
-            </a:r>
-          </a:p>
-          <a:p>
-            <a:pPr marL="0" indent="0">
-              <a:buNone/>
-            </a:pPr>
-            <a:r>
-              <a:rPr lang="en-US" b="1" dirty="0">
-                <a:solidFill>
-                  <a:srgbClr val="9CDCFE"/>
-                </a:solidFill>
-                <a:latin typeface="Consolas" panose="020B0609020204030204" pitchFamily="49" charset="0"/>
-              </a:rPr>
-              <a:t>"</a:t>
-            </a:r>
-            <a:r>
-              <a:rPr lang="en-US" b="1" dirty="0" err="1">
-                <a:solidFill>
-                  <a:srgbClr val="9CDCFE"/>
-                </a:solidFill>
-                <a:latin typeface="Consolas" panose="020B0609020204030204" pitchFamily="49" charset="0"/>
-              </a:rPr>
-              <a:t>vote_average</a:t>
-            </a:r>
-            <a:r>
-              <a:rPr lang="en-US" b="1" dirty="0">
-                <a:solidFill>
-                  <a:srgbClr val="9CDCFE"/>
-                </a:solidFill>
-                <a:latin typeface="Consolas" panose="020B0609020204030204" pitchFamily="49" charset="0"/>
-              </a:rPr>
-              <a:t>"</a:t>
+              <a:t>"vote_average"</a:t>
             </a:r>
             <a:r>
               <a:rPr lang="en-US" b="1" dirty="0">
@@ -6063,9 +6016,18 @@
             <a:endParaRPr lang="en-US" dirty="0"/>
           </a:p>
           <a:p>
-            <a:endParaRPr lang="en-US"/>
-          </a:p>
-          <a:p>
+            <a:endParaRPr lang="en-US" dirty="0"/>
+          </a:p>
+          <a:p>
+            <a:r>
+              <a:rPr lang="en-US" dirty="0"/>
+              <a:t>The font size reflects its popularity.</a:t>
+            </a:r>
+          </a:p>
+          <a:p>
+            <a:pPr marL="0" indent="0">
+              <a:buNone/>
+            </a:pPr>
             <a:endParaRPr lang="en-US" dirty="0"/>
           </a:p>
         </p:txBody>
@@ -6094,6 +6056,36 @@
           <a:xfrm>
             <a:off x="2380297" y="1122044"/>
             <a:ext cx="1801559" cy="730043"/>
+          </a:xfrm>
+          <a:prstGeom prst="rect">
+            <a:avLst/>
+          </a:prstGeom>
+        </p:spPr>
+      </p:pic>
+      <p:pic>
+        <p:nvPicPr>
+          <p:cNvPr id="2" name="Picture 1">
+            <a:extLst>
+              <a:ext uri="{FF2B5EF4-FFF2-40B4-BE49-F238E27FC236}">
+                <a16:creationId xmlns:a16="http://schemas.microsoft.com/office/drawing/2014/main" id="{FB1FB6A7-69C9-4B78-9614-C1795B5EF880}"/>
+              </a:ext>
+            </a:extLst>
+          </p:cNvPr>
+          <p:cNvPicPr>
+            <a:picLocks noChangeAspect="1"/>
+          </p:cNvPicPr>
+          <p:nvPr/>
+        </p:nvPicPr>
+        <p:blipFill>
+          <a:blip r:embed="rId3"/>
+          <a:stretch>
+            <a:fillRect/>
+          </a:stretch>
+        </p:blipFill>
+        <p:spPr>
+          <a:xfrm>
+            <a:off x="2380297" y="3151251"/>
+            <a:ext cx="5723052" cy="3025712"/>
           </a:xfrm>
           <a:prstGeom prst="rect">
             <a:avLst/>

--- a/presentation.pptx
+++ b/presentation.pptx
@@ -13,7 +13,8 @@
     <p:sldId id="261" r:id="rId7"/>
     <p:sldId id="265" r:id="rId8"/>
     <p:sldId id="262" r:id="rId9"/>
-    <p:sldId id="259" r:id="rId10"/>
+    <p:sldId id="268" r:id="rId10"/>
+    <p:sldId id="259" r:id="rId11"/>
   </p:sldIdLst>
   <p:sldSz cx="12192000" cy="6858000"/>
   <p:notesSz cx="6858000" cy="9144000"/>
@@ -191,29 +192,6 @@
           </ac:picMkLst>
         </pc:picChg>
       </pc:sldChg>
-      <pc:sldChg chg="modSp add del">
-        <pc:chgData name="akhil nichenametla" userId="a81230d310ee9045" providerId="LiveId" clId="{8C1AD7E2-4627-4914-A7F2-925FDD922AF0}" dt="2018-03-11T13:37:10.951" v="828" actId="2696"/>
-        <pc:sldMkLst>
-          <pc:docMk/>
-          <pc:sldMk cId="3565370259" sldId="258"/>
-        </pc:sldMkLst>
-        <pc:spChg chg="mod">
-          <ac:chgData name="akhil nichenametla" userId="a81230d310ee9045" providerId="LiveId" clId="{8C1AD7E2-4627-4914-A7F2-925FDD922AF0}" dt="2018-03-11T12:16:08.399" v="98" actId="20577"/>
-          <ac:spMkLst>
-            <pc:docMk/>
-            <pc:sldMk cId="3565370259" sldId="258"/>
-            <ac:spMk id="2" creationId="{EDC9B425-6BBF-4FE3-8B91-56162DFB5296}"/>
-          </ac:spMkLst>
-        </pc:spChg>
-        <pc:spChg chg="mod">
-          <ac:chgData name="akhil nichenametla" userId="a81230d310ee9045" providerId="LiveId" clId="{8C1AD7E2-4627-4914-A7F2-925FDD922AF0}" dt="2018-03-11T13:10:12.510" v="310" actId="20577"/>
-          <ac:spMkLst>
-            <pc:docMk/>
-            <pc:sldMk cId="3565370259" sldId="258"/>
-            <ac:spMk id="3" creationId="{38BE387B-C4CC-4544-B04B-B8D2E0423CDE}"/>
-          </ac:spMkLst>
-        </pc:spChg>
-      </pc:sldChg>
       <pc:sldChg chg="addSp delSp modSp add ord">
         <pc:chgData name="akhil nichenametla" userId="a81230d310ee9045" providerId="LiveId" clId="{8C1AD7E2-4627-4914-A7F2-925FDD922AF0}" dt="2018-03-11T17:02:53.308" v="2943" actId="6549"/>
         <pc:sldMkLst>
@@ -345,76 +323,6 @@
           </ac:spMkLst>
         </pc:spChg>
       </pc:sldChg>
-      <pc:sldChg chg="modSp add del">
-        <pc:chgData name="akhil nichenametla" userId="a81230d310ee9045" providerId="LiveId" clId="{8C1AD7E2-4627-4914-A7F2-925FDD922AF0}" dt="2018-03-11T13:53:13.654" v="1560" actId="2696"/>
-        <pc:sldMkLst>
-          <pc:docMk/>
-          <pc:sldMk cId="449580064" sldId="264"/>
-        </pc:sldMkLst>
-        <pc:spChg chg="mod">
-          <ac:chgData name="akhil nichenametla" userId="a81230d310ee9045" providerId="LiveId" clId="{8C1AD7E2-4627-4914-A7F2-925FDD922AF0}" dt="2018-03-11T13:53:06.911" v="1559" actId="20577"/>
-          <ac:spMkLst>
-            <pc:docMk/>
-            <pc:sldMk cId="449580064" sldId="264"/>
-            <ac:spMk id="2" creationId="{92A25763-27CA-4671-8F2B-62098992E396}"/>
-          </ac:spMkLst>
-        </pc:spChg>
-      </pc:sldChg>
-      <pc:sldChg chg="addSp delSp modSp add del">
-        <pc:chgData name="akhil nichenametla" userId="a81230d310ee9045" providerId="LiveId" clId="{8C1AD7E2-4627-4914-A7F2-925FDD922AF0}" dt="2018-03-11T17:01:26.857" v="2865" actId="2696"/>
-        <pc:sldMkLst>
-          <pc:docMk/>
-          <pc:sldMk cId="2382366722" sldId="264"/>
-        </pc:sldMkLst>
-        <pc:spChg chg="mod">
-          <ac:chgData name="akhil nichenametla" userId="a81230d310ee9045" providerId="LiveId" clId="{8C1AD7E2-4627-4914-A7F2-925FDD922AF0}" dt="2018-03-11T16:54:26.505" v="2577"/>
-          <ac:spMkLst>
-            <pc:docMk/>
-            <pc:sldMk cId="2382366722" sldId="264"/>
-            <ac:spMk id="2" creationId="{6D445627-2136-4816-8D20-F12E37388431}"/>
-          </ac:spMkLst>
-        </pc:spChg>
-        <pc:spChg chg="del">
-          <ac:chgData name="akhil nichenametla" userId="a81230d310ee9045" providerId="LiveId" clId="{8C1AD7E2-4627-4914-A7F2-925FDD922AF0}" dt="2018-03-11T13:55:00.359" v="1572" actId="931"/>
-          <ac:spMkLst>
-            <pc:docMk/>
-            <pc:sldMk cId="2382366722" sldId="264"/>
-            <ac:spMk id="3" creationId="{CBFB0A7E-D7B3-43E0-8558-13E0A34531B0}"/>
-          </ac:spMkLst>
-        </pc:spChg>
-        <pc:spChg chg="add del mod">
-          <ac:chgData name="akhil nichenametla" userId="a81230d310ee9045" providerId="LiveId" clId="{8C1AD7E2-4627-4914-A7F2-925FDD922AF0}" dt="2018-03-11T16:56:22.663" v="2583" actId="478"/>
-          <ac:spMkLst>
-            <pc:docMk/>
-            <pc:sldMk cId="2382366722" sldId="264"/>
-            <ac:spMk id="3" creationId="{574660EE-D6A1-4434-97F7-8C73E7A48B7E}"/>
-          </ac:spMkLst>
-        </pc:spChg>
-        <pc:spChg chg="add del">
-          <ac:chgData name="akhil nichenametla" userId="a81230d310ee9045" providerId="LiveId" clId="{8C1AD7E2-4627-4914-A7F2-925FDD922AF0}" dt="2018-03-11T13:54:33.950" v="1571" actId="255"/>
-          <ac:spMkLst>
-            <pc:docMk/>
-            <pc:sldMk cId="2382366722" sldId="264"/>
-            <ac:spMk id="4" creationId="{5162703A-C938-44FB-AA4C-98E6C340875A}"/>
-          </ac:spMkLst>
-        </pc:spChg>
-        <pc:spChg chg="add del mod">
-          <ac:chgData name="akhil nichenametla" userId="a81230d310ee9045" providerId="LiveId" clId="{8C1AD7E2-4627-4914-A7F2-925FDD922AF0}" dt="2018-03-11T16:58:09.792" v="2592"/>
-          <ac:spMkLst>
-            <pc:docMk/>
-            <pc:sldMk cId="2382366722" sldId="264"/>
-            <ac:spMk id="9" creationId="{2B83FB50-E421-45F2-BEBC-8737D1E809E6}"/>
-          </ac:spMkLst>
-        </pc:spChg>
-        <pc:picChg chg="add del mod modCrop">
-          <ac:chgData name="akhil nichenametla" userId="a81230d310ee9045" providerId="LiveId" clId="{8C1AD7E2-4627-4914-A7F2-925FDD922AF0}" dt="2018-03-11T16:54:36.594" v="2580"/>
-          <ac:picMkLst>
-            <pc:docMk/>
-            <pc:sldMk cId="2382366722" sldId="264"/>
-            <ac:picMk id="8" creationId="{B00AB17D-50D6-43AD-BFAC-9FD4EEF6D372}"/>
-          </ac:picMkLst>
-        </pc:picChg>
-      </pc:sldChg>
       <pc:sldChg chg="modSp add">
         <pc:chgData name="akhil nichenametla" userId="a81230d310ee9045" providerId="LiveId" clId="{8C1AD7E2-4627-4914-A7F2-925FDD922AF0}" dt="2018-03-11T16:53:48.632" v="2575"/>
         <pc:sldMkLst>
@@ -435,29 +343,6 @@
             <pc:docMk/>
             <pc:sldMk cId="633247017" sldId="265"/>
             <ac:spMk id="3" creationId="{E55FE8F5-CA8C-47A0-9D38-11272B2115A9}"/>
-          </ac:spMkLst>
-        </pc:spChg>
-      </pc:sldChg>
-      <pc:sldChg chg="delSp modSp add del">
-        <pc:chgData name="akhil nichenametla" userId="a81230d310ee9045" providerId="LiveId" clId="{8C1AD7E2-4627-4914-A7F2-925FDD922AF0}" dt="2018-03-11T17:02:39.168" v="2930" actId="2696"/>
-        <pc:sldMkLst>
-          <pc:docMk/>
-          <pc:sldMk cId="2834070916" sldId="266"/>
-        </pc:sldMkLst>
-        <pc:spChg chg="del">
-          <ac:chgData name="akhil nichenametla" userId="a81230d310ee9045" providerId="LiveId" clId="{8C1AD7E2-4627-4914-A7F2-925FDD922AF0}" dt="2018-03-11T17:02:21.383" v="2928" actId="478"/>
-          <ac:spMkLst>
-            <pc:docMk/>
-            <pc:sldMk cId="2834070916" sldId="266"/>
-            <ac:spMk id="2" creationId="{71B4F91D-285C-4829-BC47-4504FE8358AD}"/>
-          </ac:spMkLst>
-        </pc:spChg>
-        <pc:spChg chg="mod">
-          <ac:chgData name="akhil nichenametla" userId="a81230d310ee9045" providerId="LiveId" clId="{8C1AD7E2-4627-4914-A7F2-925FDD922AF0}" dt="2018-03-11T17:02:27.814" v="2929" actId="14100"/>
-          <ac:spMkLst>
-            <pc:docMk/>
-            <pc:sldMk cId="2834070916" sldId="266"/>
-            <ac:spMk id="3" creationId="{38397194-D9F9-4119-A897-0B0A8C1178FD}"/>
           </ac:spMkLst>
         </pc:spChg>
       </pc:sldChg>
@@ -484,11 +369,523 @@
           </ac:spMkLst>
         </pc:spChg>
         <pc:picChg chg="add">
-          <ac:chgData name="akhil nichenametla" userId="a81230d310ee9045" providerId="LiveId" clId="{8C1AD7E2-4627-4914-A7F2-925FDD922AF0}" dt="2018-03-11T16:54:46.384" v="2582"/>
+          <ac:chgData name="akhil nichenametla" userId="a81230d310ee9045" providerId="LiveId" clId="{8C1AD7E2-4627-4914-A7F2-925FDD922AF0}" dt="2018-03-11T16:54:46.384" v="2582" actId="20577"/>
           <ac:picMkLst>
             <pc:docMk/>
             <pc:sldMk cId="3724018283" sldId="267"/>
             <ac:picMk id="4" creationId="{CBC62962-B882-46FD-9153-4F63ED1E3620}"/>
+          </ac:picMkLst>
+        </pc:picChg>
+      </pc:sldChg>
+    </pc:docChg>
+  </pc:docChgLst>
+  <pc:docChgLst>
+    <pc:chgData name="akhil nichenametla" userId="a81230d310ee9045" providerId="LiveId" clId="{C913DC0E-B48D-4DEF-B0D3-C733854A3FBB}"/>
+    <pc:docChg chg="undo custSel addSld modSld">
+      <pc:chgData name="akhil nichenametla" userId="a81230d310ee9045" providerId="LiveId" clId="{C913DC0E-B48D-4DEF-B0D3-C733854A3FBB}" dt="2018-04-24T04:06:18.149" v="514" actId="20577"/>
+      <pc:docMkLst>
+        <pc:docMk/>
+      </pc:docMkLst>
+      <pc:sldChg chg="addSp modSp mod setBg setClrOvrMap">
+        <pc:chgData name="akhil nichenametla" userId="a81230d310ee9045" providerId="LiveId" clId="{C913DC0E-B48D-4DEF-B0D3-C733854A3FBB}" dt="2018-04-24T04:06:18.149" v="514" actId="20577"/>
+        <pc:sldMkLst>
+          <pc:docMk/>
+          <pc:sldMk cId="504835396" sldId="256"/>
+        </pc:sldMkLst>
+        <pc:spChg chg="mod">
+          <ac:chgData name="akhil nichenametla" userId="a81230d310ee9045" providerId="LiveId" clId="{C913DC0E-B48D-4DEF-B0D3-C733854A3FBB}" dt="2018-04-23T05:03:52.418" v="49" actId="26606"/>
+          <ac:spMkLst>
+            <pc:docMk/>
+            <pc:sldMk cId="504835396" sldId="256"/>
+            <ac:spMk id="2" creationId="{9A62A0EB-3339-4C0F-BDD8-1416978EC775}"/>
+          </ac:spMkLst>
+        </pc:spChg>
+        <pc:spChg chg="mod">
+          <ac:chgData name="akhil nichenametla" userId="a81230d310ee9045" providerId="LiveId" clId="{C913DC0E-B48D-4DEF-B0D3-C733854A3FBB}" dt="2018-04-24T04:06:18.149" v="514" actId="20577"/>
+          <ac:spMkLst>
+            <pc:docMk/>
+            <pc:sldMk cId="504835396" sldId="256"/>
+            <ac:spMk id="3" creationId="{BD3B80D5-8526-41ED-8B63-0BD698AF6895}"/>
+          </ac:spMkLst>
+        </pc:spChg>
+        <pc:spChg chg="add">
+          <ac:chgData name="akhil nichenametla" userId="a81230d310ee9045" providerId="LiveId" clId="{C913DC0E-B48D-4DEF-B0D3-C733854A3FBB}" dt="2018-04-23T05:03:52.418" v="49" actId="26606"/>
+          <ac:spMkLst>
+            <pc:docMk/>
+            <pc:sldMk cId="504835396" sldId="256"/>
+            <ac:spMk id="13" creationId="{053FB2EE-284F-4C87-AB3D-BBF87A9FAB97}"/>
+          </ac:spMkLst>
+        </pc:spChg>
+        <pc:grpChg chg="add">
+          <ac:chgData name="akhil nichenametla" userId="a81230d310ee9045" providerId="LiveId" clId="{C913DC0E-B48D-4DEF-B0D3-C733854A3FBB}" dt="2018-04-23T05:03:52.418" v="49" actId="26606"/>
+          <ac:grpSpMkLst>
+            <pc:docMk/>
+            <pc:sldMk cId="504835396" sldId="256"/>
+            <ac:grpSpMk id="8" creationId="{D2C4BFA1-2075-4901-9E24-E41D1FDD51FD}"/>
+          </ac:grpSpMkLst>
+        </pc:grpChg>
+      </pc:sldChg>
+      <pc:sldChg chg="addSp delSp modSp mod setBg setClrOvrMap">
+        <pc:chgData name="akhil nichenametla" userId="a81230d310ee9045" providerId="LiveId" clId="{C913DC0E-B48D-4DEF-B0D3-C733854A3FBB}" dt="2018-04-23T06:40:28.972" v="71" actId="20577"/>
+        <pc:sldMkLst>
+          <pc:docMk/>
+          <pc:sldMk cId="723266806" sldId="257"/>
+        </pc:sldMkLst>
+        <pc:spChg chg="mod">
+          <ac:chgData name="akhil nichenametla" userId="a81230d310ee9045" providerId="LiveId" clId="{C913DC0E-B48D-4DEF-B0D3-C733854A3FBB}" dt="2018-04-23T05:04:08.177" v="53" actId="26606"/>
+          <ac:spMkLst>
+            <pc:docMk/>
+            <pc:sldMk cId="723266806" sldId="257"/>
+            <ac:spMk id="2" creationId="{FBE02F02-7572-43E6-B90A-2A749A30CC0D}"/>
+          </ac:spMkLst>
+        </pc:spChg>
+        <pc:spChg chg="mod">
+          <ac:chgData name="akhil nichenametla" userId="a81230d310ee9045" providerId="LiveId" clId="{C913DC0E-B48D-4DEF-B0D3-C733854A3FBB}" dt="2018-04-23T06:40:28.972" v="71" actId="20577"/>
+          <ac:spMkLst>
+            <pc:docMk/>
+            <pc:sldMk cId="723266806" sldId="257"/>
+            <ac:spMk id="3" creationId="{C7760ED8-01A7-4C9D-9B5B-81A1C53502DD}"/>
+          </ac:spMkLst>
+        </pc:spChg>
+        <pc:spChg chg="add del">
+          <ac:chgData name="akhil nichenametla" userId="a81230d310ee9045" providerId="LiveId" clId="{C913DC0E-B48D-4DEF-B0D3-C733854A3FBB}" dt="2018-04-23T05:04:08.146" v="52" actId="26606"/>
+          <ac:spMkLst>
+            <pc:docMk/>
+            <pc:sldMk cId="723266806" sldId="257"/>
+            <ac:spMk id="11" creationId="{E364580B-B24D-4448-B898-C13F15482BC5}"/>
+          </ac:spMkLst>
+        </pc:spChg>
+        <pc:spChg chg="add del">
+          <ac:chgData name="akhil nichenametla" userId="a81230d310ee9045" providerId="LiveId" clId="{C913DC0E-B48D-4DEF-B0D3-C733854A3FBB}" dt="2018-04-23T05:04:08.146" v="52" actId="26606"/>
+          <ac:spMkLst>
+            <pc:docMk/>
+            <pc:sldMk cId="723266806" sldId="257"/>
+            <ac:spMk id="13" creationId="{8CEBB63E-FF19-493F-9618-BFFB451DF4C5}"/>
+          </ac:spMkLst>
+        </pc:spChg>
+        <pc:spChg chg="add">
+          <ac:chgData name="akhil nichenametla" userId="a81230d310ee9045" providerId="LiveId" clId="{C913DC0E-B48D-4DEF-B0D3-C733854A3FBB}" dt="2018-04-23T05:04:08.177" v="53" actId="26606"/>
+          <ac:spMkLst>
+            <pc:docMk/>
+            <pc:sldMk cId="723266806" sldId="257"/>
+            <ac:spMk id="15" creationId="{59A309A7-1751-4ABE-A3C1-EEC40366AD89}"/>
+          </ac:spMkLst>
+        </pc:spChg>
+        <pc:spChg chg="add">
+          <ac:chgData name="akhil nichenametla" userId="a81230d310ee9045" providerId="LiveId" clId="{C913DC0E-B48D-4DEF-B0D3-C733854A3FBB}" dt="2018-04-23T05:04:08.177" v="53" actId="26606"/>
+          <ac:spMkLst>
+            <pc:docMk/>
+            <pc:sldMk cId="723266806" sldId="257"/>
+            <ac:spMk id="16" creationId="{967D8EB6-EAE1-4F9C-B398-83321E287204}"/>
+          </ac:spMkLst>
+        </pc:spChg>
+        <pc:picChg chg="mod ord">
+          <ac:chgData name="akhil nichenametla" userId="a81230d310ee9045" providerId="LiveId" clId="{C913DC0E-B48D-4DEF-B0D3-C733854A3FBB}" dt="2018-04-23T05:04:08.177" v="53" actId="26606"/>
+          <ac:picMkLst>
+            <pc:docMk/>
+            <pc:sldMk cId="723266806" sldId="257"/>
+            <ac:picMk id="6" creationId="{E7C981E1-EA23-4EC4-B374-F1683C53E1FE}"/>
+          </ac:picMkLst>
+        </pc:picChg>
+      </pc:sldChg>
+      <pc:sldChg chg="addSp modSp mod setBg">
+        <pc:chgData name="akhil nichenametla" userId="a81230d310ee9045" providerId="LiveId" clId="{C913DC0E-B48D-4DEF-B0D3-C733854A3FBB}" dt="2018-04-23T05:03:57.639" v="50" actId="26606"/>
+        <pc:sldMkLst>
+          <pc:docMk/>
+          <pc:sldMk cId="1927497806" sldId="260"/>
+        </pc:sldMkLst>
+        <pc:spChg chg="mod">
+          <ac:chgData name="akhil nichenametla" userId="a81230d310ee9045" providerId="LiveId" clId="{C913DC0E-B48D-4DEF-B0D3-C733854A3FBB}" dt="2018-04-23T05:03:57.639" v="50" actId="26606"/>
+          <ac:spMkLst>
+            <pc:docMk/>
+            <pc:sldMk cId="1927497806" sldId="260"/>
+            <ac:spMk id="2" creationId="{71F3F883-3537-4AE6-B914-B95436F11E6A}"/>
+          </ac:spMkLst>
+        </pc:spChg>
+        <pc:spChg chg="mod">
+          <ac:chgData name="akhil nichenametla" userId="a81230d310ee9045" providerId="LiveId" clId="{C913DC0E-B48D-4DEF-B0D3-C733854A3FBB}" dt="2018-04-23T05:03:57.639" v="50" actId="26606"/>
+          <ac:spMkLst>
+            <pc:docMk/>
+            <pc:sldMk cId="1927497806" sldId="260"/>
+            <ac:spMk id="3" creationId="{A0CAC584-E958-4AC6-97C8-4FFCB28CFAFC}"/>
+          </ac:spMkLst>
+        </pc:spChg>
+        <pc:spChg chg="add">
+          <ac:chgData name="akhil nichenametla" userId="a81230d310ee9045" providerId="LiveId" clId="{C913DC0E-B48D-4DEF-B0D3-C733854A3FBB}" dt="2018-04-23T05:03:57.639" v="50" actId="26606"/>
+          <ac:spMkLst>
+            <pc:docMk/>
+            <pc:sldMk cId="1927497806" sldId="260"/>
+            <ac:spMk id="8" creationId="{E89ACC69-ADF2-492B-84C5-EA2CC16071F3}"/>
+          </ac:spMkLst>
+        </pc:spChg>
+        <pc:cxnChg chg="add">
+          <ac:chgData name="akhil nichenametla" userId="a81230d310ee9045" providerId="LiveId" clId="{C913DC0E-B48D-4DEF-B0D3-C733854A3FBB}" dt="2018-04-23T05:03:57.639" v="50" actId="26606"/>
+          <ac:cxnSpMkLst>
+            <pc:docMk/>
+            <pc:sldMk cId="1927497806" sldId="260"/>
+            <ac:cxnSpMk id="10" creationId="{F2AE495E-2AAF-4BC1-87A5-331009D82896}"/>
+          </ac:cxnSpMkLst>
+        </pc:cxnChg>
+      </pc:sldChg>
+      <pc:sldChg chg="modSp">
+        <pc:chgData name="akhil nichenametla" userId="a81230d310ee9045" providerId="LiveId" clId="{C913DC0E-B48D-4DEF-B0D3-C733854A3FBB}" dt="2018-04-23T06:41:44.912" v="75" actId="20577"/>
+        <pc:sldMkLst>
+          <pc:docMk/>
+          <pc:sldMk cId="287842034" sldId="261"/>
+        </pc:sldMkLst>
+        <pc:spChg chg="mod">
+          <ac:chgData name="akhil nichenametla" userId="a81230d310ee9045" providerId="LiveId" clId="{C913DC0E-B48D-4DEF-B0D3-C733854A3FBB}" dt="2018-04-23T06:41:44.912" v="75" actId="20577"/>
+          <ac:spMkLst>
+            <pc:docMk/>
+            <pc:sldMk cId="287842034" sldId="261"/>
+            <ac:spMk id="2" creationId="{8A1A5307-B5B4-4C83-82EB-C93C66940AC6}"/>
+          </ac:spMkLst>
+        </pc:spChg>
+        <pc:spChg chg="mod">
+          <ac:chgData name="akhil nichenametla" userId="a81230d310ee9045" providerId="LiveId" clId="{C913DC0E-B48D-4DEF-B0D3-C733854A3FBB}" dt="2018-04-23T03:54:50.341" v="37" actId="20577"/>
+          <ac:spMkLst>
+            <pc:docMk/>
+            <pc:sldMk cId="287842034" sldId="261"/>
+            <ac:spMk id="3" creationId="{84E7717E-8788-4DBE-B117-27D31F905FEE}"/>
+          </ac:spMkLst>
+        </pc:spChg>
+      </pc:sldChg>
+      <pc:sldChg chg="modSp">
+        <pc:chgData name="akhil nichenametla" userId="a81230d310ee9045" providerId="LiveId" clId="{C913DC0E-B48D-4DEF-B0D3-C733854A3FBB}" dt="2018-04-24T01:45:50.973" v="512" actId="20577"/>
+        <pc:sldMkLst>
+          <pc:docMk/>
+          <pc:sldMk cId="200174806" sldId="262"/>
+        </pc:sldMkLst>
+        <pc:spChg chg="mod">
+          <ac:chgData name="akhil nichenametla" userId="a81230d310ee9045" providerId="LiveId" clId="{C913DC0E-B48D-4DEF-B0D3-C733854A3FBB}" dt="2018-04-24T01:45:50.973" v="512" actId="20577"/>
+          <ac:spMkLst>
+            <pc:docMk/>
+            <pc:sldMk cId="200174806" sldId="262"/>
+            <ac:spMk id="3" creationId="{F009BDAD-DD00-45B0-86BB-AF277DA8DB78}"/>
+          </ac:spMkLst>
+        </pc:spChg>
+      </pc:sldChg>
+      <pc:sldChg chg="addSp delSp modSp mod setBg">
+        <pc:chgData name="akhil nichenametla" userId="a81230d310ee9045" providerId="LiveId" clId="{C913DC0E-B48D-4DEF-B0D3-C733854A3FBB}" dt="2018-04-23T05:04:41.809" v="61" actId="26606"/>
+        <pc:sldMkLst>
+          <pc:docMk/>
+          <pc:sldMk cId="3238141033" sldId="263"/>
+        </pc:sldMkLst>
+        <pc:spChg chg="mod">
+          <ac:chgData name="akhil nichenametla" userId="a81230d310ee9045" providerId="LiveId" clId="{C913DC0E-B48D-4DEF-B0D3-C733854A3FBB}" dt="2018-04-23T05:04:41.809" v="61" actId="26606"/>
+          <ac:spMkLst>
+            <pc:docMk/>
+            <pc:sldMk cId="3238141033" sldId="263"/>
+            <ac:spMk id="2" creationId="{23E266F1-364C-4CB6-8133-1B859B3CBCE1}"/>
+          </ac:spMkLst>
+        </pc:spChg>
+        <pc:spChg chg="mod">
+          <ac:chgData name="akhil nichenametla" userId="a81230d310ee9045" providerId="LiveId" clId="{C913DC0E-B48D-4DEF-B0D3-C733854A3FBB}" dt="2018-04-23T05:04:41.809" v="61" actId="26606"/>
+          <ac:spMkLst>
+            <pc:docMk/>
+            <pc:sldMk cId="3238141033" sldId="263"/>
+            <ac:spMk id="3" creationId="{C8C124EF-88C1-4CA5-910B-8A389537DFD9}"/>
+          </ac:spMkLst>
+        </pc:spChg>
+        <pc:spChg chg="add del">
+          <ac:chgData name="akhil nichenametla" userId="a81230d310ee9045" providerId="LiveId" clId="{C913DC0E-B48D-4DEF-B0D3-C733854A3FBB}" dt="2018-04-23T05:04:39.323" v="58" actId="26606"/>
+          <ac:spMkLst>
+            <pc:docMk/>
+            <pc:sldMk cId="3238141033" sldId="263"/>
+            <ac:spMk id="8" creationId="{8D70B121-56F4-4848-B38B-182089D909FA}"/>
+          </ac:spMkLst>
+        </pc:spChg>
+        <pc:spChg chg="add del">
+          <ac:chgData name="akhil nichenametla" userId="a81230d310ee9045" providerId="LiveId" clId="{C913DC0E-B48D-4DEF-B0D3-C733854A3FBB}" dt="2018-04-23T05:04:41.809" v="60" actId="26606"/>
+          <ac:spMkLst>
+            <pc:docMk/>
+            <pc:sldMk cId="3238141033" sldId="263"/>
+            <ac:spMk id="12" creationId="{F7194F93-1F71-4A70-9DF1-28F183771111}"/>
+          </ac:spMkLst>
+        </pc:spChg>
+        <pc:spChg chg="add del">
+          <ac:chgData name="akhil nichenametla" userId="a81230d310ee9045" providerId="LiveId" clId="{C913DC0E-B48D-4DEF-B0D3-C733854A3FBB}" dt="2018-04-23T05:04:41.809" v="60" actId="26606"/>
+          <ac:spMkLst>
+            <pc:docMk/>
+            <pc:sldMk cId="3238141033" sldId="263"/>
+            <ac:spMk id="13" creationId="{E4F9F79B-A093-478E-96B5-EE02BC93A858}"/>
+          </ac:spMkLst>
+        </pc:spChg>
+        <pc:spChg chg="add del">
+          <ac:chgData name="akhil nichenametla" userId="a81230d310ee9045" providerId="LiveId" clId="{C913DC0E-B48D-4DEF-B0D3-C733854A3FBB}" dt="2018-04-23T05:04:41.809" v="60" actId="26606"/>
+          <ac:spMkLst>
+            <pc:docMk/>
+            <pc:sldMk cId="3238141033" sldId="263"/>
+            <ac:spMk id="14" creationId="{9BBC0C84-DC2A-43AE-9576-0A44295E8B9C}"/>
+          </ac:spMkLst>
+        </pc:spChg>
+        <pc:spChg chg="add del">
+          <ac:chgData name="akhil nichenametla" userId="a81230d310ee9045" providerId="LiveId" clId="{C913DC0E-B48D-4DEF-B0D3-C733854A3FBB}" dt="2018-04-23T05:04:41.809" v="60" actId="26606"/>
+          <ac:spMkLst>
+            <pc:docMk/>
+            <pc:sldMk cId="3238141033" sldId="263"/>
+            <ac:spMk id="16" creationId="{11394CD8-BD30-4B74-86F4-51FDF3383419}"/>
+          </ac:spMkLst>
+        </pc:spChg>
+        <pc:spChg chg="add">
+          <ac:chgData name="akhil nichenametla" userId="a81230d310ee9045" providerId="LiveId" clId="{C913DC0E-B48D-4DEF-B0D3-C733854A3FBB}" dt="2018-04-23T05:04:41.809" v="61" actId="26606"/>
+          <ac:spMkLst>
+            <pc:docMk/>
+            <pc:sldMk cId="3238141033" sldId="263"/>
+            <ac:spMk id="18" creationId="{59A309A7-1751-4ABE-A3C1-EEC40366AD89}"/>
+          </ac:spMkLst>
+        </pc:spChg>
+        <pc:spChg chg="add">
+          <ac:chgData name="akhil nichenametla" userId="a81230d310ee9045" providerId="LiveId" clId="{C913DC0E-B48D-4DEF-B0D3-C733854A3FBB}" dt="2018-04-23T05:04:41.809" v="61" actId="26606"/>
+          <ac:spMkLst>
+            <pc:docMk/>
+            <pc:sldMk cId="3238141033" sldId="263"/>
+            <ac:spMk id="19" creationId="{967D8EB6-EAE1-4F9C-B398-83321E287204}"/>
+          </ac:spMkLst>
+        </pc:spChg>
+        <pc:picChg chg="add">
+          <ac:chgData name="akhil nichenametla" userId="a81230d310ee9045" providerId="LiveId" clId="{C913DC0E-B48D-4DEF-B0D3-C733854A3FBB}" dt="2018-04-23T05:04:41.809" v="61" actId="26606"/>
+          <ac:picMkLst>
+            <pc:docMk/>
+            <pc:sldMk cId="3238141033" sldId="263"/>
+            <ac:picMk id="7" creationId="{61DEAE87-D783-4033-B894-5D38F3AC7D4A}"/>
+          </ac:picMkLst>
+        </pc:picChg>
+        <pc:cxnChg chg="add del">
+          <ac:chgData name="akhil nichenametla" userId="a81230d310ee9045" providerId="LiveId" clId="{C913DC0E-B48D-4DEF-B0D3-C733854A3FBB}" dt="2018-04-23T05:04:39.323" v="58" actId="26606"/>
+          <ac:cxnSpMkLst>
+            <pc:docMk/>
+            <pc:sldMk cId="3238141033" sldId="263"/>
+            <ac:cxnSpMk id="10" creationId="{2D72A2C9-F3CA-4216-8BAD-FA4C970C3C4E}"/>
+          </ac:cxnSpMkLst>
+        </pc:cxnChg>
+        <pc:cxnChg chg="add del">
+          <ac:chgData name="akhil nichenametla" userId="a81230d310ee9045" providerId="LiveId" clId="{C913DC0E-B48D-4DEF-B0D3-C733854A3FBB}" dt="2018-04-23T05:04:41.809" v="60" actId="26606"/>
+          <ac:cxnSpMkLst>
+            <pc:docMk/>
+            <pc:sldMk cId="3238141033" sldId="263"/>
+            <ac:cxnSpMk id="15" creationId="{D4C22394-EBC2-4FAF-A555-6C02D589EED7}"/>
+          </ac:cxnSpMkLst>
+        </pc:cxnChg>
+      </pc:sldChg>
+      <pc:sldChg chg="addSp delSp modSp mod setBg">
+        <pc:chgData name="akhil nichenametla" userId="a81230d310ee9045" providerId="LiveId" clId="{C913DC0E-B48D-4DEF-B0D3-C733854A3FBB}" dt="2018-04-23T06:44:53.339" v="171" actId="20577"/>
+        <pc:sldMkLst>
+          <pc:docMk/>
+          <pc:sldMk cId="633247017" sldId="265"/>
+        </pc:sldMkLst>
+        <pc:spChg chg="mod">
+          <ac:chgData name="akhil nichenametla" userId="a81230d310ee9045" providerId="LiveId" clId="{C913DC0E-B48D-4DEF-B0D3-C733854A3FBB}" dt="2018-04-23T05:05:04.875" v="68" actId="26606"/>
+          <ac:spMkLst>
+            <pc:docMk/>
+            <pc:sldMk cId="633247017" sldId="265"/>
+            <ac:spMk id="2" creationId="{B2778BDC-494C-4AE0-81C0-9AC49142DF11}"/>
+          </ac:spMkLst>
+        </pc:spChg>
+        <pc:spChg chg="add del">
+          <ac:chgData name="akhil nichenametla" userId="a81230d310ee9045" providerId="LiveId" clId="{C913DC0E-B48D-4DEF-B0D3-C733854A3FBB}" dt="2018-04-23T05:05:04.875" v="68" actId="26606"/>
+          <ac:spMkLst>
+            <pc:docMk/>
+            <pc:sldMk cId="633247017" sldId="265"/>
+            <ac:spMk id="3" creationId="{E55FE8F5-CA8C-47A0-9D38-11272B2115A9}"/>
+          </ac:spMkLst>
+        </pc:spChg>
+        <pc:spChg chg="add del">
+          <ac:chgData name="akhil nichenametla" userId="a81230d310ee9045" providerId="LiveId" clId="{C913DC0E-B48D-4DEF-B0D3-C733854A3FBB}" dt="2018-04-23T05:04:55.854" v="65" actId="26606"/>
+          <ac:spMkLst>
+            <pc:docMk/>
+            <pc:sldMk cId="633247017" sldId="265"/>
+            <ac:spMk id="7" creationId="{E55FE8F5-CA8C-47A0-9D38-11272B2115A9}"/>
+          </ac:spMkLst>
+        </pc:spChg>
+        <pc:spChg chg="add del">
+          <ac:chgData name="akhil nichenametla" userId="a81230d310ee9045" providerId="LiveId" clId="{C913DC0E-B48D-4DEF-B0D3-C733854A3FBB}" dt="2018-04-23T05:04:55.854" v="65" actId="26606"/>
+          <ac:spMkLst>
+            <pc:docMk/>
+            <pc:sldMk cId="633247017" sldId="265"/>
+            <ac:spMk id="8" creationId="{F98ED85F-DCEE-4B50-802E-71A6E3E12B04}"/>
+          </ac:spMkLst>
+        </pc:spChg>
+        <pc:spChg chg="add del">
+          <ac:chgData name="akhil nichenametla" userId="a81230d310ee9045" providerId="LiveId" clId="{C913DC0E-B48D-4DEF-B0D3-C733854A3FBB}" dt="2018-04-23T05:05:04.859" v="67" actId="26606"/>
+          <ac:spMkLst>
+            <pc:docMk/>
+            <pc:sldMk cId="633247017" sldId="265"/>
+            <ac:spMk id="11" creationId="{8D70B121-56F4-4848-B38B-182089D909FA}"/>
+          </ac:spMkLst>
+        </pc:spChg>
+        <pc:spChg chg="add del">
+          <ac:chgData name="akhil nichenametla" userId="a81230d310ee9045" providerId="LiveId" clId="{C913DC0E-B48D-4DEF-B0D3-C733854A3FBB}" dt="2018-04-23T05:05:04.859" v="67" actId="26606"/>
+          <ac:spMkLst>
+            <pc:docMk/>
+            <pc:sldMk cId="633247017" sldId="265"/>
+            <ac:spMk id="12" creationId="{E55FE8F5-CA8C-47A0-9D38-11272B2115A9}"/>
+          </ac:spMkLst>
+        </pc:spChg>
+        <pc:spChg chg="add">
+          <ac:chgData name="akhil nichenametla" userId="a81230d310ee9045" providerId="LiveId" clId="{C913DC0E-B48D-4DEF-B0D3-C733854A3FBB}" dt="2018-04-23T05:05:04.875" v="68" actId="26606"/>
+          <ac:spMkLst>
+            <pc:docMk/>
+            <pc:sldMk cId="633247017" sldId="265"/>
+            <ac:spMk id="14" creationId="{59A309A7-1751-4ABE-A3C1-EEC40366AD89}"/>
+          </ac:spMkLst>
+        </pc:spChg>
+        <pc:spChg chg="add">
+          <ac:chgData name="akhil nichenametla" userId="a81230d310ee9045" providerId="LiveId" clId="{C913DC0E-B48D-4DEF-B0D3-C733854A3FBB}" dt="2018-04-23T05:05:04.875" v="68" actId="26606"/>
+          <ac:spMkLst>
+            <pc:docMk/>
+            <pc:sldMk cId="633247017" sldId="265"/>
+            <ac:spMk id="15" creationId="{967D8EB6-EAE1-4F9C-B398-83321E287204}"/>
+          </ac:spMkLst>
+        </pc:spChg>
+        <pc:spChg chg="add mod">
+          <ac:chgData name="akhil nichenametla" userId="a81230d310ee9045" providerId="LiveId" clId="{C913DC0E-B48D-4DEF-B0D3-C733854A3FBB}" dt="2018-04-23T06:44:53.339" v="171" actId="20577"/>
+          <ac:spMkLst>
+            <pc:docMk/>
+            <pc:sldMk cId="633247017" sldId="265"/>
+            <ac:spMk id="17" creationId="{E55FE8F5-CA8C-47A0-9D38-11272B2115A9}"/>
+          </ac:spMkLst>
+        </pc:spChg>
+        <pc:graphicFrameChg chg="add del">
+          <ac:chgData name="akhil nichenametla" userId="a81230d310ee9045" providerId="LiveId" clId="{C913DC0E-B48D-4DEF-B0D3-C733854A3FBB}" dt="2018-04-23T05:04:54.651" v="63" actId="26606"/>
+          <ac:graphicFrameMkLst>
+            <pc:docMk/>
+            <pc:sldMk cId="633247017" sldId="265"/>
+            <ac:graphicFrameMk id="5" creationId="{7550F9E6-B02B-46FD-BF45-752EB2FE4B4B}"/>
+          </ac:graphicFrameMkLst>
+        </pc:graphicFrameChg>
+        <pc:picChg chg="add">
+          <ac:chgData name="akhil nichenametla" userId="a81230d310ee9045" providerId="LiveId" clId="{C913DC0E-B48D-4DEF-B0D3-C733854A3FBB}" dt="2018-04-23T05:05:04.875" v="68" actId="26606"/>
+          <ac:picMkLst>
+            <pc:docMk/>
+            <pc:sldMk cId="633247017" sldId="265"/>
+            <ac:picMk id="16" creationId="{C2D9C269-F0E5-4794-A5B4-EA04FD2047C3}"/>
+          </ac:picMkLst>
+        </pc:picChg>
+        <pc:cxnChg chg="add del">
+          <ac:chgData name="akhil nichenametla" userId="a81230d310ee9045" providerId="LiveId" clId="{C913DC0E-B48D-4DEF-B0D3-C733854A3FBB}" dt="2018-04-23T05:05:04.859" v="67" actId="26606"/>
+          <ac:cxnSpMkLst>
+            <pc:docMk/>
+            <pc:sldMk cId="633247017" sldId="265"/>
+            <ac:cxnSpMk id="10" creationId="{2D72A2C9-F3CA-4216-8BAD-FA4C970C3C4E}"/>
+          </ac:cxnSpMkLst>
+        </pc:cxnChg>
+      </pc:sldChg>
+      <pc:sldChg chg="addSp delSp modSp mod setBg">
+        <pc:chgData name="akhil nichenametla" userId="a81230d310ee9045" providerId="LiveId" clId="{C913DC0E-B48D-4DEF-B0D3-C733854A3FBB}" dt="2018-04-23T06:41:17.777" v="73" actId="1076"/>
+        <pc:sldMkLst>
+          <pc:docMk/>
+          <pc:sldMk cId="3724018283" sldId="267"/>
+        </pc:sldMkLst>
+        <pc:spChg chg="mod">
+          <ac:chgData name="akhil nichenametla" userId="a81230d310ee9045" providerId="LiveId" clId="{C913DC0E-B48D-4DEF-B0D3-C733854A3FBB}" dt="2018-04-23T06:41:10.686" v="72" actId="14100"/>
+          <ac:spMkLst>
+            <pc:docMk/>
+            <pc:sldMk cId="3724018283" sldId="267"/>
+            <ac:spMk id="2" creationId="{63F99C54-CC5E-4713-9B38-841B810237D4}"/>
+          </ac:spMkLst>
+        </pc:spChg>
+        <pc:spChg chg="mod">
+          <ac:chgData name="akhil nichenametla" userId="a81230d310ee9045" providerId="LiveId" clId="{C913DC0E-B48D-4DEF-B0D3-C733854A3FBB}" dt="2018-04-23T06:41:17.777" v="73" actId="1076"/>
+          <ac:spMkLst>
+            <pc:docMk/>
+            <pc:sldMk cId="3724018283" sldId="267"/>
+            <ac:spMk id="3" creationId="{83C9CD43-42B7-4B44-9137-6303035FC2C5}"/>
+          </ac:spMkLst>
+        </pc:spChg>
+        <pc:spChg chg="add del">
+          <ac:chgData name="akhil nichenametla" userId="a81230d310ee9045" providerId="LiveId" clId="{C913DC0E-B48D-4DEF-B0D3-C733854A3FBB}" dt="2018-04-23T05:04:18.712" v="55" actId="26606"/>
+          <ac:spMkLst>
+            <pc:docMk/>
+            <pc:sldMk cId="3724018283" sldId="267"/>
+            <ac:spMk id="9" creationId="{59A309A7-1751-4ABE-A3C1-EEC40366AD89}"/>
+          </ac:spMkLst>
+        </pc:spChg>
+        <pc:spChg chg="add del">
+          <ac:chgData name="akhil nichenametla" userId="a81230d310ee9045" providerId="LiveId" clId="{C913DC0E-B48D-4DEF-B0D3-C733854A3FBB}" dt="2018-04-23T05:04:18.712" v="55" actId="26606"/>
+          <ac:spMkLst>
+            <pc:docMk/>
+            <pc:sldMk cId="3724018283" sldId="267"/>
+            <ac:spMk id="11" creationId="{967D8EB6-EAE1-4F9C-B398-83321E287204}"/>
+          </ac:spMkLst>
+        </pc:spChg>
+        <pc:spChg chg="add">
+          <ac:chgData name="akhil nichenametla" userId="a81230d310ee9045" providerId="LiveId" clId="{C913DC0E-B48D-4DEF-B0D3-C733854A3FBB}" dt="2018-04-23T05:04:18.734" v="56" actId="26606"/>
+          <ac:spMkLst>
+            <pc:docMk/>
+            <pc:sldMk cId="3724018283" sldId="267"/>
+            <ac:spMk id="13" creationId="{59A309A7-1751-4ABE-A3C1-EEC40366AD89}"/>
+          </ac:spMkLst>
+        </pc:spChg>
+        <pc:spChg chg="add">
+          <ac:chgData name="akhil nichenametla" userId="a81230d310ee9045" providerId="LiveId" clId="{C913DC0E-B48D-4DEF-B0D3-C733854A3FBB}" dt="2018-04-23T05:04:18.734" v="56" actId="26606"/>
+          <ac:spMkLst>
+            <pc:docMk/>
+            <pc:sldMk cId="3724018283" sldId="267"/>
+            <ac:spMk id="14" creationId="{967D8EB6-EAE1-4F9C-B398-83321E287204}"/>
+          </ac:spMkLst>
+        </pc:spChg>
+        <pc:picChg chg="mod ord">
+          <ac:chgData name="akhil nichenametla" userId="a81230d310ee9045" providerId="LiveId" clId="{C913DC0E-B48D-4DEF-B0D3-C733854A3FBB}" dt="2018-04-23T05:04:18.734" v="56" actId="26606"/>
+          <ac:picMkLst>
+            <pc:docMk/>
+            <pc:sldMk cId="3724018283" sldId="267"/>
+            <ac:picMk id="4" creationId="{CBC62962-B882-46FD-9153-4F63ED1E3620}"/>
+          </ac:picMkLst>
+        </pc:picChg>
+      </pc:sldChg>
+      <pc:sldChg chg="addSp delSp modSp add mod setBg">
+        <pc:chgData name="akhil nichenametla" userId="a81230d310ee9045" providerId="LiveId" clId="{C913DC0E-B48D-4DEF-B0D3-C733854A3FBB}" dt="2018-04-23T16:50:41.907" v="511" actId="255"/>
+        <pc:sldMkLst>
+          <pc:docMk/>
+          <pc:sldMk cId="3216338175" sldId="268"/>
+        </pc:sldMkLst>
+        <pc:spChg chg="del mod">
+          <ac:chgData name="akhil nichenametla" userId="a81230d310ee9045" providerId="LiveId" clId="{C913DC0E-B48D-4DEF-B0D3-C733854A3FBB}" dt="2018-04-23T06:45:28.405" v="196" actId="478"/>
+          <ac:spMkLst>
+            <pc:docMk/>
+            <pc:sldMk cId="3216338175" sldId="268"/>
+            <ac:spMk id="2" creationId="{7FEE79B5-B36E-40CA-9C57-A6839D12185E}"/>
+          </ac:spMkLst>
+        </pc:spChg>
+        <pc:spChg chg="mod">
+          <ac:chgData name="akhil nichenametla" userId="a81230d310ee9045" providerId="LiveId" clId="{C913DC0E-B48D-4DEF-B0D3-C733854A3FBB}" dt="2018-04-23T16:50:41.907" v="511" actId="255"/>
+          <ac:spMkLst>
+            <pc:docMk/>
+            <pc:sldMk cId="3216338175" sldId="268"/>
+            <ac:spMk id="3" creationId="{247D2049-072E-4094-B624-1D15F41D8A52}"/>
+          </ac:spMkLst>
+        </pc:spChg>
+        <pc:spChg chg="add del mod">
+          <ac:chgData name="akhil nichenametla" userId="a81230d310ee9045" providerId="LiveId" clId="{C913DC0E-B48D-4DEF-B0D3-C733854A3FBB}" dt="2018-04-23T06:45:31.684" v="197" actId="478"/>
+          <ac:spMkLst>
+            <pc:docMk/>
+            <pc:sldMk cId="3216338175" sldId="268"/>
+            <ac:spMk id="5" creationId="{80334449-304F-46D9-B19F-5E0D7D206BD1}"/>
+          </ac:spMkLst>
+        </pc:spChg>
+        <pc:spChg chg="add">
+          <ac:chgData name="akhil nichenametla" userId="a81230d310ee9045" providerId="LiveId" clId="{C913DC0E-B48D-4DEF-B0D3-C733854A3FBB}" dt="2018-04-23T16:50:09.213" v="510" actId="26606"/>
+          <ac:spMkLst>
+            <pc:docMk/>
+            <pc:sldMk cId="3216338175" sldId="268"/>
+            <ac:spMk id="10" creationId="{59A309A7-1751-4ABE-A3C1-EEC40366AD89}"/>
+          </ac:spMkLst>
+        </pc:spChg>
+        <pc:spChg chg="add">
+          <ac:chgData name="akhil nichenametla" userId="a81230d310ee9045" providerId="LiveId" clId="{C913DC0E-B48D-4DEF-B0D3-C733854A3FBB}" dt="2018-04-23T16:50:09.213" v="510" actId="26606"/>
+          <ac:spMkLst>
+            <pc:docMk/>
+            <pc:sldMk cId="3216338175" sldId="268"/>
+            <ac:spMk id="12" creationId="{967D8EB6-EAE1-4F9C-B398-83321E287204}"/>
+          </ac:spMkLst>
+        </pc:spChg>
+        <pc:picChg chg="add">
+          <ac:chgData name="akhil nichenametla" userId="a81230d310ee9045" providerId="LiveId" clId="{C913DC0E-B48D-4DEF-B0D3-C733854A3FBB}" dt="2018-04-23T16:50:09.213" v="510" actId="26606"/>
+          <ac:picMkLst>
+            <pc:docMk/>
+            <pc:sldMk cId="3216338175" sldId="268"/>
+            <ac:picMk id="7" creationId="{890191A2-2B01-4C3E-92EF-84691F4E91A9}"/>
           </ac:picMkLst>
         </pc:picChg>
       </pc:sldChg>
@@ -646,7 +1043,7 @@
           <a:p>
             <a:fld id="{96CED55B-03A4-4965-9EF1-2DCB0FA2636F}" type="datetimeFigureOut">
               <a:rPr lang="en-IN" smtClean="0"/>
-              <a:t>11-03-2018</a:t>
+              <a:t>24-04-2018</a:t>
             </a:fld>
             <a:endParaRPr lang="en-IN"/>
           </a:p>
@@ -846,7 +1243,7 @@
           <a:p>
             <a:fld id="{96CED55B-03A4-4965-9EF1-2DCB0FA2636F}" type="datetimeFigureOut">
               <a:rPr lang="en-IN" smtClean="0"/>
-              <a:t>11-03-2018</a:t>
+              <a:t>24-04-2018</a:t>
             </a:fld>
             <a:endParaRPr lang="en-IN"/>
           </a:p>
@@ -1056,7 +1453,7 @@
           <a:p>
             <a:fld id="{96CED55B-03A4-4965-9EF1-2DCB0FA2636F}" type="datetimeFigureOut">
               <a:rPr lang="en-IN" smtClean="0"/>
-              <a:t>11-03-2018</a:t>
+              <a:t>24-04-2018</a:t>
             </a:fld>
             <a:endParaRPr lang="en-IN"/>
           </a:p>
@@ -1256,7 +1653,7 @@
           <a:p>
             <a:fld id="{96CED55B-03A4-4965-9EF1-2DCB0FA2636F}" type="datetimeFigureOut">
               <a:rPr lang="en-IN" smtClean="0"/>
-              <a:t>11-03-2018</a:t>
+              <a:t>24-04-2018</a:t>
             </a:fld>
             <a:endParaRPr lang="en-IN"/>
           </a:p>
@@ -1532,7 +1929,7 @@
           <a:p>
             <a:fld id="{96CED55B-03A4-4965-9EF1-2DCB0FA2636F}" type="datetimeFigureOut">
               <a:rPr lang="en-IN" smtClean="0"/>
-              <a:t>11-03-2018</a:t>
+              <a:t>24-04-2018</a:t>
             </a:fld>
             <a:endParaRPr lang="en-IN"/>
           </a:p>
@@ -1800,7 +2197,7 @@
           <a:p>
             <a:fld id="{96CED55B-03A4-4965-9EF1-2DCB0FA2636F}" type="datetimeFigureOut">
               <a:rPr lang="en-IN" smtClean="0"/>
-              <a:t>11-03-2018</a:t>
+              <a:t>24-04-2018</a:t>
             </a:fld>
             <a:endParaRPr lang="en-IN"/>
           </a:p>
@@ -2215,7 +2612,7 @@
           <a:p>
             <a:fld id="{96CED55B-03A4-4965-9EF1-2DCB0FA2636F}" type="datetimeFigureOut">
               <a:rPr lang="en-IN" smtClean="0"/>
-              <a:t>11-03-2018</a:t>
+              <a:t>24-04-2018</a:t>
             </a:fld>
             <a:endParaRPr lang="en-IN"/>
           </a:p>
@@ -2357,7 +2754,7 @@
           <a:p>
             <a:fld id="{96CED55B-03A4-4965-9EF1-2DCB0FA2636F}" type="datetimeFigureOut">
               <a:rPr lang="en-IN" smtClean="0"/>
-              <a:t>11-03-2018</a:t>
+              <a:t>24-04-2018</a:t>
             </a:fld>
             <a:endParaRPr lang="en-IN"/>
           </a:p>
@@ -2470,7 +2867,7 @@
           <a:p>
             <a:fld id="{96CED55B-03A4-4965-9EF1-2DCB0FA2636F}" type="datetimeFigureOut">
               <a:rPr lang="en-IN" smtClean="0"/>
-              <a:t>11-03-2018</a:t>
+              <a:t>24-04-2018</a:t>
             </a:fld>
             <a:endParaRPr lang="en-IN"/>
           </a:p>
@@ -2783,7 +3180,7 @@
           <a:p>
             <a:fld id="{96CED55B-03A4-4965-9EF1-2DCB0FA2636F}" type="datetimeFigureOut">
               <a:rPr lang="en-IN" smtClean="0"/>
-              <a:t>11-03-2018</a:t>
+              <a:t>24-04-2018</a:t>
             </a:fld>
             <a:endParaRPr lang="en-IN"/>
           </a:p>
@@ -3072,7 +3469,7 @@
           <a:p>
             <a:fld id="{96CED55B-03A4-4965-9EF1-2DCB0FA2636F}" type="datetimeFigureOut">
               <a:rPr lang="en-IN" smtClean="0"/>
-              <a:t>11-03-2018</a:t>
+              <a:t>24-04-2018</a:t>
             </a:fld>
             <a:endParaRPr lang="en-IN"/>
           </a:p>
@@ -3315,7 +3712,7 @@
           <a:p>
             <a:fld id="{96CED55B-03A4-4965-9EF1-2DCB0FA2636F}" type="datetimeFigureOut">
               <a:rPr lang="en-IN" smtClean="0"/>
-              <a:t>11-03-2018</a:t>
+              <a:t>24-04-2018</a:t>
             </a:fld>
             <a:endParaRPr lang="en-IN"/>
           </a:p>
@@ -3718,6 +4115,17 @@
 <file path=ppt/slides/slide1.xml><?xml version="1.0" encoding="utf-8"?>
 <p:sld xmlns:a="http://schemas.openxmlformats.org/drawingml/2006/main" xmlns:r="http://schemas.openxmlformats.org/officeDocument/2006/relationships" xmlns:p="http://schemas.openxmlformats.org/presentationml/2006/main">
   <p:cSld>
+    <p:bg>
+      <p:bgPr>
+        <a:solidFill>
+          <a:schemeClr val="bg1">
+            <a:tint val="95000"/>
+            <a:satMod val="170000"/>
+          </a:schemeClr>
+        </a:solidFill>
+        <a:effectLst/>
+      </p:bgPr>
+    </p:bg>
     <p:spTree>
       <p:nvGrpSpPr>
         <p:cNvPr id="1" name=""/>
@@ -3732,6 +4140,201 @@
           <a:chExt cx="0" cy="0"/>
         </a:xfrm>
       </p:grpSpPr>
+      <p:grpSp>
+        <p:nvGrpSpPr>
+          <p:cNvPr id="8" name="Group 7" title="intersecting circles">
+            <a:extLst>
+              <a:ext uri="{FF2B5EF4-FFF2-40B4-BE49-F238E27FC236}">
+                <a16:creationId xmlns:a16="http://schemas.microsoft.com/office/drawing/2014/main" id="{D2C4BFA1-2075-4901-9E24-E41D1FDD51FD}"/>
+              </a:ext>
+            </a:extLst>
+          </p:cNvPr>
+          <p:cNvGrpSpPr>
+            <a:grpSpLocks noGrp="1" noUngrp="1" noRot="1" noChangeAspect="1" noMove="1" noResize="1"/>
+          </p:cNvGrpSpPr>
+          <p:nvPr>
+            <p:extLst>
+              <p:ext uri="{386F3935-93C4-4BCD-93E2-E3B085C9AB24}">
+                <p16:designElem xmlns:p16="http://schemas.microsoft.com/office/powerpoint/2015/main" val="1"/>
+              </p:ext>
+            </p:extLst>
+          </p:nvPr>
+        </p:nvGrpSpPr>
+        <p:grpSpPr>
+          <a:xfrm>
+            <a:off x="1155481" y="498348"/>
+            <a:ext cx="9902663" cy="5861304"/>
+            <a:chOff x="1155481" y="498348"/>
+            <a:chExt cx="9902663" cy="5861304"/>
+          </a:xfrm>
+        </p:grpSpPr>
+        <p:sp>
+          <p:nvSpPr>
+            <p:cNvPr id="9" name="Oval 5">
+              <a:extLst>
+                <a:ext uri="{FF2B5EF4-FFF2-40B4-BE49-F238E27FC236}">
+                  <a16:creationId xmlns:a16="http://schemas.microsoft.com/office/drawing/2014/main" id="{985A7375-E3AF-4F5C-85AE-17E8832952CA}"/>
+                </a:ext>
+              </a:extLst>
+            </p:cNvPr>
+            <p:cNvSpPr>
+              <a:spLocks noChangeArrowheads="1"/>
+            </p:cNvSpPr>
+            <p:nvPr>
+              <p:extLst>
+                <p:ext uri="{386F3935-93C4-4BCD-93E2-E3B085C9AB24}">
+                  <p16:designElem xmlns:p16="http://schemas.microsoft.com/office/powerpoint/2015/main" val="1"/>
+                </p:ext>
+              </p:extLst>
+            </p:nvPr>
+          </p:nvSpPr>
+          <p:spPr bwMode="auto">
+            <a:xfrm>
+              <a:off x="1155481" y="498348"/>
+              <a:ext cx="5861304" cy="5861304"/>
+            </a:xfrm>
+            <a:prstGeom prst="ellipse">
+              <a:avLst/>
+            </a:prstGeom>
+            <a:solidFill>
+              <a:schemeClr val="accent1">
+                <a:alpha val="55000"/>
+              </a:schemeClr>
+            </a:solidFill>
+            <a:ln>
+              <a:noFill/>
+            </a:ln>
+          </p:spPr>
+        </p:sp>
+        <p:sp>
+          <p:nvSpPr>
+            <p:cNvPr id="10" name="Oval 9">
+              <a:extLst>
+                <a:ext uri="{FF2B5EF4-FFF2-40B4-BE49-F238E27FC236}">
+                  <a16:creationId xmlns:a16="http://schemas.microsoft.com/office/drawing/2014/main" id="{F0307F65-8304-4FA8-A841-D4D7625411BE}"/>
+                </a:ext>
+              </a:extLst>
+            </p:cNvPr>
+            <p:cNvSpPr>
+              <a:spLocks noChangeArrowheads="1"/>
+            </p:cNvSpPr>
+            <p:nvPr>
+              <p:extLst>
+                <p:ext uri="{386F3935-93C4-4BCD-93E2-E3B085C9AB24}">
+                  <p16:designElem xmlns:p16="http://schemas.microsoft.com/office/powerpoint/2015/main" val="1"/>
+                </p:ext>
+              </p:extLst>
+            </p:nvPr>
+          </p:nvSpPr>
+          <p:spPr bwMode="auto">
+            <a:xfrm>
+              <a:off x="5196840" y="498348"/>
+              <a:ext cx="5861304" cy="5861304"/>
+            </a:xfrm>
+            <a:prstGeom prst="ellipse">
+              <a:avLst/>
+            </a:prstGeom>
+            <a:solidFill>
+              <a:schemeClr val="accent1">
+                <a:alpha val="55000"/>
+              </a:schemeClr>
+            </a:solidFill>
+            <a:ln>
+              <a:noFill/>
+            </a:ln>
+          </p:spPr>
+        </p:sp>
+        <p:sp>
+          <p:nvSpPr>
+            <p:cNvPr id="11" name="Oval 5">
+              <a:extLst>
+                <a:ext uri="{FF2B5EF4-FFF2-40B4-BE49-F238E27FC236}">
+                  <a16:creationId xmlns:a16="http://schemas.microsoft.com/office/drawing/2014/main" id="{C8B8394C-136F-4E05-A002-D93A5E79CD50}"/>
+                </a:ext>
+              </a:extLst>
+            </p:cNvPr>
+            <p:cNvSpPr>
+              <a:spLocks noChangeArrowheads="1"/>
+            </p:cNvSpPr>
+            <p:nvPr>
+              <p:extLst>
+                <p:ext uri="{386F3935-93C4-4BCD-93E2-E3B085C9AB24}">
+                  <p16:designElem xmlns:p16="http://schemas.microsoft.com/office/powerpoint/2015/main" val="1"/>
+                </p:ext>
+              </p:extLst>
+            </p:nvPr>
+          </p:nvSpPr>
+          <p:spPr bwMode="auto">
+            <a:xfrm>
+              <a:off x="3165348" y="498348"/>
+              <a:ext cx="5861304" cy="5861304"/>
+            </a:xfrm>
+            <a:prstGeom prst="ellipse">
+              <a:avLst/>
+            </a:prstGeom>
+            <a:solidFill>
+              <a:schemeClr val="accent1">
+                <a:alpha val="70000"/>
+              </a:schemeClr>
+            </a:solidFill>
+            <a:ln>
+              <a:noFill/>
+            </a:ln>
+          </p:spPr>
+        </p:sp>
+      </p:grpSp>
+      <p:sp>
+        <p:nvSpPr>
+          <p:cNvPr id="13" name="Rectangle 12" title="ribbon">
+            <a:extLst>
+              <a:ext uri="{FF2B5EF4-FFF2-40B4-BE49-F238E27FC236}">
+                <a16:creationId xmlns:a16="http://schemas.microsoft.com/office/drawing/2014/main" id="{053FB2EE-284F-4C87-AB3D-BBF87A9FAB97}"/>
+              </a:ext>
+            </a:extLst>
+          </p:cNvPr>
+          <p:cNvSpPr>
+            <a:spLocks noGrp="1" noRot="1" noChangeAspect="1" noMove="1" noResize="1" noEditPoints="1" noAdjustHandles="1" noChangeArrowheads="1" noChangeShapeType="1" noTextEdit="1"/>
+          </p:cNvSpPr>
+          <p:nvPr>
+            <p:extLst>
+              <p:ext uri="{386F3935-93C4-4BCD-93E2-E3B085C9AB24}">
+                <p16:designElem xmlns:p16="http://schemas.microsoft.com/office/powerpoint/2015/main" val="1"/>
+              </p:ext>
+            </p:extLst>
+          </p:nvPr>
+        </p:nvSpPr>
+        <p:spPr>
+          <a:xfrm>
+            <a:off x="0" y="2514600"/>
+            <a:ext cx="12192000" cy="1828800"/>
+          </a:xfrm>
+          <a:prstGeom prst="rect">
+            <a:avLst/>
+          </a:prstGeom>
+          <a:solidFill>
+            <a:schemeClr val="tx2"/>
+          </a:solidFill>
+          <a:ln>
+            <a:noFill/>
+          </a:ln>
+        </p:spPr>
+        <p:style>
+          <a:lnRef idx="2">
+            <a:schemeClr val="accent1">
+              <a:shade val="50000"/>
+            </a:schemeClr>
+          </a:lnRef>
+          <a:fillRef idx="1">
+            <a:schemeClr val="accent1"/>
+          </a:fillRef>
+          <a:effectRef idx="0">
+            <a:schemeClr val="accent1"/>
+          </a:effectRef>
+          <a:fontRef idx="minor">
+            <a:schemeClr val="lt1"/>
+          </a:fontRef>
+        </p:style>
+      </p:sp>
       <p:sp>
         <p:nvSpPr>
           <p:cNvPr id="2" name="Title 1">
@@ -3748,16 +4351,31 @@
             <p:ph type="ctrTitle"/>
           </p:nvPr>
         </p:nvSpPr>
-        <p:spPr/>
-        <p:txBody>
-          <a:bodyPr/>
+        <p:spPr>
+          <a:xfrm>
+            <a:off x="1524000" y="2776538"/>
+            <a:ext cx="9144000" cy="1381188"/>
+          </a:xfrm>
+        </p:spPr>
+        <p:txBody>
+          <a:bodyPr anchor="ctr">
+            <a:normAutofit/>
+          </a:bodyPr>
           <a:lstStyle/>
           <a:p>
             <a:r>
-              <a:rPr lang="en-US" dirty="0"/>
+              <a:rPr lang="en-US" sz="4000">
+                <a:solidFill>
+                  <a:schemeClr val="bg2"/>
+                </a:solidFill>
+              </a:rPr>
               <a:t>Mashup	</a:t>
             </a:r>
-            <a:endParaRPr lang="en-IN" dirty="0"/>
+            <a:endParaRPr lang="en-IN" sz="4000">
+              <a:solidFill>
+                <a:schemeClr val="bg2"/>
+              </a:solidFill>
+            </a:endParaRPr>
           </a:p>
         </p:txBody>
       </p:sp>
@@ -3777,16 +4395,23 @@
             <p:ph type="subTitle" idx="1"/>
           </p:nvPr>
         </p:nvSpPr>
-        <p:spPr/>
-        <p:txBody>
-          <a:bodyPr/>
+        <p:spPr>
+          <a:xfrm>
+            <a:off x="1524000" y="4495800"/>
+            <a:ext cx="9144000" cy="762000"/>
+          </a:xfrm>
+        </p:spPr>
+        <p:txBody>
+          <a:bodyPr>
+            <a:normAutofit/>
+          </a:bodyPr>
           <a:lstStyle/>
           <a:p>
             <a:r>
-              <a:rPr lang="en-US" dirty="0"/>
-              <a:t>Google Maps, Tvshows and Movies</a:t>
-            </a:r>
-            <a:endParaRPr lang="en-IN" dirty="0"/>
+              <a:rPr lang="en-US" sz="1800" dirty="0"/>
+              <a:t>Google Maps, TVshows and Movies</a:t>
+            </a:r>
+            <a:endParaRPr lang="en-IN" sz="1800" dirty="0"/>
           </a:p>
         </p:txBody>
       </p:sp>
@@ -3798,12 +4423,12 @@
     </p:extLst>
   </p:cSld>
   <p:clrMapOvr>
-    <a:masterClrMapping/>
+    <a:overrideClrMapping bg1="dk1" tx1="lt1" bg2="dk2" tx2="lt2" accent1="accent1" accent2="accent2" accent3="accent3" accent4="accent4" accent5="accent5" accent6="accent6" hlink="hlink" folHlink="folHlink"/>
   </p:clrMapOvr>
 </p:sld>
 </file>
 
-<file path=ppt/slides/slide2.xml><?xml version="1.0" encoding="utf-8"?>
+<file path=ppt/slides/slide10.xml><?xml version="1.0" encoding="utf-8"?>
 <p:sld xmlns:a="http://schemas.openxmlformats.org/drawingml/2006/main" xmlns:r="http://schemas.openxmlformats.org/officeDocument/2006/relationships" xmlns:p="http://schemas.openxmlformats.org/presentationml/2006/main">
   <p:cSld>
     <p:spTree>
@@ -3822,10 +4447,10 @@
       </p:grpSpPr>
       <p:sp>
         <p:nvSpPr>
-          <p:cNvPr id="2" name="Title 1">
-            <a:extLst>
-              <a:ext uri="{FF2B5EF4-FFF2-40B4-BE49-F238E27FC236}">
-                <a16:creationId xmlns:a16="http://schemas.microsoft.com/office/drawing/2014/main" id="{71F3F883-3537-4AE6-B914-B95436F11E6A}"/>
+          <p:cNvPr id="3" name="Content Placeholder 2">
+            <a:extLst>
+              <a:ext uri="{FF2B5EF4-FFF2-40B4-BE49-F238E27FC236}">
+                <a16:creationId xmlns:a16="http://schemas.microsoft.com/office/drawing/2014/main" id="{4735D31E-B1E9-4CFC-8505-04B31461C819}"/>
               </a:ext>
             </a:extLst>
           </p:cNvPr>
@@ -3833,19 +4458,291 @@
             <a:spLocks noGrp="1"/>
           </p:cNvSpPr>
           <p:nvPr>
-            <p:ph type="title"/>
-          </p:nvPr>
-        </p:nvSpPr>
-        <p:spPr/>
+            <p:ph idx="1"/>
+          </p:nvPr>
+        </p:nvSpPr>
+        <p:spPr>
+          <a:xfrm>
+            <a:off x="838200" y="670560"/>
+            <a:ext cx="10515600" cy="5506403"/>
+          </a:xfrm>
+        </p:spPr>
         <p:txBody>
           <a:bodyPr/>
           <a:lstStyle/>
           <a:p>
             <a:r>
               <a:rPr lang="en-US" dirty="0"/>
+              <a:t>We used custom class for displaying labels like popups,</a:t>
+            </a:r>
+          </a:p>
+          <a:p>
+            <a:endParaRPr lang="en-US" dirty="0"/>
+          </a:p>
+          <a:p>
+            <a:endParaRPr lang="en-US" dirty="0"/>
+          </a:p>
+          <a:p>
+            <a:r>
+              <a:rPr lang="en-US" dirty="0"/>
+              <a:t>The font size reflects its popularity.</a:t>
+            </a:r>
+          </a:p>
+          <a:p>
+            <a:pPr marL="0" indent="0">
+              <a:buNone/>
+            </a:pPr>
+            <a:endParaRPr lang="en-US" dirty="0"/>
+          </a:p>
+        </p:txBody>
+      </p:sp>
+      <p:pic>
+        <p:nvPicPr>
+          <p:cNvPr id="4" name="Picture 3">
+            <a:extLst>
+              <a:ext uri="{FF2B5EF4-FFF2-40B4-BE49-F238E27FC236}">
+                <a16:creationId xmlns:a16="http://schemas.microsoft.com/office/drawing/2014/main" id="{55343DBC-72B8-4E84-A139-B977161CE11C}"/>
+              </a:ext>
+            </a:extLst>
+          </p:cNvPr>
+          <p:cNvPicPr>
+            <a:picLocks noChangeAspect="1"/>
+          </p:cNvPicPr>
+          <p:nvPr/>
+        </p:nvPicPr>
+        <p:blipFill>
+          <a:blip r:embed="rId2"/>
+          <a:stretch>
+            <a:fillRect/>
+          </a:stretch>
+        </p:blipFill>
+        <p:spPr>
+          <a:xfrm>
+            <a:off x="2380297" y="1122044"/>
+            <a:ext cx="1801559" cy="730043"/>
+          </a:xfrm>
+          <a:prstGeom prst="rect">
+            <a:avLst/>
+          </a:prstGeom>
+        </p:spPr>
+      </p:pic>
+      <p:pic>
+        <p:nvPicPr>
+          <p:cNvPr id="2" name="Picture 1">
+            <a:extLst>
+              <a:ext uri="{FF2B5EF4-FFF2-40B4-BE49-F238E27FC236}">
+                <a16:creationId xmlns:a16="http://schemas.microsoft.com/office/drawing/2014/main" id="{FB1FB6A7-69C9-4B78-9614-C1795B5EF880}"/>
+              </a:ext>
+            </a:extLst>
+          </p:cNvPr>
+          <p:cNvPicPr>
+            <a:picLocks noChangeAspect="1"/>
+          </p:cNvPicPr>
+          <p:nvPr/>
+        </p:nvPicPr>
+        <p:blipFill>
+          <a:blip r:embed="rId3"/>
+          <a:stretch>
+            <a:fillRect/>
+          </a:stretch>
+        </p:blipFill>
+        <p:spPr>
+          <a:xfrm>
+            <a:off x="2380297" y="3151251"/>
+            <a:ext cx="5723052" cy="3025712"/>
+          </a:xfrm>
+          <a:prstGeom prst="rect">
+            <a:avLst/>
+          </a:prstGeom>
+        </p:spPr>
+      </p:pic>
+    </p:spTree>
+    <p:extLst>
+      <p:ext uri="{BB962C8B-B14F-4D97-AF65-F5344CB8AC3E}">
+        <p14:creationId xmlns:p14="http://schemas.microsoft.com/office/powerpoint/2010/main" val="1280395981"/>
+      </p:ext>
+    </p:extLst>
+  </p:cSld>
+  <p:clrMapOvr>
+    <a:masterClrMapping/>
+  </p:clrMapOvr>
+</p:sld>
+</file>
+
+<file path=ppt/slides/slide2.xml><?xml version="1.0" encoding="utf-8"?>
+<p:sld xmlns:a="http://schemas.openxmlformats.org/drawingml/2006/main" xmlns:r="http://schemas.openxmlformats.org/officeDocument/2006/relationships" xmlns:p="http://schemas.openxmlformats.org/presentationml/2006/main">
+  <p:cSld>
+    <p:bg>
+      <p:bgPr>
+        <a:solidFill>
+          <a:schemeClr val="accent1"/>
+        </a:solidFill>
+        <a:effectLst/>
+      </p:bgPr>
+    </p:bg>
+    <p:spTree>
+      <p:nvGrpSpPr>
+        <p:cNvPr id="1" name=""/>
+        <p:cNvGrpSpPr/>
+        <p:nvPr/>
+      </p:nvGrpSpPr>
+      <p:grpSpPr>
+        <a:xfrm>
+          <a:off x="0" y="0"/>
+          <a:ext cx="0" cy="0"/>
+          <a:chOff x="0" y="0"/>
+          <a:chExt cx="0" cy="0"/>
+        </a:xfrm>
+      </p:grpSpPr>
+      <p:sp>
+        <p:nvSpPr>
+          <p:cNvPr id="8" name="Rectangle 7">
+            <a:extLst>
+              <a:ext uri="{FF2B5EF4-FFF2-40B4-BE49-F238E27FC236}">
+                <a16:creationId xmlns:a16="http://schemas.microsoft.com/office/drawing/2014/main" id="{E89ACC69-ADF2-492B-84C5-EA2CC16071F3}"/>
+              </a:ext>
+            </a:extLst>
+          </p:cNvPr>
+          <p:cNvSpPr>
+            <a:spLocks noGrp="1" noRot="1" noChangeAspect="1" noMove="1" noResize="1" noEditPoints="1" noAdjustHandles="1" noChangeArrowheads="1" noChangeShapeType="1" noTextEdit="1"/>
+          </p:cNvSpPr>
+          <p:nvPr>
+            <p:extLst>
+              <p:ext uri="{386F3935-93C4-4BCD-93E2-E3B085C9AB24}">
+                <p16:designElem xmlns:p16="http://schemas.microsoft.com/office/powerpoint/2015/main" val="1"/>
+              </p:ext>
+            </p:extLst>
+          </p:nvPr>
+        </p:nvSpPr>
+        <p:spPr>
+          <a:xfrm>
+            <a:off x="0" y="0"/>
+            <a:ext cx="12192000" cy="6858000"/>
+          </a:xfrm>
+          <a:prstGeom prst="rect">
+            <a:avLst/>
+          </a:prstGeom>
+          <a:ln>
+            <a:noFill/>
+          </a:ln>
+        </p:spPr>
+        <p:style>
+          <a:lnRef idx="2">
+            <a:schemeClr val="accent1">
+              <a:shade val="50000"/>
+            </a:schemeClr>
+          </a:lnRef>
+          <a:fillRef idx="1">
+            <a:schemeClr val="accent1"/>
+          </a:fillRef>
+          <a:effectRef idx="0">
+            <a:schemeClr val="accent1"/>
+          </a:effectRef>
+          <a:fontRef idx="minor">
+            <a:schemeClr val="lt1"/>
+          </a:fontRef>
+        </p:style>
+        <p:txBody>
+          <a:bodyPr rtlCol="0" anchor="ctr"/>
+          <a:lstStyle/>
+          <a:p>
+            <a:pPr algn="ctr"/>
+            <a:endParaRPr lang="en-US"/>
+          </a:p>
+        </p:txBody>
+      </p:sp>
+      <p:cxnSp>
+        <p:nvCxnSpPr>
+          <p:cNvPr id="10" name="Straight Connector 9">
+            <a:extLst>
+              <a:ext uri="{FF2B5EF4-FFF2-40B4-BE49-F238E27FC236}">
+                <a16:creationId xmlns:a16="http://schemas.microsoft.com/office/drawing/2014/main" id="{F2AE495E-2AAF-4BC1-87A5-331009D82896}"/>
+              </a:ext>
+            </a:extLst>
+          </p:cNvPr>
+          <p:cNvCxnSpPr>
+            <a:cxnSpLocks noGrp="1" noRot="1" noChangeAspect="1" noMove="1" noResize="1" noEditPoints="1" noAdjustHandles="1" noChangeArrowheads="1" noChangeShapeType="1"/>
+          </p:cNvCxnSpPr>
+          <p:nvPr>
+            <p:extLst>
+              <p:ext uri="{386F3935-93C4-4BCD-93E2-E3B085C9AB24}">
+                <p16:designElem xmlns:p16="http://schemas.microsoft.com/office/powerpoint/2015/main" val="1"/>
+              </p:ext>
+            </p:extLst>
+          </p:nvPr>
+        </p:nvCxnSpPr>
+        <p:spPr>
+          <a:xfrm flipV="1">
+            <a:off x="762000" y="826324"/>
+            <a:ext cx="0" cy="914400"/>
+          </a:xfrm>
+          <a:prstGeom prst="line">
+            <a:avLst/>
+          </a:prstGeom>
+          <a:ln w="19050">
+            <a:solidFill>
+              <a:srgbClr val="FFFFFF">
+                <a:alpha val="80000"/>
+              </a:srgbClr>
+            </a:solidFill>
+          </a:ln>
+        </p:spPr>
+        <p:style>
+          <a:lnRef idx="1">
+            <a:schemeClr val="accent1"/>
+          </a:lnRef>
+          <a:fillRef idx="0">
+            <a:schemeClr val="accent1"/>
+          </a:fillRef>
+          <a:effectRef idx="0">
+            <a:schemeClr val="accent1"/>
+          </a:effectRef>
+          <a:fontRef idx="minor">
+            <a:schemeClr val="tx1"/>
+          </a:fontRef>
+        </p:style>
+      </p:cxnSp>
+      <p:sp>
+        <p:nvSpPr>
+          <p:cNvPr id="2" name="Title 1">
+            <a:extLst>
+              <a:ext uri="{FF2B5EF4-FFF2-40B4-BE49-F238E27FC236}">
+                <a16:creationId xmlns:a16="http://schemas.microsoft.com/office/drawing/2014/main" id="{71F3F883-3537-4AE6-B914-B95436F11E6A}"/>
+              </a:ext>
+            </a:extLst>
+          </p:cNvPr>
+          <p:cNvSpPr>
+            <a:spLocks noGrp="1"/>
+          </p:cNvSpPr>
+          <p:nvPr>
+            <p:ph type="title"/>
+          </p:nvPr>
+        </p:nvSpPr>
+        <p:spPr>
+          <a:xfrm>
+            <a:off x="943276" y="712268"/>
+            <a:ext cx="10410524" cy="1193533"/>
+          </a:xfrm>
+        </p:spPr>
+        <p:txBody>
+          <a:bodyPr>
+            <a:normAutofit/>
+          </a:bodyPr>
+          <a:lstStyle/>
+          <a:p>
+            <a:r>
+              <a:rPr lang="en-US">
+                <a:solidFill>
+                  <a:srgbClr val="FFFFFF"/>
+                </a:solidFill>
+              </a:rPr>
               <a:t>Domain </a:t>
             </a:r>
-            <a:endParaRPr lang="en-IN" dirty="0"/>
+            <a:endParaRPr lang="en-IN">
+              <a:solidFill>
+                <a:srgbClr val="FFFFFF"/>
+              </a:solidFill>
+            </a:endParaRPr>
           </a:p>
         </p:txBody>
       </p:sp>
@@ -3865,57 +4762,96 @@
             <p:ph idx="1"/>
           </p:nvPr>
         </p:nvSpPr>
-        <p:spPr/>
-        <p:txBody>
-          <a:bodyPr/>
+        <p:spPr>
+          <a:xfrm>
+            <a:off x="943276" y="2050181"/>
+            <a:ext cx="10410524" cy="4126782"/>
+          </a:xfrm>
+        </p:spPr>
+        <p:txBody>
+          <a:bodyPr>
+            <a:normAutofit/>
+          </a:bodyPr>
           <a:lstStyle/>
           <a:p>
             <a:r>
-              <a:rPr lang="en-US" dirty="0"/>
+              <a:rPr lang="en-US" sz="2400" dirty="0">
+                <a:solidFill>
+                  <a:srgbClr val="FFFFFF"/>
+                </a:solidFill>
+              </a:rPr>
               <a:t>Tvshows on Air and now playing Movies.</a:t>
             </a:r>
           </a:p>
           <a:p>
             <a:r>
-              <a:rPr lang="en-US" dirty="0"/>
+              <a:rPr lang="en-US" sz="2400" dirty="0">
+                <a:solidFill>
+                  <a:srgbClr val="FFFFFF"/>
+                </a:solidFill>
+              </a:rPr>
               <a:t>In Map we showing approximately top 250 Tvshows and top 450 movies around the globe.</a:t>
             </a:r>
           </a:p>
           <a:p>
             <a:r>
-              <a:rPr lang="en-US" dirty="0"/>
+              <a:rPr lang="en-US" sz="2400" dirty="0">
+                <a:solidFill>
+                  <a:srgbClr val="FFFFFF"/>
+                </a:solidFill>
+              </a:rPr>
               <a:t>We display content according to its popularity in that specific region.</a:t>
             </a:r>
           </a:p>
           <a:p>
             <a:r>
-              <a:rPr lang="en-US" dirty="0"/>
+              <a:rPr lang="en-US" sz="2400" dirty="0">
+                <a:solidFill>
+                  <a:srgbClr val="FFFFFF"/>
+                </a:solidFill>
+              </a:rPr>
               <a:t>We are getting data from two API’s</a:t>
             </a:r>
           </a:p>
           <a:p>
             <a:pPr lvl="1"/>
             <a:r>
-              <a:rPr lang="en-US" dirty="0"/>
+              <a:rPr lang="en-US" dirty="0">
+                <a:solidFill>
+                  <a:srgbClr val="FFFFFF"/>
+                </a:solidFill>
+              </a:rPr>
               <a:t>Google Maps API</a:t>
             </a:r>
           </a:p>
           <a:p>
             <a:pPr lvl="1"/>
             <a:r>
-              <a:rPr lang="en-US" dirty="0"/>
+              <a:rPr lang="en-US" dirty="0">
+                <a:solidFill>
+                  <a:srgbClr val="FFFFFF"/>
+                </a:solidFill>
+              </a:rPr>
               <a:t>TMDB API</a:t>
             </a:r>
           </a:p>
           <a:p>
             <a:pPr lvl="1"/>
-            <a:endParaRPr lang="en-US" dirty="0"/>
+            <a:endParaRPr lang="en-US" dirty="0">
+              <a:solidFill>
+                <a:srgbClr val="FFFFFF"/>
+              </a:solidFill>
+            </a:endParaRPr>
           </a:p>
           <a:p>
             <a:pPr marL="0" indent="0">
               <a:buNone/>
             </a:pPr>
-            <a:endParaRPr lang="en-IN" dirty="0"/>
+            <a:endParaRPr lang="en-IN" sz="2400" dirty="0">
+              <a:solidFill>
+                <a:srgbClr val="FFFFFF"/>
+              </a:solidFill>
+            </a:endParaRPr>
           </a:p>
         </p:txBody>
       </p:sp>
@@ -3935,6 +4871,14 @@
 <file path=ppt/slides/slide3.xml><?xml version="1.0" encoding="utf-8"?>
 <p:sld xmlns:a="http://schemas.openxmlformats.org/drawingml/2006/main" xmlns:r="http://schemas.openxmlformats.org/officeDocument/2006/relationships" xmlns:p="http://schemas.openxmlformats.org/presentationml/2006/main">
   <p:cSld>
+    <p:bg>
+      <p:bgPr>
+        <a:solidFill>
+          <a:schemeClr val="bg1"/>
+        </a:solidFill>
+        <a:effectLst/>
+      </p:bgPr>
+    </p:bg>
     <p:spTree>
       <p:nvGrpSpPr>
         <p:cNvPr id="1" name=""/>
@@ -3951,130 +4895,120 @@
       </p:grpSpPr>
       <p:sp>
         <p:nvSpPr>
-          <p:cNvPr id="2" name="Title 1">
-            <a:extLst>
-              <a:ext uri="{FF2B5EF4-FFF2-40B4-BE49-F238E27FC236}">
-                <a16:creationId xmlns:a16="http://schemas.microsoft.com/office/drawing/2014/main" id="{FBE02F02-7572-43E6-B90A-2A749A30CC0D}"/>
-              </a:ext>
-            </a:extLst>
-          </p:cNvPr>
-          <p:cNvSpPr>
-            <a:spLocks noGrp="1"/>
-          </p:cNvSpPr>
-          <p:nvPr>
-            <p:ph type="title"/>
+          <p:cNvPr id="15" name="Rectangle 10">
+            <a:extLst>
+              <a:ext uri="{FF2B5EF4-FFF2-40B4-BE49-F238E27FC236}">
+                <a16:creationId xmlns:a16="http://schemas.microsoft.com/office/drawing/2014/main" id="{59A309A7-1751-4ABE-A3C1-EEC40366AD89}"/>
+              </a:ext>
+            </a:extLst>
+          </p:cNvPr>
+          <p:cNvSpPr>
+            <a:spLocks noGrp="1" noRot="1" noChangeAspect="1" noMove="1" noResize="1" noEditPoints="1" noAdjustHandles="1" noChangeArrowheads="1" noChangeShapeType="1" noTextEdit="1"/>
+          </p:cNvSpPr>
+          <p:nvPr>
+            <p:extLst>
+              <p:ext uri="{386F3935-93C4-4BCD-93E2-E3B085C9AB24}">
+                <p16:designElem xmlns:p16="http://schemas.microsoft.com/office/powerpoint/2015/main" val="1"/>
+              </p:ext>
+            </p:extLst>
           </p:nvPr>
         </p:nvSpPr>
         <p:spPr>
           <a:xfrm>
-            <a:off x="838200" y="365125"/>
-            <a:ext cx="3233928" cy="1325563"/>
+            <a:off x="10088880" y="0"/>
+            <a:ext cx="2103120" cy="6858000"/>
           </a:xfrm>
+          <a:prstGeom prst="rect">
+            <a:avLst/>
+          </a:prstGeom>
+          <a:ln>
+            <a:noFill/>
+          </a:ln>
         </p:spPr>
-        <p:txBody>
-          <a:bodyPr/>
+        <p:style>
+          <a:lnRef idx="2">
+            <a:schemeClr val="accent1">
+              <a:shade val="50000"/>
+            </a:schemeClr>
+          </a:lnRef>
+          <a:fillRef idx="1">
+            <a:schemeClr val="accent1"/>
+          </a:fillRef>
+          <a:effectRef idx="0">
+            <a:schemeClr val="accent1"/>
+          </a:effectRef>
+          <a:fontRef idx="minor">
+            <a:schemeClr val="lt1"/>
+          </a:fontRef>
+        </p:style>
+        <p:txBody>
+          <a:bodyPr rtlCol="0" anchor="ctr"/>
           <a:lstStyle/>
           <a:p>
-            <a:r>
-              <a:rPr lang="en-US" dirty="0"/>
-              <a:t>Source</a:t>
-            </a:r>
-            <a:endParaRPr lang="en-IN" dirty="0"/>
-          </a:p>
-        </p:txBody>
-      </p:sp>
-      <p:sp>
-        <p:nvSpPr>
-          <p:cNvPr id="3" name="Content Placeholder 2">
-            <a:extLst>
-              <a:ext uri="{FF2B5EF4-FFF2-40B4-BE49-F238E27FC236}">
-                <a16:creationId xmlns:a16="http://schemas.microsoft.com/office/drawing/2014/main" id="{C7760ED8-01A7-4C9D-9B5B-81A1C53502DD}"/>
-              </a:ext>
-            </a:extLst>
-          </p:cNvPr>
-          <p:cNvSpPr>
-            <a:spLocks noGrp="1"/>
-          </p:cNvSpPr>
-          <p:nvPr>
-            <p:ph idx="1"/>
-          </p:nvPr>
-        </p:nvSpPr>
-        <p:spPr/>
-        <p:txBody>
-          <a:bodyPr/>
+            <a:pPr algn="ctr"/>
+            <a:endParaRPr lang="en-US"/>
+          </a:p>
+        </p:txBody>
+      </p:sp>
+      <p:sp>
+        <p:nvSpPr>
+          <p:cNvPr id="16" name="Oval 12">
+            <a:extLst>
+              <a:ext uri="{FF2B5EF4-FFF2-40B4-BE49-F238E27FC236}">
+                <a16:creationId xmlns:a16="http://schemas.microsoft.com/office/drawing/2014/main" id="{967D8EB6-EAE1-4F9C-B398-83321E287204}"/>
+              </a:ext>
+            </a:extLst>
+          </p:cNvPr>
+          <p:cNvSpPr>
+            <a:spLocks noGrp="1" noRot="1" noChangeAspect="1" noMove="1" noResize="1" noEditPoints="1" noAdjustHandles="1" noChangeArrowheads="1" noChangeShapeType="1" noTextEdit="1"/>
+          </p:cNvSpPr>
+          <p:nvPr>
+            <p:extLst>
+              <p:ext uri="{386F3935-93C4-4BCD-93E2-E3B085C9AB24}">
+                <p16:designElem xmlns:p16="http://schemas.microsoft.com/office/powerpoint/2015/main" val="1"/>
+              </p:ext>
+            </p:extLst>
+          </p:nvPr>
+        </p:nvSpPr>
+        <p:spPr>
+          <a:xfrm>
+            <a:off x="8915400" y="2358913"/>
+            <a:ext cx="2140172" cy="2140172"/>
+          </a:xfrm>
+          <a:prstGeom prst="ellipse">
+            <a:avLst/>
+          </a:prstGeom>
+          <a:solidFill>
+            <a:srgbClr val="FFFFFF"/>
+          </a:solidFill>
+          <a:ln>
+            <a:solidFill>
+              <a:srgbClr val="00D173"/>
+            </a:solidFill>
+          </a:ln>
+        </p:spPr>
+        <p:style>
+          <a:lnRef idx="2">
+            <a:schemeClr val="accent1">
+              <a:shade val="50000"/>
+            </a:schemeClr>
+          </a:lnRef>
+          <a:fillRef idx="1">
+            <a:schemeClr val="accent1"/>
+          </a:fillRef>
+          <a:effectRef idx="0">
+            <a:schemeClr val="accent1"/>
+          </a:effectRef>
+          <a:fontRef idx="minor">
+            <a:schemeClr val="lt1"/>
+          </a:fontRef>
+        </p:style>
+        <p:txBody>
+          <a:bodyPr rtlCol="0" anchor="ctr"/>
           <a:lstStyle/>
           <a:p>
-            <a:r>
-              <a:rPr lang="en-US" dirty="0"/>
-              <a:t>Data source: </a:t>
-            </a:r>
-            <a:r>
-              <a:rPr lang="en-US" b="1" dirty="0"/>
-              <a:t>The Movie DB</a:t>
-            </a:r>
-          </a:p>
-          <a:p>
-            <a:pPr lvl="1"/>
-            <a:r>
-              <a:rPr lang="en-US" dirty="0"/>
-              <a:t>The Movie Database (TMDb) is a community built movie and TV database</a:t>
-            </a:r>
-          </a:p>
-          <a:p>
-            <a:pPr lvl="1"/>
-            <a:r>
-              <a:rPr lang="en-US" dirty="0"/>
-              <a:t>It provides a public API to access its database.</a:t>
-            </a:r>
-          </a:p>
-          <a:p>
-            <a:pPr lvl="1"/>
-            <a:r>
-              <a:rPr lang="en-US" dirty="0"/>
-              <a:t>Documentation is developers.themoviedb.org</a:t>
-            </a:r>
-          </a:p>
-          <a:p>
-            <a:r>
-              <a:rPr lang="en-US" dirty="0"/>
-              <a:t>Usage :</a:t>
-            </a:r>
-          </a:p>
-          <a:p>
-            <a:pPr lvl="1"/>
-            <a:r>
-              <a:rPr lang="en-US" dirty="0"/>
-              <a:t>Authorization is required to access the data. </a:t>
-            </a:r>
-          </a:p>
-          <a:p>
-            <a:pPr lvl="1"/>
-            <a:r>
-              <a:rPr lang="en-US" dirty="0"/>
-              <a:t>The request rate limit is 4 hits/sec.</a:t>
-            </a:r>
-          </a:p>
-          <a:p>
-            <a:r>
-              <a:rPr lang="en-US" dirty="0"/>
-              <a:t>Limitation:</a:t>
-            </a:r>
-          </a:p>
-          <a:p>
-            <a:pPr lvl="1"/>
-            <a:r>
-              <a:rPr lang="en-US" dirty="0"/>
-              <a:t>The data is available for only certain countries.</a:t>
-            </a:r>
-          </a:p>
-          <a:p>
-            <a:endParaRPr lang="en-US" dirty="0"/>
-          </a:p>
-          <a:p>
-            <a:endParaRPr lang="en-US" dirty="0"/>
-          </a:p>
-          <a:p>
-            <a:endParaRPr lang="en-IN" dirty="0"/>
+            <a:pPr algn="ctr"/>
+            <a:endParaRPr lang="en-US"/>
           </a:p>
         </p:txBody>
       </p:sp>
@@ -4092,28 +5026,235 @@
           </p:cNvPicPr>
           <p:nvPr/>
         </p:nvPicPr>
-        <p:blipFill>
+        <p:blipFill rotWithShape="1">
           <a:blip r:embed="rId2">
+            <a:alphaModFix/>
             <a:extLst>
               <a:ext uri="{28A0092B-C50C-407E-A947-70E740481C1C}">
                 <a14:useLocalDpi xmlns:a14="http://schemas.microsoft.com/office/drawing/2010/main" val="0"/>
               </a:ext>
             </a:extLst>
           </a:blip>
-          <a:stretch>
-            <a:fillRect/>
-          </a:stretch>
+          <a:srcRect r="10846"/>
+          <a:stretch/>
         </p:blipFill>
         <p:spPr>
           <a:xfrm>
-            <a:off x="2803019" y="642143"/>
-            <a:ext cx="866775" cy="771525"/>
+            <a:off x="9030743" y="2474254"/>
+            <a:ext cx="1912560" cy="1909489"/>
           </a:xfrm>
-          <a:prstGeom prst="rect">
+          <a:custGeom>
             <a:avLst/>
-          </a:prstGeom>
+            <a:gdLst>
+              <a:gd name="connsiteX0" fmla="*/ 3028805 w 6057610"/>
+              <a:gd name="connsiteY0" fmla="*/ 0 h 6057610"/>
+              <a:gd name="connsiteX1" fmla="*/ 6057610 w 6057610"/>
+              <a:gd name="connsiteY1" fmla="*/ 3028805 h 6057610"/>
+              <a:gd name="connsiteX2" fmla="*/ 3028805 w 6057610"/>
+              <a:gd name="connsiteY2" fmla="*/ 6057610 h 6057610"/>
+              <a:gd name="connsiteX3" fmla="*/ 0 w 6057610"/>
+              <a:gd name="connsiteY3" fmla="*/ 3028805 h 6057610"/>
+              <a:gd name="connsiteX4" fmla="*/ 3028805 w 6057610"/>
+              <a:gd name="connsiteY4" fmla="*/ 0 h 6057610"/>
+            </a:gdLst>
+            <a:ahLst/>
+            <a:cxnLst>
+              <a:cxn ang="0">
+                <a:pos x="connsiteX0" y="connsiteY0"/>
+              </a:cxn>
+              <a:cxn ang="0">
+                <a:pos x="connsiteX1" y="connsiteY1"/>
+              </a:cxn>
+              <a:cxn ang="0">
+                <a:pos x="connsiteX2" y="connsiteY2"/>
+              </a:cxn>
+              <a:cxn ang="0">
+                <a:pos x="connsiteX3" y="connsiteY3"/>
+              </a:cxn>
+              <a:cxn ang="0">
+                <a:pos x="connsiteX4" y="connsiteY4"/>
+              </a:cxn>
+            </a:cxnLst>
+            <a:rect l="l" t="t" r="r" b="b"/>
+            <a:pathLst>
+              <a:path w="6057610" h="6057610">
+                <a:moveTo>
+                  <a:pt x="3028805" y="0"/>
+                </a:moveTo>
+                <a:cubicBezTo>
+                  <a:pt x="4701568" y="0"/>
+                  <a:pt x="6057610" y="1356042"/>
+                  <a:pt x="6057610" y="3028805"/>
+                </a:cubicBezTo>
+                <a:cubicBezTo>
+                  <a:pt x="6057610" y="4701568"/>
+                  <a:pt x="4701568" y="6057610"/>
+                  <a:pt x="3028805" y="6057610"/>
+                </a:cubicBezTo>
+                <a:cubicBezTo>
+                  <a:pt x="1356042" y="6057610"/>
+                  <a:pt x="0" y="4701568"/>
+                  <a:pt x="0" y="3028805"/>
+                </a:cubicBezTo>
+                <a:cubicBezTo>
+                  <a:pt x="0" y="1356042"/>
+                  <a:pt x="1356042" y="0"/>
+                  <a:pt x="3028805" y="0"/>
+                </a:cubicBezTo>
+                <a:close/>
+              </a:path>
+            </a:pathLst>
+          </a:custGeom>
+          <a:effectLst>
+            <a:softEdge rad="0"/>
+          </a:effectLst>
         </p:spPr>
       </p:pic>
+      <p:sp>
+        <p:nvSpPr>
+          <p:cNvPr id="2" name="Title 1">
+            <a:extLst>
+              <a:ext uri="{FF2B5EF4-FFF2-40B4-BE49-F238E27FC236}">
+                <a16:creationId xmlns:a16="http://schemas.microsoft.com/office/drawing/2014/main" id="{FBE02F02-7572-43E6-B90A-2A749A30CC0D}"/>
+              </a:ext>
+            </a:extLst>
+          </p:cNvPr>
+          <p:cNvSpPr>
+            <a:spLocks noGrp="1"/>
+          </p:cNvSpPr>
+          <p:nvPr>
+            <p:ph type="title"/>
+          </p:nvPr>
+        </p:nvSpPr>
+        <p:spPr>
+          <a:xfrm>
+            <a:off x="1136428" y="627564"/>
+            <a:ext cx="7474172" cy="1325563"/>
+          </a:xfrm>
+        </p:spPr>
+        <p:txBody>
+          <a:bodyPr>
+            <a:normAutofit/>
+          </a:bodyPr>
+          <a:lstStyle/>
+          <a:p>
+            <a:r>
+              <a:rPr lang="en-US"/>
+              <a:t>Source</a:t>
+            </a:r>
+            <a:endParaRPr lang="en-IN" dirty="0"/>
+          </a:p>
+        </p:txBody>
+      </p:sp>
+      <p:sp>
+        <p:nvSpPr>
+          <p:cNvPr id="3" name="Content Placeholder 2">
+            <a:extLst>
+              <a:ext uri="{FF2B5EF4-FFF2-40B4-BE49-F238E27FC236}">
+                <a16:creationId xmlns:a16="http://schemas.microsoft.com/office/drawing/2014/main" id="{C7760ED8-01A7-4C9D-9B5B-81A1C53502DD}"/>
+              </a:ext>
+            </a:extLst>
+          </p:cNvPr>
+          <p:cNvSpPr>
+            <a:spLocks noGrp="1"/>
+          </p:cNvSpPr>
+          <p:nvPr>
+            <p:ph idx="1"/>
+          </p:nvPr>
+        </p:nvSpPr>
+        <p:spPr>
+          <a:xfrm>
+            <a:off x="1136429" y="2278173"/>
+            <a:ext cx="6467867" cy="3450613"/>
+          </a:xfrm>
+        </p:spPr>
+        <p:txBody>
+          <a:bodyPr anchor="ctr">
+            <a:normAutofit/>
+          </a:bodyPr>
+          <a:lstStyle/>
+          <a:p>
+            <a:r>
+              <a:rPr lang="en-US" sz="1900" dirty="0"/>
+              <a:t>Data source: </a:t>
+            </a:r>
+            <a:r>
+              <a:rPr lang="en-US" sz="1900" b="1" dirty="0"/>
+              <a:t>The Movie DB</a:t>
+            </a:r>
+          </a:p>
+          <a:p>
+            <a:pPr lvl="1"/>
+            <a:r>
+              <a:rPr lang="en-US" sz="1900" dirty="0"/>
+              <a:t>The Movie Database (TMDb) is a community built movie and TV database</a:t>
+            </a:r>
+          </a:p>
+          <a:p>
+            <a:pPr lvl="1"/>
+            <a:r>
+              <a:rPr lang="en-US" sz="1900" dirty="0"/>
+              <a:t>It provides a public API to access its database.</a:t>
+            </a:r>
+          </a:p>
+          <a:p>
+            <a:pPr lvl="1"/>
+            <a:r>
+              <a:rPr lang="en-US" sz="1900" dirty="0"/>
+              <a:t>Documentation is at </a:t>
+            </a:r>
+            <a:r>
+              <a:rPr lang="en-US" sz="1900" dirty="0">
+                <a:hlinkClick r:id="rId3"/>
+              </a:rPr>
+              <a:t>developers.themoviedb.org</a:t>
+            </a:r>
+            <a:endParaRPr lang="en-US" sz="1900" dirty="0"/>
+          </a:p>
+          <a:p>
+            <a:r>
+              <a:rPr lang="en-US" sz="1900" dirty="0"/>
+              <a:t>Usage :</a:t>
+            </a:r>
+          </a:p>
+          <a:p>
+            <a:pPr lvl="1"/>
+            <a:r>
+              <a:rPr lang="en-US" sz="1900" dirty="0"/>
+              <a:t>Authorization is required to access the data. </a:t>
+            </a:r>
+          </a:p>
+          <a:p>
+            <a:pPr lvl="1"/>
+            <a:r>
+              <a:rPr lang="en-US" sz="1900" dirty="0"/>
+              <a:t>The request rate limit is 4 hits/sec.</a:t>
+            </a:r>
+          </a:p>
+          <a:p>
+            <a:r>
+              <a:rPr lang="en-US" sz="1900" dirty="0"/>
+              <a:t>Limitation:</a:t>
+            </a:r>
+          </a:p>
+          <a:p>
+            <a:pPr lvl="1"/>
+            <a:r>
+              <a:rPr lang="en-US" sz="1900" dirty="0"/>
+              <a:t>The data is available for only certain countries.</a:t>
+            </a:r>
+          </a:p>
+          <a:p>
+            <a:endParaRPr lang="en-US" sz="1900" dirty="0"/>
+          </a:p>
+          <a:p>
+            <a:endParaRPr lang="en-US" sz="1900" dirty="0"/>
+          </a:p>
+          <a:p>
+            <a:endParaRPr lang="en-IN" sz="1900" dirty="0"/>
+          </a:p>
+        </p:txBody>
+      </p:sp>
     </p:spTree>
     <p:extLst>
       <p:ext uri="{BB962C8B-B14F-4D97-AF65-F5344CB8AC3E}">
@@ -4130,6 +5271,14 @@
 <file path=ppt/slides/slide4.xml><?xml version="1.0" encoding="utf-8"?>
 <p:sld xmlns:a="http://schemas.openxmlformats.org/drawingml/2006/main" xmlns:r="http://schemas.openxmlformats.org/officeDocument/2006/relationships" xmlns:p="http://schemas.openxmlformats.org/presentationml/2006/main">
   <p:cSld>
+    <p:bg>
+      <p:bgPr>
+        <a:solidFill>
+          <a:schemeClr val="bg1"/>
+        </a:solidFill>
+        <a:effectLst/>
+      </p:bgPr>
+    </p:bg>
     <p:spTree>
       <p:nvGrpSpPr>
         <p:cNvPr id="1" name=""/>
@@ -4146,102 +5295,123 @@
       </p:grpSpPr>
       <p:sp>
         <p:nvSpPr>
-          <p:cNvPr id="2" name="Title 1">
-            <a:extLst>
-              <a:ext uri="{FF2B5EF4-FFF2-40B4-BE49-F238E27FC236}">
-                <a16:creationId xmlns:a16="http://schemas.microsoft.com/office/drawing/2014/main" id="{63F99C54-CC5E-4713-9B38-841B810237D4}"/>
-              </a:ext>
-            </a:extLst>
-          </p:cNvPr>
-          <p:cNvSpPr>
-            <a:spLocks noGrp="1"/>
-          </p:cNvSpPr>
-          <p:nvPr>
-            <p:ph type="title"/>
+          <p:cNvPr id="13" name="Rectangle 8">
+            <a:extLst>
+              <a:ext uri="{FF2B5EF4-FFF2-40B4-BE49-F238E27FC236}">
+                <a16:creationId xmlns:a16="http://schemas.microsoft.com/office/drawing/2014/main" id="{59A309A7-1751-4ABE-A3C1-EEC40366AD89}"/>
+              </a:ext>
+            </a:extLst>
+          </p:cNvPr>
+          <p:cNvSpPr>
+            <a:spLocks noGrp="1" noRot="1" noChangeAspect="1" noMove="1" noResize="1" noEditPoints="1" noAdjustHandles="1" noChangeArrowheads="1" noChangeShapeType="1" noTextEdit="1"/>
+          </p:cNvSpPr>
+          <p:nvPr>
+            <p:extLst>
+              <p:ext uri="{386F3935-93C4-4BCD-93E2-E3B085C9AB24}">
+                <p16:designElem xmlns:p16="http://schemas.microsoft.com/office/powerpoint/2015/main" val="1"/>
+              </p:ext>
+            </p:extLst>
           </p:nvPr>
         </p:nvSpPr>
         <p:spPr>
           <a:xfrm>
-            <a:off x="838200" y="365125"/>
-            <a:ext cx="1929384" cy="1325563"/>
+            <a:off x="10088880" y="0"/>
+            <a:ext cx="2103120" cy="6858000"/>
           </a:xfrm>
+          <a:prstGeom prst="rect">
+            <a:avLst/>
+          </a:prstGeom>
+          <a:solidFill>
+            <a:srgbClr val="4E7F45"/>
+          </a:solidFill>
+          <a:ln>
+            <a:noFill/>
+          </a:ln>
         </p:spPr>
-        <p:txBody>
-          <a:bodyPr/>
+        <p:style>
+          <a:lnRef idx="2">
+            <a:schemeClr val="accent1">
+              <a:shade val="50000"/>
+            </a:schemeClr>
+          </a:lnRef>
+          <a:fillRef idx="1">
+            <a:schemeClr val="accent1"/>
+          </a:fillRef>
+          <a:effectRef idx="0">
+            <a:schemeClr val="accent1"/>
+          </a:effectRef>
+          <a:fontRef idx="minor">
+            <a:schemeClr val="lt1"/>
+          </a:fontRef>
+        </p:style>
+        <p:txBody>
+          <a:bodyPr rtlCol="0" anchor="ctr"/>
           <a:lstStyle/>
           <a:p>
-            <a:r>
-              <a:rPr lang="en-US" dirty="0"/>
-              <a:t>Source</a:t>
-            </a:r>
-            <a:endParaRPr lang="en-IN" dirty="0"/>
-          </a:p>
-        </p:txBody>
-      </p:sp>
-      <p:sp>
-        <p:nvSpPr>
-          <p:cNvPr id="3" name="Content Placeholder 2">
-            <a:extLst>
-              <a:ext uri="{FF2B5EF4-FFF2-40B4-BE49-F238E27FC236}">
-                <a16:creationId xmlns:a16="http://schemas.microsoft.com/office/drawing/2014/main" id="{83C9CD43-42B7-4B44-9137-6303035FC2C5}"/>
-              </a:ext>
-            </a:extLst>
-          </p:cNvPr>
-          <p:cNvSpPr>
-            <a:spLocks noGrp="1"/>
-          </p:cNvSpPr>
-          <p:nvPr>
-            <p:ph idx="1"/>
-          </p:nvPr>
-        </p:nvSpPr>
-        <p:spPr/>
-        <p:txBody>
-          <a:bodyPr/>
+            <a:pPr algn="ctr"/>
+            <a:endParaRPr lang="en-US"/>
+          </a:p>
+        </p:txBody>
+      </p:sp>
+      <p:sp>
+        <p:nvSpPr>
+          <p:cNvPr id="14" name="Oval 10">
+            <a:extLst>
+              <a:ext uri="{FF2B5EF4-FFF2-40B4-BE49-F238E27FC236}">
+                <a16:creationId xmlns:a16="http://schemas.microsoft.com/office/drawing/2014/main" id="{967D8EB6-EAE1-4F9C-B398-83321E287204}"/>
+              </a:ext>
+            </a:extLst>
+          </p:cNvPr>
+          <p:cNvSpPr>
+            <a:spLocks noGrp="1" noRot="1" noChangeAspect="1" noMove="1" noResize="1" noEditPoints="1" noAdjustHandles="1" noChangeArrowheads="1" noChangeShapeType="1" noTextEdit="1"/>
+          </p:cNvSpPr>
+          <p:nvPr>
+            <p:extLst>
+              <p:ext uri="{386F3935-93C4-4BCD-93E2-E3B085C9AB24}">
+                <p16:designElem xmlns:p16="http://schemas.microsoft.com/office/powerpoint/2015/main" val="1"/>
+              </p:ext>
+            </p:extLst>
+          </p:nvPr>
+        </p:nvSpPr>
+        <p:spPr>
+          <a:xfrm>
+            <a:off x="8915400" y="2358913"/>
+            <a:ext cx="2140172" cy="2140172"/>
+          </a:xfrm>
+          <a:prstGeom prst="ellipse">
+            <a:avLst/>
+          </a:prstGeom>
+          <a:solidFill>
+            <a:srgbClr val="FFFFFF"/>
+          </a:solidFill>
+          <a:ln>
+            <a:solidFill>
+              <a:srgbClr val="FFAB1C"/>
+            </a:solidFill>
+          </a:ln>
+        </p:spPr>
+        <p:style>
+          <a:lnRef idx="2">
+            <a:schemeClr val="accent1">
+              <a:shade val="50000"/>
+            </a:schemeClr>
+          </a:lnRef>
+          <a:fillRef idx="1">
+            <a:schemeClr val="accent1"/>
+          </a:fillRef>
+          <a:effectRef idx="0">
+            <a:schemeClr val="accent1"/>
+          </a:effectRef>
+          <a:fontRef idx="minor">
+            <a:schemeClr val="lt1"/>
+          </a:fontRef>
+        </p:style>
+        <p:txBody>
+          <a:bodyPr rtlCol="0" anchor="ctr"/>
           <a:lstStyle/>
           <a:p>
-            <a:r>
-              <a:rPr lang="en-US" dirty="0"/>
-              <a:t>F</a:t>
-            </a:r>
-            <a:r>
-              <a:rPr lang="en-IN" dirty="0"/>
-              <a:t>or displaying map we used google maps JavaScript API. </a:t>
-            </a:r>
-            <a:r>
-              <a:rPr lang="en-US" dirty="0"/>
-              <a:t>It provides functionality for</a:t>
-            </a:r>
-          </a:p>
-          <a:p>
-            <a:pPr lvl="1"/>
-            <a:r>
-              <a:rPr lang="en-US" dirty="0"/>
-              <a:t>Marking places and labeling places on the map. </a:t>
-            </a:r>
-          </a:p>
-          <a:p>
-            <a:pPr lvl="1"/>
-            <a:r>
-              <a:rPr lang="en-US" dirty="0"/>
-              <a:t>Getting location (lat, lon) for a given address</a:t>
-            </a:r>
-          </a:p>
-          <a:p>
-            <a:pPr lvl="1"/>
-            <a:r>
-              <a:rPr lang="en-US" dirty="0"/>
-              <a:t>Getting address of a location.</a:t>
-            </a:r>
-          </a:p>
-          <a:p>
-            <a:r>
-              <a:rPr lang="en-US" dirty="0"/>
-              <a:t>We used it for marking Tvshows and movies. </a:t>
-            </a:r>
-          </a:p>
-          <a:p>
-            <a:pPr lvl="1"/>
-            <a:endParaRPr lang="en-US" dirty="0"/>
+            <a:pPr algn="ctr"/>
+            <a:endParaRPr lang="en-US"/>
           </a:p>
         </p:txBody>
       </p:sp>
@@ -4261,25 +5431,198 @@
         </p:nvPicPr>
         <p:blipFill rotWithShape="1">
           <a:blip r:embed="rId2">
+            <a:alphaModFix/>
             <a:extLst>
               <a:ext uri="{28A0092B-C50C-407E-A947-70E740481C1C}">
                 <a14:useLocalDpi xmlns:a14="http://schemas.microsoft.com/office/drawing/2010/main" val="0"/>
               </a:ext>
             </a:extLst>
           </a:blip>
-          <a:srcRect l="20511" t="15611" r="12765" b="19064"/>
+          <a:srcRect r="-4" b="5436"/>
           <a:stretch/>
         </p:blipFill>
         <p:spPr>
           <a:xfrm>
-            <a:off x="2755392" y="337954"/>
-            <a:ext cx="982249" cy="1015358"/>
+            <a:off x="9030743" y="2474254"/>
+            <a:ext cx="1912560" cy="1909489"/>
           </a:xfrm>
-          <a:prstGeom prst="rect">
+          <a:custGeom>
             <a:avLst/>
-          </a:prstGeom>
+            <a:gdLst>
+              <a:gd name="connsiteX0" fmla="*/ 3028805 w 6057610"/>
+              <a:gd name="connsiteY0" fmla="*/ 0 h 6057610"/>
+              <a:gd name="connsiteX1" fmla="*/ 6057610 w 6057610"/>
+              <a:gd name="connsiteY1" fmla="*/ 3028805 h 6057610"/>
+              <a:gd name="connsiteX2" fmla="*/ 3028805 w 6057610"/>
+              <a:gd name="connsiteY2" fmla="*/ 6057610 h 6057610"/>
+              <a:gd name="connsiteX3" fmla="*/ 0 w 6057610"/>
+              <a:gd name="connsiteY3" fmla="*/ 3028805 h 6057610"/>
+              <a:gd name="connsiteX4" fmla="*/ 3028805 w 6057610"/>
+              <a:gd name="connsiteY4" fmla="*/ 0 h 6057610"/>
+            </a:gdLst>
+            <a:ahLst/>
+            <a:cxnLst>
+              <a:cxn ang="0">
+                <a:pos x="connsiteX0" y="connsiteY0"/>
+              </a:cxn>
+              <a:cxn ang="0">
+                <a:pos x="connsiteX1" y="connsiteY1"/>
+              </a:cxn>
+              <a:cxn ang="0">
+                <a:pos x="connsiteX2" y="connsiteY2"/>
+              </a:cxn>
+              <a:cxn ang="0">
+                <a:pos x="connsiteX3" y="connsiteY3"/>
+              </a:cxn>
+              <a:cxn ang="0">
+                <a:pos x="connsiteX4" y="connsiteY4"/>
+              </a:cxn>
+            </a:cxnLst>
+            <a:rect l="l" t="t" r="r" b="b"/>
+            <a:pathLst>
+              <a:path w="6057610" h="6057610">
+                <a:moveTo>
+                  <a:pt x="3028805" y="0"/>
+                </a:moveTo>
+                <a:cubicBezTo>
+                  <a:pt x="4701568" y="0"/>
+                  <a:pt x="6057610" y="1356042"/>
+                  <a:pt x="6057610" y="3028805"/>
+                </a:cubicBezTo>
+                <a:cubicBezTo>
+                  <a:pt x="6057610" y="4701568"/>
+                  <a:pt x="4701568" y="6057610"/>
+                  <a:pt x="3028805" y="6057610"/>
+                </a:cubicBezTo>
+                <a:cubicBezTo>
+                  <a:pt x="1356042" y="6057610"/>
+                  <a:pt x="0" y="4701568"/>
+                  <a:pt x="0" y="3028805"/>
+                </a:cubicBezTo>
+                <a:cubicBezTo>
+                  <a:pt x="0" y="1356042"/>
+                  <a:pt x="1356042" y="0"/>
+                  <a:pt x="3028805" y="0"/>
+                </a:cubicBezTo>
+                <a:close/>
+              </a:path>
+            </a:pathLst>
+          </a:custGeom>
+          <a:effectLst>
+            <a:softEdge rad="0"/>
+          </a:effectLst>
         </p:spPr>
       </p:pic>
+      <p:sp>
+        <p:nvSpPr>
+          <p:cNvPr id="2" name="Title 1">
+            <a:extLst>
+              <a:ext uri="{FF2B5EF4-FFF2-40B4-BE49-F238E27FC236}">
+                <a16:creationId xmlns:a16="http://schemas.microsoft.com/office/drawing/2014/main" id="{63F99C54-CC5E-4713-9B38-841B810237D4}"/>
+              </a:ext>
+            </a:extLst>
+          </p:cNvPr>
+          <p:cNvSpPr>
+            <a:spLocks noGrp="1"/>
+          </p:cNvSpPr>
+          <p:nvPr>
+            <p:ph type="title"/>
+          </p:nvPr>
+        </p:nvSpPr>
+        <p:spPr>
+          <a:xfrm>
+            <a:off x="1136428" y="627565"/>
+            <a:ext cx="7474172" cy="972636"/>
+          </a:xfrm>
+        </p:spPr>
+        <p:txBody>
+          <a:bodyPr>
+            <a:normAutofit/>
+          </a:bodyPr>
+          <a:lstStyle/>
+          <a:p>
+            <a:r>
+              <a:rPr lang="en-US" dirty="0"/>
+              <a:t>Source</a:t>
+            </a:r>
+            <a:endParaRPr lang="en-IN" dirty="0"/>
+          </a:p>
+        </p:txBody>
+      </p:sp>
+      <p:sp>
+        <p:nvSpPr>
+          <p:cNvPr id="3" name="Content Placeholder 2">
+            <a:extLst>
+              <a:ext uri="{FF2B5EF4-FFF2-40B4-BE49-F238E27FC236}">
+                <a16:creationId xmlns:a16="http://schemas.microsoft.com/office/drawing/2014/main" id="{83C9CD43-42B7-4B44-9137-6303035FC2C5}"/>
+              </a:ext>
+            </a:extLst>
+          </p:cNvPr>
+          <p:cNvSpPr>
+            <a:spLocks noGrp="1"/>
+          </p:cNvSpPr>
+          <p:nvPr>
+            <p:ph idx="1"/>
+          </p:nvPr>
+        </p:nvSpPr>
+        <p:spPr>
+          <a:xfrm>
+            <a:off x="1136428" y="1923843"/>
+            <a:ext cx="6467867" cy="3450613"/>
+          </a:xfrm>
+        </p:spPr>
+        <p:txBody>
+          <a:bodyPr anchor="ctr">
+            <a:normAutofit/>
+          </a:bodyPr>
+          <a:lstStyle/>
+          <a:p>
+            <a:r>
+              <a:rPr lang="en-US" sz="2400" dirty="0"/>
+              <a:t>F</a:t>
+            </a:r>
+            <a:r>
+              <a:rPr lang="en-IN" sz="2400" dirty="0"/>
+              <a:t>or displaying map we used google maps JavaScript API. </a:t>
+            </a:r>
+            <a:r>
+              <a:rPr lang="en-US" sz="2400" dirty="0"/>
+              <a:t>It provides functionality for</a:t>
+            </a:r>
+          </a:p>
+          <a:p>
+            <a:pPr lvl="1"/>
+            <a:r>
+              <a:rPr lang="en-US" dirty="0"/>
+              <a:t>Marking places and labeling places on the map. </a:t>
+            </a:r>
+          </a:p>
+          <a:p>
+            <a:pPr lvl="1"/>
+            <a:r>
+              <a:rPr lang="en-US" dirty="0"/>
+              <a:t>Getting location (lat, lon) for a given address</a:t>
+            </a:r>
+          </a:p>
+          <a:p>
+            <a:pPr lvl="1"/>
+            <a:r>
+              <a:rPr lang="en-US" dirty="0"/>
+              <a:t>Getting address of a location.</a:t>
+            </a:r>
+          </a:p>
+          <a:p>
+            <a:r>
+              <a:rPr lang="en-US" sz="2400" dirty="0"/>
+              <a:t>We used it for marking Tvshows and movies. </a:t>
+            </a:r>
+          </a:p>
+          <a:p>
+            <a:pPr lvl="1"/>
+            <a:endParaRPr lang="en-US" dirty="0"/>
+          </a:p>
+        </p:txBody>
+      </p:sp>
     </p:spTree>
     <p:extLst>
       <p:ext uri="{BB962C8B-B14F-4D97-AF65-F5344CB8AC3E}">
@@ -4296,6 +5639,14 @@
 <file path=ppt/slides/slide5.xml><?xml version="1.0" encoding="utf-8"?>
 <p:sld xmlns:a="http://schemas.openxmlformats.org/drawingml/2006/main" xmlns:r="http://schemas.openxmlformats.org/officeDocument/2006/relationships" xmlns:p="http://schemas.openxmlformats.org/presentationml/2006/main">
   <p:cSld>
+    <p:bg>
+      <p:bgPr>
+        <a:solidFill>
+          <a:schemeClr val="bg1"/>
+        </a:solidFill>
+        <a:effectLst/>
+      </p:bgPr>
+    </p:bg>
     <p:spTree>
       <p:nvGrpSpPr>
         <p:cNvPr id="1" name=""/>
@@ -4312,6 +5663,167 @@
       </p:grpSpPr>
       <p:sp>
         <p:nvSpPr>
+          <p:cNvPr id="18" name="Rectangle 9">
+            <a:extLst>
+              <a:ext uri="{FF2B5EF4-FFF2-40B4-BE49-F238E27FC236}">
+                <a16:creationId xmlns:a16="http://schemas.microsoft.com/office/drawing/2014/main" id="{59A309A7-1751-4ABE-A3C1-EEC40366AD89}"/>
+              </a:ext>
+            </a:extLst>
+          </p:cNvPr>
+          <p:cNvSpPr>
+            <a:spLocks noGrp="1" noRot="1" noChangeAspect="1" noMove="1" noResize="1" noEditPoints="1" noAdjustHandles="1" noChangeArrowheads="1" noChangeShapeType="1" noTextEdit="1"/>
+          </p:cNvSpPr>
+          <p:nvPr>
+            <p:extLst>
+              <p:ext uri="{386F3935-93C4-4BCD-93E2-E3B085C9AB24}">
+                <p16:designElem xmlns:p16="http://schemas.microsoft.com/office/powerpoint/2015/main" val="1"/>
+              </p:ext>
+            </p:extLst>
+          </p:nvPr>
+        </p:nvSpPr>
+        <p:spPr>
+          <a:xfrm>
+            <a:off x="10088880" y="0"/>
+            <a:ext cx="2103120" cy="6858000"/>
+          </a:xfrm>
+          <a:prstGeom prst="rect">
+            <a:avLst/>
+          </a:prstGeom>
+          <a:solidFill>
+            <a:schemeClr val="accent1"/>
+          </a:solidFill>
+          <a:ln>
+            <a:noFill/>
+          </a:ln>
+        </p:spPr>
+        <p:style>
+          <a:lnRef idx="2">
+            <a:schemeClr val="accent1">
+              <a:shade val="50000"/>
+            </a:schemeClr>
+          </a:lnRef>
+          <a:fillRef idx="1">
+            <a:schemeClr val="accent1"/>
+          </a:fillRef>
+          <a:effectRef idx="0">
+            <a:schemeClr val="accent1"/>
+          </a:effectRef>
+          <a:fontRef idx="minor">
+            <a:schemeClr val="lt1"/>
+          </a:fontRef>
+        </p:style>
+        <p:txBody>
+          <a:bodyPr rtlCol="0" anchor="ctr"/>
+          <a:lstStyle/>
+          <a:p>
+            <a:pPr algn="ctr"/>
+            <a:endParaRPr lang="en-US"/>
+          </a:p>
+        </p:txBody>
+      </p:sp>
+      <p:sp>
+        <p:nvSpPr>
+          <p:cNvPr id="19" name="Oval 11">
+            <a:extLst>
+              <a:ext uri="{FF2B5EF4-FFF2-40B4-BE49-F238E27FC236}">
+                <a16:creationId xmlns:a16="http://schemas.microsoft.com/office/drawing/2014/main" id="{967D8EB6-EAE1-4F9C-B398-83321E287204}"/>
+              </a:ext>
+            </a:extLst>
+          </p:cNvPr>
+          <p:cNvSpPr>
+            <a:spLocks noGrp="1" noRot="1" noChangeAspect="1" noMove="1" noResize="1" noEditPoints="1" noAdjustHandles="1" noChangeArrowheads="1" noChangeShapeType="1" noTextEdit="1"/>
+          </p:cNvSpPr>
+          <p:nvPr>
+            <p:extLst>
+              <p:ext uri="{386F3935-93C4-4BCD-93E2-E3B085C9AB24}">
+                <p16:designElem xmlns:p16="http://schemas.microsoft.com/office/powerpoint/2015/main" val="1"/>
+              </p:ext>
+            </p:extLst>
+          </p:nvPr>
+        </p:nvSpPr>
+        <p:spPr>
+          <a:xfrm>
+            <a:off x="8915400" y="2358913"/>
+            <a:ext cx="2140172" cy="2140172"/>
+          </a:xfrm>
+          <a:prstGeom prst="ellipse">
+            <a:avLst/>
+          </a:prstGeom>
+          <a:solidFill>
+            <a:srgbClr val="FFFFFF"/>
+          </a:solidFill>
+          <a:ln w="22225">
+            <a:solidFill>
+              <a:schemeClr val="accent1"/>
+            </a:solidFill>
+          </a:ln>
+        </p:spPr>
+        <p:style>
+          <a:lnRef idx="2">
+            <a:schemeClr val="accent1">
+              <a:shade val="50000"/>
+            </a:schemeClr>
+          </a:lnRef>
+          <a:fillRef idx="1">
+            <a:schemeClr val="accent1"/>
+          </a:fillRef>
+          <a:effectRef idx="0">
+            <a:schemeClr val="accent1"/>
+          </a:effectRef>
+          <a:fontRef idx="minor">
+            <a:schemeClr val="lt1"/>
+          </a:fontRef>
+        </p:style>
+        <p:txBody>
+          <a:bodyPr rtlCol="0" anchor="ctr"/>
+          <a:lstStyle/>
+          <a:p>
+            <a:pPr algn="ctr"/>
+            <a:endParaRPr lang="en-US"/>
+          </a:p>
+        </p:txBody>
+      </p:sp>
+      <p:pic>
+        <p:nvPicPr>
+          <p:cNvPr id="7" name="Graphic 6">
+            <a:extLst>
+              <a:ext uri="{FF2B5EF4-FFF2-40B4-BE49-F238E27FC236}">
+                <a16:creationId xmlns:a16="http://schemas.microsoft.com/office/drawing/2014/main" id="{61DEAE87-D783-4033-B894-5D38F3AC7D4A}"/>
+              </a:ext>
+            </a:extLst>
+          </p:cNvPr>
+          <p:cNvPicPr>
+            <a:picLocks noChangeAspect="1"/>
+          </p:cNvPicPr>
+          <p:nvPr/>
+        </p:nvPicPr>
+        <p:blipFill>
+          <a:blip r:embed="rId2">
+            <a:extLst>
+              <a:ext uri="{28A0092B-C50C-407E-A947-70E740481C1C}">
+                <a14:useLocalDpi xmlns:a14="http://schemas.microsoft.com/office/drawing/2010/main" val="0"/>
+              </a:ext>
+              <a:ext uri="{96DAC541-7B7A-43D3-8B79-37D633B846F1}">
+                <asvg:svgBlip xmlns:asvg="http://schemas.microsoft.com/office/drawing/2016/SVG/main" r:embed="rId3"/>
+              </a:ext>
+            </a:extLst>
+          </a:blip>
+          <a:stretch>
+            <a:fillRect/>
+          </a:stretch>
+        </p:blipFill>
+        <p:spPr>
+          <a:xfrm>
+            <a:off x="9413987" y="2857501"/>
+            <a:ext cx="1142998" cy="1142998"/>
+          </a:xfrm>
+          <a:prstGeom prst="rect">
+            <a:avLst/>
+          </a:prstGeom>
+        </p:spPr>
+      </p:pic>
+      <p:sp>
+        <p:nvSpPr>
           <p:cNvPr id="2" name="Title 1">
             <a:extLst>
               <a:ext uri="{FF2B5EF4-FFF2-40B4-BE49-F238E27FC236}">
@@ -4326,13 +5838,20 @@
             <p:ph type="title"/>
           </p:nvPr>
         </p:nvSpPr>
-        <p:spPr/>
-        <p:txBody>
-          <a:bodyPr/>
+        <p:spPr>
+          <a:xfrm>
+            <a:off x="1136428" y="627564"/>
+            <a:ext cx="7474172" cy="1325563"/>
+          </a:xfrm>
+        </p:spPr>
+        <p:txBody>
+          <a:bodyPr>
+            <a:normAutofit/>
+          </a:bodyPr>
           <a:lstStyle/>
           <a:p>
             <a:r>
-              <a:rPr lang="en-US" dirty="0"/>
+              <a:rPr lang="en-US"/>
               <a:t>On the air Tvshow</a:t>
             </a:r>
             <a:endParaRPr lang="en-IN" dirty="0"/>
@@ -4355,66 +5874,73 @@
             <p:ph idx="1"/>
           </p:nvPr>
         </p:nvSpPr>
-        <p:spPr/>
-        <p:txBody>
-          <a:bodyPr/>
+        <p:spPr>
+          <a:xfrm>
+            <a:off x="1136429" y="2278173"/>
+            <a:ext cx="6467867" cy="3450613"/>
+          </a:xfrm>
+        </p:spPr>
+        <p:txBody>
+          <a:bodyPr anchor="ctr">
+            <a:normAutofit/>
+          </a:bodyPr>
           <a:lstStyle/>
           <a:p>
             <a:r>
-              <a:rPr lang="en-US" dirty="0"/>
+              <a:rPr lang="en-US" sz="2400"/>
               <a:t>API: </a:t>
             </a:r>
             <a:r>
-              <a:rPr lang="en-IN" dirty="0">
-                <a:hlinkClick r:id="rId2"/>
+              <a:rPr lang="en-IN" sz="2400">
+                <a:hlinkClick r:id="rId4"/>
               </a:rPr>
               <a:t>https://API.themoviedb.org/3/tv/on_the_air?API_key={}</a:t>
             </a:r>
-            <a:endParaRPr lang="en-IN" dirty="0"/>
-          </a:p>
-          <a:p>
-            <a:r>
-              <a:rPr lang="en-US" dirty="0"/>
+            <a:endParaRPr lang="en-IN" sz="2400"/>
+          </a:p>
+          <a:p>
+            <a:r>
+              <a:rPr lang="en-US" sz="2400"/>
               <a:t>We can add various conditions for querying the data.</a:t>
             </a:r>
           </a:p>
           <a:p>
             <a:pPr lvl="1"/>
             <a:r>
-              <a:rPr lang="en-US" dirty="0"/>
+              <a:rPr lang="en-US"/>
               <a:t>Region wise</a:t>
             </a:r>
           </a:p>
           <a:p>
             <a:pPr lvl="1"/>
             <a:r>
-              <a:rPr lang="en-US" dirty="0"/>
+              <a:rPr lang="en-US"/>
               <a:t>Page wise</a:t>
             </a:r>
           </a:p>
           <a:p>
             <a:pPr lvl="1"/>
             <a:r>
-              <a:rPr lang="en-US" dirty="0"/>
+              <a:rPr lang="en-US"/>
               <a:t>User wise</a:t>
             </a:r>
           </a:p>
           <a:p>
             <a:pPr lvl="1"/>
             <a:r>
-              <a:rPr lang="en-US" dirty="0"/>
+              <a:rPr lang="en-US"/>
               <a:t>Language wise</a:t>
             </a:r>
-            <a:endParaRPr lang="en-IN" dirty="0"/>
-          </a:p>
-          <a:p>
-            <a:endParaRPr lang="en-IN" dirty="0"/>
-          </a:p>
-          <a:p>
-            <a:endParaRPr lang="en-IN" dirty="0"/>
-          </a:p>
-          <a:p>
-            <a:endParaRPr lang="en-IN" dirty="0"/>
+            <a:endParaRPr lang="en-IN"/>
+          </a:p>
+          <a:p>
+            <a:endParaRPr lang="en-IN" sz="2400"/>
+          </a:p>
+          <a:p>
+            <a:endParaRPr lang="en-IN" sz="2400"/>
+          </a:p>
+          <a:p>
+            <a:endParaRPr lang="en-IN" sz="2400"/>
           </a:p>
         </p:txBody>
       </p:sp>
@@ -4535,25 +6061,125 @@
                 </a:solidFill>
                 <a:latin typeface="Consolas" panose="020B0609020204030204" pitchFamily="49" charset="0"/>
               </a:rPr>
-              <a:t>"</a:t>
-            </a:r>
-            <a:r>
-              <a:rPr lang="en-US" sz="2000" b="1" dirty="0" err="1">
+              <a:t>    "original_name"</a:t>
+            </a:r>
+            <a:r>
+              <a:rPr lang="en-US" sz="2000" b="1" dirty="0">
+                <a:solidFill>
+                  <a:srgbClr val="D4D4D4"/>
+                </a:solidFill>
+                <a:latin typeface="Consolas" panose="020B0609020204030204" pitchFamily="49" charset="0"/>
+              </a:rPr>
+              <a:t>: </a:t>
+            </a:r>
+            <a:r>
+              <a:rPr lang="en-US" sz="2000" b="1" dirty="0">
+                <a:solidFill>
+                  <a:srgbClr val="CE9178"/>
+                </a:solidFill>
+                <a:latin typeface="Consolas" panose="020B0609020204030204" pitchFamily="49" charset="0"/>
+              </a:rPr>
+              <a:t>"The Walking Dead"</a:t>
+            </a:r>
+            <a:r>
+              <a:rPr lang="en-US" sz="2000" b="1" dirty="0">
+                <a:solidFill>
+                  <a:srgbClr val="D4D4D4"/>
+                </a:solidFill>
+                <a:latin typeface="Consolas" panose="020B0609020204030204" pitchFamily="49" charset="0"/>
+              </a:rPr>
+              <a:t>,</a:t>
+            </a:r>
+          </a:p>
+          <a:p>
+            <a:pPr marL="0" indent="0">
+              <a:buNone/>
+            </a:pPr>
+            <a:r>
+              <a:rPr lang="en-US" sz="2000" b="1" dirty="0">
                 <a:solidFill>
                   <a:srgbClr val="9CDCFE"/>
                 </a:solidFill>
                 <a:latin typeface="Consolas" panose="020B0609020204030204" pitchFamily="49" charset="0"/>
               </a:rPr>
-              <a:t>original_name</a:t>
+              <a:t>    "genre_ids"</a:t>
             </a:r>
             <a:r>
               <a:rPr lang="en-US" sz="2000" b="1" dirty="0">
                 <a:solidFill>
+                  <a:srgbClr val="D4D4D4"/>
+                </a:solidFill>
+                <a:latin typeface="Consolas" panose="020B0609020204030204" pitchFamily="49" charset="0"/>
+              </a:rPr>
+              <a:t>: [</a:t>
+            </a:r>
+            <a:r>
+              <a:rPr lang="en-US" sz="2000" b="1" dirty="0">
+                <a:solidFill>
+                  <a:srgbClr val="B5CEA8"/>
+                </a:solidFill>
+                <a:latin typeface="Consolas" panose="020B0609020204030204" pitchFamily="49" charset="0"/>
+              </a:rPr>
+              <a:t>18</a:t>
+            </a:r>
+            <a:r>
+              <a:rPr lang="en-US" sz="2000" b="1" dirty="0">
+                <a:solidFill>
+                  <a:srgbClr val="D4D4D4"/>
+                </a:solidFill>
+                <a:latin typeface="Consolas" panose="020B0609020204030204" pitchFamily="49" charset="0"/>
+              </a:rPr>
+              <a:t>,</a:t>
+            </a:r>
+            <a:r>
+              <a:rPr lang="en-US" sz="2000" b="1" dirty="0">
+                <a:solidFill>
+                  <a:srgbClr val="B5CEA8"/>
+                </a:solidFill>
+                <a:latin typeface="Consolas" panose="020B0609020204030204" pitchFamily="49" charset="0"/>
+              </a:rPr>
+              <a:t>10759</a:t>
+            </a:r>
+            <a:r>
+              <a:rPr lang="en-US" sz="2000" b="1" dirty="0">
+                <a:solidFill>
+                  <a:srgbClr val="D4D4D4"/>
+                </a:solidFill>
+                <a:latin typeface="Consolas" panose="020B0609020204030204" pitchFamily="49" charset="0"/>
+              </a:rPr>
+              <a:t>,</a:t>
+            </a:r>
+            <a:r>
+              <a:rPr lang="en-US" sz="2000" b="1" dirty="0">
+                <a:solidFill>
+                  <a:srgbClr val="B5CEA8"/>
+                </a:solidFill>
+                <a:latin typeface="Consolas" panose="020B0609020204030204" pitchFamily="49" charset="0"/>
+              </a:rPr>
+              <a:t>10765</a:t>
+            </a:r>
+            <a:r>
+              <a:rPr lang="en-US" sz="2000" b="1" dirty="0">
+                <a:solidFill>
+                  <a:srgbClr val="D4D4D4"/>
+                </a:solidFill>
+                <a:latin typeface="Consolas" panose="020B0609020204030204" pitchFamily="49" charset="0"/>
+              </a:rPr>
+              <a:t>],</a:t>
+            </a:r>
+          </a:p>
+          <a:p>
+            <a:pPr marL="0" indent="0">
+              <a:buNone/>
+            </a:pPr>
+            <a:r>
+              <a:rPr lang="en-US" sz="2000" b="1" dirty="0">
+                <a:solidFill>
                   <a:srgbClr val="9CDCFE"/>
                 </a:solidFill>
                 <a:latin typeface="Consolas" panose="020B0609020204030204" pitchFamily="49" charset="0"/>
               </a:rPr>
-              <a:t>"</a:t>
+              <a:t>    "name"</a:t>
             </a:r>
             <a:r>
               <a:rPr lang="en-US" sz="2000" b="1" dirty="0">
@@ -4594,25 +6220,89 @@
                 </a:solidFill>
                 <a:latin typeface="Consolas" panose="020B0609020204030204" pitchFamily="49" charset="0"/>
               </a:rPr>
-              <a:t>"</a:t>
-            </a:r>
-            <a:r>
-              <a:rPr lang="en-US" sz="2000" b="1" dirty="0" err="1">
+              <a:t>    "popularity"</a:t>
+            </a:r>
+            <a:r>
+              <a:rPr lang="en-US" sz="2000" b="1" dirty="0">
+                <a:solidFill>
+                  <a:srgbClr val="D4D4D4"/>
+                </a:solidFill>
+                <a:latin typeface="Consolas" panose="020B0609020204030204" pitchFamily="49" charset="0"/>
+              </a:rPr>
+              <a:t>: </a:t>
+            </a:r>
+            <a:r>
+              <a:rPr lang="en-US" sz="2000" b="1" dirty="0">
+                <a:solidFill>
+                  <a:srgbClr val="B5CEA8"/>
+                </a:solidFill>
+                <a:latin typeface="Consolas" panose="020B0609020204030204" pitchFamily="49" charset="0"/>
+              </a:rPr>
+              <a:t>248.813492</a:t>
+            </a:r>
+            <a:r>
+              <a:rPr lang="en-US" sz="2000" b="1" dirty="0">
+                <a:solidFill>
+                  <a:srgbClr val="D4D4D4"/>
+                </a:solidFill>
+                <a:latin typeface="Consolas" panose="020B0609020204030204" pitchFamily="49" charset="0"/>
+              </a:rPr>
+              <a:t>,</a:t>
+            </a:r>
+          </a:p>
+          <a:p>
+            <a:pPr marL="0" indent="0">
+              <a:buNone/>
+            </a:pPr>
+            <a:r>
+              <a:rPr lang="en-US" sz="2000" b="1" dirty="0">
                 <a:solidFill>
                   <a:srgbClr val="9CDCFE"/>
                 </a:solidFill>
                 <a:latin typeface="Consolas" panose="020B0609020204030204" pitchFamily="49" charset="0"/>
               </a:rPr>
-              <a:t>genre_ids</a:t>
+              <a:t>    "origin_country"</a:t>
             </a:r>
             <a:r>
               <a:rPr lang="en-US" sz="2000" b="1" dirty="0">
                 <a:solidFill>
+                  <a:srgbClr val="D4D4D4"/>
+                </a:solidFill>
+                <a:latin typeface="Consolas" panose="020B0609020204030204" pitchFamily="49" charset="0"/>
+              </a:rPr>
+              <a:t>: [</a:t>
+            </a:r>
+            <a:r>
+              <a:rPr lang="en-US" sz="2000" b="1" dirty="0">
+                <a:solidFill>
+                  <a:srgbClr val="CE9178"/>
+                </a:solidFill>
+                <a:latin typeface="Consolas" panose="020B0609020204030204" pitchFamily="49" charset="0"/>
+              </a:rPr>
+              <a:t>"US"</a:t>
+            </a:r>
+            <a:r>
+              <a:rPr lang="en-US" sz="2000" b="1" dirty="0">
+                <a:solidFill>
+                  <a:srgbClr val="D4D4D4"/>
+                </a:solidFill>
+                <a:latin typeface="Consolas" panose="020B0609020204030204" pitchFamily="49" charset="0"/>
+              </a:rPr>
+              <a:t>],</a:t>
+            </a:r>
+          </a:p>
+          <a:p>
+            <a:pPr marL="0" indent="0">
+              <a:buNone/>
+            </a:pPr>
+            <a:r>
+              <a:rPr lang="en-US" sz="2000" b="1" dirty="0">
+                <a:solidFill>
                   <a:srgbClr val="9CDCFE"/>
                 </a:solidFill>
                 <a:latin typeface="Consolas" panose="020B0609020204030204" pitchFamily="49" charset="0"/>
               </a:rPr>
-              <a:t>"</a:t>
+              <a:t>    "vote_count"</a:t>
             </a:r>
             <a:r>
               <a:rPr lang="en-US" sz="2000" b="1" dirty="0">
@@ -4621,7 +6311,7 @@
                 </a:solidFill>
                 <a:latin typeface="Consolas" panose="020B0609020204030204" pitchFamily="49" charset="0"/>
               </a:rPr>
-              <a:t>: [</a:t>
+              <a:t>: </a:t>
             </a:r>
             <a:r>
               <a:rPr lang="en-US" sz="2000" b="1" dirty="0">
@@ -4630,7 +6320,7 @@
                 </a:solidFill>
                 <a:latin typeface="Consolas" panose="020B0609020204030204" pitchFamily="49" charset="0"/>
               </a:rPr>
-              <a:t>18</a:t>
+              <a:t>3099</a:t>
             </a:r>
             <a:r>
               <a:rPr lang="en-US" sz="2000" b="1" dirty="0">
@@ -4641,14 +6331,114 @@
               </a:rPr>
               <a:t>,</a:t>
             </a:r>
+          </a:p>
+          <a:p>
+            <a:pPr marL="0" indent="0">
+              <a:buNone/>
+            </a:pPr>
             <a:r>
               <a:rPr lang="en-US" sz="2000" b="1" dirty="0">
                 <a:solidFill>
+                  <a:srgbClr val="9CDCFE"/>
+                </a:solidFill>
+                <a:latin typeface="Consolas" panose="020B0609020204030204" pitchFamily="49" charset="0"/>
+              </a:rPr>
+              <a:t>    "first_air_date"</a:t>
+            </a:r>
+            <a:r>
+              <a:rPr lang="en-US" sz="2000" b="1" dirty="0">
+                <a:solidFill>
+                  <a:srgbClr val="D4D4D4"/>
+                </a:solidFill>
+                <a:latin typeface="Consolas" panose="020B0609020204030204" pitchFamily="49" charset="0"/>
+              </a:rPr>
+              <a:t>: </a:t>
+            </a:r>
+            <a:r>
+              <a:rPr lang="en-US" sz="2000" b="1" dirty="0">
+                <a:solidFill>
+                  <a:srgbClr val="CE9178"/>
+                </a:solidFill>
+                <a:latin typeface="Consolas" panose="020B0609020204030204" pitchFamily="49" charset="0"/>
+              </a:rPr>
+              <a:t>"2010-10-31"</a:t>
+            </a:r>
+            <a:r>
+              <a:rPr lang="en-US" sz="2000" b="1" dirty="0">
+                <a:solidFill>
+                  <a:srgbClr val="D4D4D4"/>
+                </a:solidFill>
+                <a:latin typeface="Consolas" panose="020B0609020204030204" pitchFamily="49" charset="0"/>
+              </a:rPr>
+              <a:t>, </a:t>
+            </a:r>
+            <a:r>
+              <a:rPr lang="en-US" sz="2000" b="1" dirty="0">
+                <a:solidFill>
+                  <a:srgbClr val="9CDCFE"/>
+                </a:solidFill>
+                <a:latin typeface="Consolas" panose="020B0609020204030204" pitchFamily="49" charset="0"/>
+              </a:rPr>
+              <a:t>"original_language"</a:t>
+            </a:r>
+            <a:r>
+              <a:rPr lang="en-US" sz="2000" b="1" dirty="0">
+                <a:solidFill>
+                  <a:srgbClr val="D4D4D4"/>
+                </a:solidFill>
+                <a:latin typeface="Consolas" panose="020B0609020204030204" pitchFamily="49" charset="0"/>
+              </a:rPr>
+              <a:t>: </a:t>
+            </a:r>
+            <a:r>
+              <a:rPr lang="en-US" sz="2000" b="1" dirty="0">
+                <a:solidFill>
+                  <a:srgbClr val="CE9178"/>
+                </a:solidFill>
+                <a:latin typeface="Consolas" panose="020B0609020204030204" pitchFamily="49" charset="0"/>
+              </a:rPr>
+              <a:t>"en"</a:t>
+            </a:r>
+            <a:r>
+              <a:rPr lang="en-US" sz="2000" b="1" dirty="0">
+                <a:solidFill>
+                  <a:srgbClr val="D4D4D4"/>
+                </a:solidFill>
+                <a:latin typeface="Consolas" panose="020B0609020204030204" pitchFamily="49" charset="0"/>
+              </a:rPr>
+              <a:t>,</a:t>
+            </a:r>
+          </a:p>
+          <a:p>
+            <a:pPr marL="0" indent="0">
+              <a:buNone/>
+            </a:pPr>
+            <a:r>
+              <a:rPr lang="en-US" sz="2000" b="1" dirty="0">
+                <a:solidFill>
+                  <a:srgbClr val="9CDCFE"/>
+                </a:solidFill>
+                <a:latin typeface="Consolas" panose="020B0609020204030204" pitchFamily="49" charset="0"/>
+              </a:rPr>
+              <a:t>    "id"</a:t>
+            </a:r>
+            <a:r>
+              <a:rPr lang="en-US" sz="2000" b="1" dirty="0">
+                <a:solidFill>
+                  <a:srgbClr val="D4D4D4"/>
+                </a:solidFill>
+                <a:latin typeface="Consolas" panose="020B0609020204030204" pitchFamily="49" charset="0"/>
+              </a:rPr>
+              <a:t>: </a:t>
+            </a:r>
+            <a:r>
+              <a:rPr lang="en-US" sz="2000" b="1" dirty="0">
+                <a:solidFill>
                   <a:srgbClr val="B5CEA8"/>
                 </a:solidFill>
                 <a:latin typeface="Consolas" panose="020B0609020204030204" pitchFamily="49" charset="0"/>
               </a:rPr>
-              <a:t>10759</a:t>
+              <a:t>1402</a:t>
             </a:r>
             <a:r>
               <a:rPr lang="en-US" sz="2000" b="1" dirty="0">
@@ -4659,427 +6449,19 @@
               </a:rPr>
               <a:t>,</a:t>
             </a:r>
+          </a:p>
+          <a:p>
+            <a:pPr marL="0" indent="0">
+              <a:buNone/>
+            </a:pPr>
             <a:r>
               <a:rPr lang="en-US" sz="2000" b="1" dirty="0">
                 <a:solidFill>
-                  <a:srgbClr val="B5CEA8"/>
-                </a:solidFill>
-                <a:latin typeface="Consolas" panose="020B0609020204030204" pitchFamily="49" charset="0"/>
-              </a:rPr>
-              <a:t>10765</a:t>
-            </a:r>
-            <a:r>
-              <a:rPr lang="en-US" sz="2000" b="1" dirty="0">
-                <a:solidFill>
-                  <a:srgbClr val="D4D4D4"/>
-                </a:solidFill>
-                <a:latin typeface="Consolas" panose="020B0609020204030204" pitchFamily="49" charset="0"/>
-              </a:rPr>
-              <a:t>],</a:t>
-            </a:r>
-          </a:p>
-          <a:p>
-            <a:pPr marL="0" indent="0">
-              <a:buNone/>
-            </a:pPr>
-            <a:r>
-              <a:rPr lang="en-US" sz="2000" b="1" dirty="0">
-                <a:solidFill>
                   <a:srgbClr val="9CDCFE"/>
                 </a:solidFill>
                 <a:latin typeface="Consolas" panose="020B0609020204030204" pitchFamily="49" charset="0"/>
               </a:rPr>
-              <a:t>"name"</a:t>
-            </a:r>
-            <a:r>
-              <a:rPr lang="en-US" sz="2000" b="1" dirty="0">
-                <a:solidFill>
-                  <a:srgbClr val="D4D4D4"/>
-                </a:solidFill>
-                <a:latin typeface="Consolas" panose="020B0609020204030204" pitchFamily="49" charset="0"/>
-              </a:rPr>
-              <a:t>: </a:t>
-            </a:r>
-            <a:r>
-              <a:rPr lang="en-US" sz="2000" b="1" dirty="0">
-                <a:solidFill>
-                  <a:srgbClr val="CE9178"/>
-                </a:solidFill>
-                <a:latin typeface="Consolas" panose="020B0609020204030204" pitchFamily="49" charset="0"/>
-              </a:rPr>
-              <a:t>"The Walking Dead"</a:t>
-            </a:r>
-            <a:r>
-              <a:rPr lang="en-US" sz="2000" b="1" dirty="0">
-                <a:solidFill>
-                  <a:srgbClr val="D4D4D4"/>
-                </a:solidFill>
-                <a:latin typeface="Consolas" panose="020B0609020204030204" pitchFamily="49" charset="0"/>
-              </a:rPr>
-              <a:t>,</a:t>
-            </a:r>
-          </a:p>
-          <a:p>
-            <a:pPr marL="0" indent="0">
-              <a:buNone/>
-            </a:pPr>
-            <a:r>
-              <a:rPr lang="en-US" sz="2000" b="1" dirty="0">
-                <a:solidFill>
-                  <a:srgbClr val="9CDCFE"/>
-                </a:solidFill>
-                <a:latin typeface="Consolas" panose="020B0609020204030204" pitchFamily="49" charset="0"/>
-              </a:rPr>
-              <a:t>"popularity"</a:t>
-            </a:r>
-            <a:r>
-              <a:rPr lang="en-US" sz="2000" b="1" dirty="0">
-                <a:solidFill>
-                  <a:srgbClr val="D4D4D4"/>
-                </a:solidFill>
-                <a:latin typeface="Consolas" panose="020B0609020204030204" pitchFamily="49" charset="0"/>
-              </a:rPr>
-              <a:t>: </a:t>
-            </a:r>
-            <a:r>
-              <a:rPr lang="en-US" sz="2000" b="1" dirty="0">
-                <a:solidFill>
-                  <a:srgbClr val="B5CEA8"/>
-                </a:solidFill>
-                <a:latin typeface="Consolas" panose="020B0609020204030204" pitchFamily="49" charset="0"/>
-              </a:rPr>
-              <a:t>248.813492</a:t>
-            </a:r>
-            <a:r>
-              <a:rPr lang="en-US" sz="2000" b="1" dirty="0">
-                <a:solidFill>
-                  <a:srgbClr val="D4D4D4"/>
-                </a:solidFill>
-                <a:latin typeface="Consolas" panose="020B0609020204030204" pitchFamily="49" charset="0"/>
-              </a:rPr>
-              <a:t>,</a:t>
-            </a:r>
-          </a:p>
-          <a:p>
-            <a:pPr marL="0" indent="0">
-              <a:buNone/>
-            </a:pPr>
-            <a:r>
-              <a:rPr lang="en-US" sz="2000" b="1" dirty="0">
-                <a:solidFill>
-                  <a:srgbClr val="9CDCFE"/>
-                </a:solidFill>
-                <a:latin typeface="Consolas" panose="020B0609020204030204" pitchFamily="49" charset="0"/>
-              </a:rPr>
-              <a:t>"</a:t>
-            </a:r>
-            <a:r>
-              <a:rPr lang="en-US" sz="2000" b="1" dirty="0" err="1">
-                <a:solidFill>
-                  <a:srgbClr val="9CDCFE"/>
-                </a:solidFill>
-                <a:latin typeface="Consolas" panose="020B0609020204030204" pitchFamily="49" charset="0"/>
-              </a:rPr>
-              <a:t>origin_country</a:t>
-            </a:r>
-            <a:r>
-              <a:rPr lang="en-US" sz="2000" b="1" dirty="0">
-                <a:solidFill>
-                  <a:srgbClr val="9CDCFE"/>
-                </a:solidFill>
-                <a:latin typeface="Consolas" panose="020B0609020204030204" pitchFamily="49" charset="0"/>
-              </a:rPr>
-              <a:t>"</a:t>
-            </a:r>
-            <a:r>
-              <a:rPr lang="en-US" sz="2000" b="1" dirty="0">
-                <a:solidFill>
-                  <a:srgbClr val="D4D4D4"/>
-                </a:solidFill>
-                <a:latin typeface="Consolas" panose="020B0609020204030204" pitchFamily="49" charset="0"/>
-              </a:rPr>
-              <a:t>: [</a:t>
-            </a:r>
-            <a:r>
-              <a:rPr lang="en-US" sz="2000" b="1" dirty="0">
-                <a:solidFill>
-                  <a:srgbClr val="CE9178"/>
-                </a:solidFill>
-                <a:latin typeface="Consolas" panose="020B0609020204030204" pitchFamily="49" charset="0"/>
-              </a:rPr>
-              <a:t>"US"</a:t>
-            </a:r>
-            <a:r>
-              <a:rPr lang="en-US" sz="2000" b="1" dirty="0">
-                <a:solidFill>
-                  <a:srgbClr val="D4D4D4"/>
-                </a:solidFill>
-                <a:latin typeface="Consolas" panose="020B0609020204030204" pitchFamily="49" charset="0"/>
-              </a:rPr>
-              <a:t>],</a:t>
-            </a:r>
-          </a:p>
-          <a:p>
-            <a:pPr marL="0" indent="0">
-              <a:buNone/>
-            </a:pPr>
-            <a:r>
-              <a:rPr lang="en-US" sz="2000" b="1" dirty="0">
-                <a:solidFill>
-                  <a:srgbClr val="9CDCFE"/>
-                </a:solidFill>
-                <a:latin typeface="Consolas" panose="020B0609020204030204" pitchFamily="49" charset="0"/>
-              </a:rPr>
-              <a:t>"</a:t>
-            </a:r>
-            <a:r>
-              <a:rPr lang="en-US" sz="2000" b="1" dirty="0" err="1">
-                <a:solidFill>
-                  <a:srgbClr val="9CDCFE"/>
-                </a:solidFill>
-                <a:latin typeface="Consolas" panose="020B0609020204030204" pitchFamily="49" charset="0"/>
-              </a:rPr>
-              <a:t>vote_count</a:t>
-            </a:r>
-            <a:r>
-              <a:rPr lang="en-US" sz="2000" b="1" dirty="0">
-                <a:solidFill>
-                  <a:srgbClr val="9CDCFE"/>
-                </a:solidFill>
-                <a:latin typeface="Consolas" panose="020B0609020204030204" pitchFamily="49" charset="0"/>
-              </a:rPr>
-              <a:t>"</a:t>
-            </a:r>
-            <a:r>
-              <a:rPr lang="en-US" sz="2000" b="1" dirty="0">
-                <a:solidFill>
-                  <a:srgbClr val="D4D4D4"/>
-                </a:solidFill>
-                <a:latin typeface="Consolas" panose="020B0609020204030204" pitchFamily="49" charset="0"/>
-              </a:rPr>
-              <a:t>: </a:t>
-            </a:r>
-            <a:r>
-              <a:rPr lang="en-US" sz="2000" b="1" dirty="0">
-                <a:solidFill>
-                  <a:srgbClr val="B5CEA8"/>
-                </a:solidFill>
-                <a:latin typeface="Consolas" panose="020B0609020204030204" pitchFamily="49" charset="0"/>
-              </a:rPr>
-              <a:t>3099</a:t>
-            </a:r>
-            <a:r>
-              <a:rPr lang="en-US" sz="2000" b="1" dirty="0">
-                <a:solidFill>
-                  <a:srgbClr val="D4D4D4"/>
-                </a:solidFill>
-                <a:latin typeface="Consolas" panose="020B0609020204030204" pitchFamily="49" charset="0"/>
-              </a:rPr>
-              <a:t>,</a:t>
-            </a:r>
-          </a:p>
-          <a:p>
-            <a:pPr marL="0" indent="0">
-              <a:buNone/>
-            </a:pPr>
-            <a:r>
-              <a:rPr lang="en-US" sz="2000" b="1" dirty="0">
-                <a:solidFill>
-                  <a:srgbClr val="9CDCFE"/>
-                </a:solidFill>
-                <a:latin typeface="Consolas" panose="020B0609020204030204" pitchFamily="49" charset="0"/>
-              </a:rPr>
-              <a:t>"</a:t>
-            </a:r>
-            <a:r>
-              <a:rPr lang="en-US" sz="2000" b="1" dirty="0" err="1">
-                <a:solidFill>
-                  <a:srgbClr val="9CDCFE"/>
-                </a:solidFill>
-                <a:latin typeface="Consolas" panose="020B0609020204030204" pitchFamily="49" charset="0"/>
-              </a:rPr>
-              <a:t>first_air_date</a:t>
-            </a:r>
-            <a:r>
-              <a:rPr lang="en-US" sz="2000" b="1" dirty="0">
-                <a:solidFill>
-                  <a:srgbClr val="9CDCFE"/>
-                </a:solidFill>
-                <a:latin typeface="Consolas" panose="020B0609020204030204" pitchFamily="49" charset="0"/>
-              </a:rPr>
-              <a:t>"</a:t>
-            </a:r>
-            <a:r>
-              <a:rPr lang="en-US" sz="2000" b="1" dirty="0">
-                <a:solidFill>
-                  <a:srgbClr val="D4D4D4"/>
-                </a:solidFill>
-                <a:latin typeface="Consolas" panose="020B0609020204030204" pitchFamily="49" charset="0"/>
-              </a:rPr>
-              <a:t>: </a:t>
-            </a:r>
-            <a:r>
-              <a:rPr lang="en-US" sz="2000" b="1" dirty="0">
-                <a:solidFill>
-                  <a:srgbClr val="CE9178"/>
-                </a:solidFill>
-                <a:latin typeface="Consolas" panose="020B0609020204030204" pitchFamily="49" charset="0"/>
-              </a:rPr>
-              <a:t>"2010-10-31"</a:t>
-            </a:r>
-            <a:r>
-              <a:rPr lang="en-US" sz="2000" b="1" dirty="0">
-                <a:solidFill>
-                  <a:srgbClr val="D4D4D4"/>
-                </a:solidFill>
-                <a:latin typeface="Consolas" panose="020B0609020204030204" pitchFamily="49" charset="0"/>
-              </a:rPr>
-              <a:t>, </a:t>
-            </a:r>
-            <a:r>
-              <a:rPr lang="en-US" sz="2000" b="1" dirty="0">
-                <a:solidFill>
-                  <a:srgbClr val="9CDCFE"/>
-                </a:solidFill>
-                <a:latin typeface="Consolas" panose="020B0609020204030204" pitchFamily="49" charset="0"/>
-              </a:rPr>
-              <a:t>"</a:t>
-            </a:r>
-            <a:r>
-              <a:rPr lang="en-US" sz="2000" b="1" dirty="0" err="1">
-                <a:solidFill>
-                  <a:srgbClr val="9CDCFE"/>
-                </a:solidFill>
-                <a:latin typeface="Consolas" panose="020B0609020204030204" pitchFamily="49" charset="0"/>
-              </a:rPr>
-              <a:t>original_language</a:t>
-            </a:r>
-            <a:r>
-              <a:rPr lang="en-US" sz="2000" b="1" dirty="0">
-                <a:solidFill>
-                  <a:srgbClr val="9CDCFE"/>
-                </a:solidFill>
-                <a:latin typeface="Consolas" panose="020B0609020204030204" pitchFamily="49" charset="0"/>
-              </a:rPr>
-              <a:t>"</a:t>
-            </a:r>
-            <a:r>
-              <a:rPr lang="en-US" sz="2000" b="1" dirty="0">
-                <a:solidFill>
-                  <a:srgbClr val="D4D4D4"/>
-                </a:solidFill>
-                <a:latin typeface="Consolas" panose="020B0609020204030204" pitchFamily="49" charset="0"/>
-              </a:rPr>
-              <a:t>: </a:t>
-            </a:r>
-            <a:r>
-              <a:rPr lang="en-US" sz="2000" b="1" dirty="0">
-                <a:solidFill>
-                  <a:srgbClr val="CE9178"/>
-                </a:solidFill>
-                <a:latin typeface="Consolas" panose="020B0609020204030204" pitchFamily="49" charset="0"/>
-              </a:rPr>
-              <a:t>"</a:t>
-            </a:r>
-            <a:r>
-              <a:rPr lang="en-US" sz="2000" b="1" dirty="0" err="1">
-                <a:solidFill>
-                  <a:srgbClr val="CE9178"/>
-                </a:solidFill>
-                <a:latin typeface="Consolas" panose="020B0609020204030204" pitchFamily="49" charset="0"/>
-              </a:rPr>
-              <a:t>en</a:t>
-            </a:r>
-            <a:r>
-              <a:rPr lang="en-US" sz="2000" b="1" dirty="0">
-                <a:solidFill>
-                  <a:srgbClr val="CE9178"/>
-                </a:solidFill>
-                <a:latin typeface="Consolas" panose="020B0609020204030204" pitchFamily="49" charset="0"/>
-              </a:rPr>
-              <a:t>"</a:t>
-            </a:r>
-            <a:r>
-              <a:rPr lang="en-US" sz="2000" b="1" dirty="0">
-                <a:solidFill>
-                  <a:srgbClr val="D4D4D4"/>
-                </a:solidFill>
-                <a:latin typeface="Consolas" panose="020B0609020204030204" pitchFamily="49" charset="0"/>
-              </a:rPr>
-              <a:t>,</a:t>
-            </a:r>
-          </a:p>
-          <a:p>
-            <a:pPr marL="0" indent="0">
-              <a:buNone/>
-            </a:pPr>
-            <a:r>
-              <a:rPr lang="en-US" sz="2000" b="1" dirty="0">
-                <a:solidFill>
-                  <a:srgbClr val="9CDCFE"/>
-                </a:solidFill>
-                <a:latin typeface="Consolas" panose="020B0609020204030204" pitchFamily="49" charset="0"/>
-              </a:rPr>
-              <a:t>"id"</a:t>
-            </a:r>
-            <a:r>
-              <a:rPr lang="en-US" sz="2000" b="1" dirty="0">
-                <a:solidFill>
-                  <a:srgbClr val="D4D4D4"/>
-                </a:solidFill>
-                <a:latin typeface="Consolas" panose="020B0609020204030204" pitchFamily="49" charset="0"/>
-              </a:rPr>
-              <a:t>: </a:t>
-            </a:r>
-            <a:r>
-              <a:rPr lang="en-US" sz="2000" b="1" dirty="0">
-                <a:solidFill>
-                  <a:srgbClr val="B5CEA8"/>
-                </a:solidFill>
-                <a:latin typeface="Consolas" panose="020B0609020204030204" pitchFamily="49" charset="0"/>
-              </a:rPr>
-              <a:t>1402</a:t>
-            </a:r>
-            <a:r>
-              <a:rPr lang="en-US" sz="2000" b="1" dirty="0">
-                <a:solidFill>
-                  <a:srgbClr val="D4D4D4"/>
-                </a:solidFill>
-                <a:latin typeface="Consolas" panose="020B0609020204030204" pitchFamily="49" charset="0"/>
-              </a:rPr>
-              <a:t>,</a:t>
-            </a:r>
-          </a:p>
-          <a:p>
-            <a:pPr marL="0" indent="0">
-              <a:buNone/>
-            </a:pPr>
-            <a:r>
-              <a:rPr lang="en-US" sz="2000" b="1" dirty="0">
-                <a:solidFill>
-                  <a:srgbClr val="9CDCFE"/>
-                </a:solidFill>
-                <a:latin typeface="Consolas" panose="020B0609020204030204" pitchFamily="49" charset="0"/>
-              </a:rPr>
-              <a:t>"</a:t>
-            </a:r>
-            <a:r>
-              <a:rPr lang="en-US" sz="2000" b="1" dirty="0" err="1">
-                <a:solidFill>
-                  <a:srgbClr val="9CDCFE"/>
-                </a:solidFill>
-                <a:latin typeface="Consolas" panose="020B0609020204030204" pitchFamily="49" charset="0"/>
-              </a:rPr>
-              <a:t>vote_average</a:t>
-            </a:r>
-            <a:r>
-              <a:rPr lang="en-US" sz="2000" b="1" dirty="0">
-                <a:solidFill>
-                  <a:srgbClr val="9CDCFE"/>
-                </a:solidFill>
-                <a:latin typeface="Consolas" panose="020B0609020204030204" pitchFamily="49" charset="0"/>
-              </a:rPr>
-              <a:t>"</a:t>
+              <a:t>    "vote_average"</a:t>
             </a:r>
             <a:r>
               <a:rPr lang="en-US" sz="2000" b="1" dirty="0">
@@ -5141,6 +6523,14 @@
 <file path=ppt/slides/slide7.xml><?xml version="1.0" encoding="utf-8"?>
 <p:sld xmlns:a="http://schemas.openxmlformats.org/drawingml/2006/main" xmlns:r="http://schemas.openxmlformats.org/officeDocument/2006/relationships" xmlns:p="http://schemas.openxmlformats.org/presentationml/2006/main">
   <p:cSld>
+    <p:bg>
+      <p:bgPr>
+        <a:solidFill>
+          <a:schemeClr val="bg1"/>
+        </a:solidFill>
+        <a:effectLst/>
+      </p:bgPr>
+    </p:bg>
     <p:spTree>
       <p:nvGrpSpPr>
         <p:cNvPr id="1" name=""/>
@@ -5157,6 +6547,167 @@
       </p:grpSpPr>
       <p:sp>
         <p:nvSpPr>
+          <p:cNvPr id="14" name="Rectangle 9">
+            <a:extLst>
+              <a:ext uri="{FF2B5EF4-FFF2-40B4-BE49-F238E27FC236}">
+                <a16:creationId xmlns:a16="http://schemas.microsoft.com/office/drawing/2014/main" id="{59A309A7-1751-4ABE-A3C1-EEC40366AD89}"/>
+              </a:ext>
+            </a:extLst>
+          </p:cNvPr>
+          <p:cNvSpPr>
+            <a:spLocks noGrp="1" noRot="1" noChangeAspect="1" noMove="1" noResize="1" noEditPoints="1" noAdjustHandles="1" noChangeArrowheads="1" noChangeShapeType="1" noTextEdit="1"/>
+          </p:cNvSpPr>
+          <p:nvPr>
+            <p:extLst>
+              <p:ext uri="{386F3935-93C4-4BCD-93E2-E3B085C9AB24}">
+                <p16:designElem xmlns:p16="http://schemas.microsoft.com/office/powerpoint/2015/main" val="1"/>
+              </p:ext>
+            </p:extLst>
+          </p:nvPr>
+        </p:nvSpPr>
+        <p:spPr>
+          <a:xfrm>
+            <a:off x="10088880" y="0"/>
+            <a:ext cx="2103120" cy="6858000"/>
+          </a:xfrm>
+          <a:prstGeom prst="rect">
+            <a:avLst/>
+          </a:prstGeom>
+          <a:solidFill>
+            <a:schemeClr val="accent1"/>
+          </a:solidFill>
+          <a:ln>
+            <a:noFill/>
+          </a:ln>
+        </p:spPr>
+        <p:style>
+          <a:lnRef idx="2">
+            <a:schemeClr val="accent1">
+              <a:shade val="50000"/>
+            </a:schemeClr>
+          </a:lnRef>
+          <a:fillRef idx="1">
+            <a:schemeClr val="accent1"/>
+          </a:fillRef>
+          <a:effectRef idx="0">
+            <a:schemeClr val="accent1"/>
+          </a:effectRef>
+          <a:fontRef idx="minor">
+            <a:schemeClr val="lt1"/>
+          </a:fontRef>
+        </p:style>
+        <p:txBody>
+          <a:bodyPr rtlCol="0" anchor="ctr"/>
+          <a:lstStyle/>
+          <a:p>
+            <a:pPr algn="ctr"/>
+            <a:endParaRPr lang="en-US"/>
+          </a:p>
+        </p:txBody>
+      </p:sp>
+      <p:sp>
+        <p:nvSpPr>
+          <p:cNvPr id="15" name="Oval 11">
+            <a:extLst>
+              <a:ext uri="{FF2B5EF4-FFF2-40B4-BE49-F238E27FC236}">
+                <a16:creationId xmlns:a16="http://schemas.microsoft.com/office/drawing/2014/main" id="{967D8EB6-EAE1-4F9C-B398-83321E287204}"/>
+              </a:ext>
+            </a:extLst>
+          </p:cNvPr>
+          <p:cNvSpPr>
+            <a:spLocks noGrp="1" noRot="1" noChangeAspect="1" noMove="1" noResize="1" noEditPoints="1" noAdjustHandles="1" noChangeArrowheads="1" noChangeShapeType="1" noTextEdit="1"/>
+          </p:cNvSpPr>
+          <p:nvPr>
+            <p:extLst>
+              <p:ext uri="{386F3935-93C4-4BCD-93E2-E3B085C9AB24}">
+                <p16:designElem xmlns:p16="http://schemas.microsoft.com/office/powerpoint/2015/main" val="1"/>
+              </p:ext>
+            </p:extLst>
+          </p:nvPr>
+        </p:nvSpPr>
+        <p:spPr>
+          <a:xfrm>
+            <a:off x="8915400" y="2358913"/>
+            <a:ext cx="2140172" cy="2140172"/>
+          </a:xfrm>
+          <a:prstGeom prst="ellipse">
+            <a:avLst/>
+          </a:prstGeom>
+          <a:solidFill>
+            <a:srgbClr val="FFFFFF"/>
+          </a:solidFill>
+          <a:ln w="22225">
+            <a:solidFill>
+              <a:schemeClr val="accent1"/>
+            </a:solidFill>
+          </a:ln>
+        </p:spPr>
+        <p:style>
+          <a:lnRef idx="2">
+            <a:schemeClr val="accent1">
+              <a:shade val="50000"/>
+            </a:schemeClr>
+          </a:lnRef>
+          <a:fillRef idx="1">
+            <a:schemeClr val="accent1"/>
+          </a:fillRef>
+          <a:effectRef idx="0">
+            <a:schemeClr val="accent1"/>
+          </a:effectRef>
+          <a:fontRef idx="minor">
+            <a:schemeClr val="lt1"/>
+          </a:fontRef>
+        </p:style>
+        <p:txBody>
+          <a:bodyPr rtlCol="0" anchor="ctr"/>
+          <a:lstStyle/>
+          <a:p>
+            <a:pPr algn="ctr"/>
+            <a:endParaRPr lang="en-US"/>
+          </a:p>
+        </p:txBody>
+      </p:sp>
+      <p:pic>
+        <p:nvPicPr>
+          <p:cNvPr id="16" name="Graphic 6">
+            <a:extLst>
+              <a:ext uri="{FF2B5EF4-FFF2-40B4-BE49-F238E27FC236}">
+                <a16:creationId xmlns:a16="http://schemas.microsoft.com/office/drawing/2014/main" id="{C2D9C269-F0E5-4794-A5B4-EA04FD2047C3}"/>
+              </a:ext>
+            </a:extLst>
+          </p:cNvPr>
+          <p:cNvPicPr>
+            <a:picLocks noChangeAspect="1"/>
+          </p:cNvPicPr>
+          <p:nvPr/>
+        </p:nvPicPr>
+        <p:blipFill>
+          <a:blip r:embed="rId2">
+            <a:extLst>
+              <a:ext uri="{28A0092B-C50C-407E-A947-70E740481C1C}">
+                <a14:useLocalDpi xmlns:a14="http://schemas.microsoft.com/office/drawing/2010/main" val="0"/>
+              </a:ext>
+              <a:ext uri="{96DAC541-7B7A-43D3-8B79-37D633B846F1}">
+                <asvg:svgBlip xmlns:asvg="http://schemas.microsoft.com/office/drawing/2016/SVG/main" r:embed="rId3"/>
+              </a:ext>
+            </a:extLst>
+          </a:blip>
+          <a:stretch>
+            <a:fillRect/>
+          </a:stretch>
+        </p:blipFill>
+        <p:spPr>
+          <a:xfrm>
+            <a:off x="9413987" y="2857501"/>
+            <a:ext cx="1142998" cy="1142998"/>
+          </a:xfrm>
+          <a:prstGeom prst="rect">
+            <a:avLst/>
+          </a:prstGeom>
+        </p:spPr>
+      </p:pic>
+      <p:sp>
+        <p:nvSpPr>
           <p:cNvPr id="2" name="Title 1">
             <a:extLst>
               <a:ext uri="{FF2B5EF4-FFF2-40B4-BE49-F238E27FC236}">
@@ -5171,13 +6722,20 @@
             <p:ph type="title"/>
           </p:nvPr>
         </p:nvSpPr>
-        <p:spPr/>
-        <p:txBody>
-          <a:bodyPr/>
+        <p:spPr>
+          <a:xfrm>
+            <a:off x="1136428" y="627564"/>
+            <a:ext cx="7474172" cy="1325563"/>
+          </a:xfrm>
+        </p:spPr>
+        <p:txBody>
+          <a:bodyPr>
+            <a:normAutofit/>
+          </a:bodyPr>
           <a:lstStyle/>
           <a:p>
             <a:r>
-              <a:rPr lang="en-US" dirty="0"/>
+              <a:rPr lang="en-US"/>
               <a:t>Now playing Movies</a:t>
             </a:r>
             <a:endParaRPr lang="en-IN" dirty="0"/>
@@ -5186,7 +6744,7 @@
       </p:sp>
       <p:sp>
         <p:nvSpPr>
-          <p:cNvPr id="3" name="Content Placeholder 2">
+          <p:cNvPr id="17" name="Content Placeholder 2">
             <a:extLst>
               <a:ext uri="{FF2B5EF4-FFF2-40B4-BE49-F238E27FC236}">
                 <a16:creationId xmlns:a16="http://schemas.microsoft.com/office/drawing/2014/main" id="{E55FE8F5-CA8C-47A0-9D38-11272B2115A9}"/>
@@ -5200,26 +6758,33 @@
             <p:ph idx="1"/>
           </p:nvPr>
         </p:nvSpPr>
-        <p:spPr/>
-        <p:txBody>
-          <a:bodyPr/>
+        <p:spPr>
+          <a:xfrm>
+            <a:off x="1136429" y="2278173"/>
+            <a:ext cx="6467867" cy="3450613"/>
+          </a:xfrm>
+        </p:spPr>
+        <p:txBody>
+          <a:bodyPr anchor="ctr">
+            <a:normAutofit/>
+          </a:bodyPr>
           <a:lstStyle/>
           <a:p>
             <a:r>
-              <a:rPr lang="en-US" dirty="0"/>
+              <a:rPr lang="en-US" sz="2400" dirty="0"/>
               <a:t>API: </a:t>
             </a:r>
             <a:r>
-              <a:rPr lang="en-IN" dirty="0">
-                <a:hlinkClick r:id="rId2"/>
+              <a:rPr lang="en-IN" sz="2400" dirty="0">
+                <a:hlinkClick r:id="rId4"/>
               </a:rPr>
               <a:t>https://API.themoviedb.org/3/movie/now_playing?API_key={}</a:t>
             </a:r>
-            <a:endParaRPr lang="en-IN" dirty="0"/>
-          </a:p>
-          <a:p>
-            <a:r>
-              <a:rPr lang="en-US" dirty="0"/>
+            <a:endParaRPr lang="en-IN" sz="2400" dirty="0"/>
+          </a:p>
+          <a:p>
+            <a:r>
+              <a:rPr lang="en-US" sz="2400" dirty="0"/>
               <a:t>We can add various conditions for querying the data.</a:t>
             </a:r>
           </a:p>
@@ -5250,10 +6815,12 @@
               <a:rPr lang="en-US" dirty="0"/>
               <a:t>Language wise</a:t>
             </a:r>
-            <a:endParaRPr lang="en-IN" dirty="0"/>
-          </a:p>
-          <a:p>
-            <a:endParaRPr lang="en-IN" dirty="0"/>
+          </a:p>
+          <a:p>
+            <a:pPr marL="0" indent="0">
+              <a:buNone/>
+            </a:pPr>
+            <a:endParaRPr lang="en-IN" sz="2400" dirty="0"/>
           </a:p>
         </p:txBody>
       </p:sp>
@@ -5342,7 +6909,7 @@
         </p:spPr>
         <p:txBody>
           <a:bodyPr>
-            <a:normAutofit fontScale="85000" lnSpcReduction="20000"/>
+            <a:normAutofit fontScale="92500" lnSpcReduction="10000"/>
           </a:bodyPr>
           <a:lstStyle/>
           <a:p>
@@ -5350,7 +6917,7 @@
               <a:buNone/>
             </a:pPr>
             <a:r>
-              <a:rPr lang="en-US" b="1" dirty="0">
+              <a:rPr lang="en-US" sz="2200" b="1" dirty="0">
                 <a:solidFill>
                   <a:srgbClr val="D4D4D4"/>
                 </a:solidFill>
@@ -5364,16 +6931,16 @@
               <a:buNone/>
             </a:pPr>
             <a:r>
-              <a:rPr lang="en-US" b="1" dirty="0">
+              <a:rPr lang="en-US" sz="2200" b="1" dirty="0">
                 <a:solidFill>
                   <a:srgbClr val="9CDCFE"/>
                 </a:solidFill>
                 <a:latin typeface="Consolas" panose="020B0609020204030204" pitchFamily="49" charset="0"/>
               </a:rPr>
-              <a:t>"vote_count"</a:t>
-            </a:r>
-            <a:r>
-              <a:rPr lang="en-US" b="1" dirty="0">
+              <a:t>	"vote_count"</a:t>
+            </a:r>
+            <a:r>
+              <a:rPr lang="en-US" sz="2200" b="1" dirty="0">
                 <a:solidFill>
                   <a:srgbClr val="D4D4D4"/>
                 </a:solidFill>
@@ -5382,7 +6949,7 @@
               <a:t>: </a:t>
             </a:r>
             <a:r>
-              <a:rPr lang="en-US" b="1" dirty="0">
+              <a:rPr lang="en-US" sz="2200" b="1" dirty="0">
                 <a:solidFill>
                   <a:srgbClr val="B5CEA8"/>
                 </a:solidFill>
@@ -5391,7 +6958,7 @@
               <a:t>2234</a:t>
             </a:r>
             <a:r>
-              <a:rPr lang="en-US" b="1" dirty="0">
+              <a:rPr lang="en-US" sz="2200" b="1" dirty="0">
                 <a:solidFill>
                   <a:srgbClr val="D4D4D4"/>
                 </a:solidFill>
@@ -5405,16 +6972,16 @@
               <a:buNone/>
             </a:pPr>
             <a:r>
-              <a:rPr lang="en-US" b="1" dirty="0">
+              <a:rPr lang="en-US" sz="2200" b="1" dirty="0">
                 <a:solidFill>
                   <a:srgbClr val="9CDCFE"/>
                 </a:solidFill>
                 <a:latin typeface="Consolas" panose="020B0609020204030204" pitchFamily="49" charset="0"/>
               </a:rPr>
-              <a:t>"id"</a:t>
-            </a:r>
-            <a:r>
-              <a:rPr lang="en-US" b="1" dirty="0">
+              <a:t>	"id"</a:t>
+            </a:r>
+            <a:r>
+              <a:rPr lang="en-US" sz="2200" b="1" dirty="0">
                 <a:solidFill>
                   <a:srgbClr val="D4D4D4"/>
                 </a:solidFill>
@@ -5423,7 +6990,7 @@
               <a:t>: </a:t>
             </a:r>
             <a:r>
-              <a:rPr lang="en-US" b="1" dirty="0">
+              <a:rPr lang="en-US" sz="2200" b="1" dirty="0">
                 <a:solidFill>
                   <a:srgbClr val="B5CEA8"/>
                 </a:solidFill>
@@ -5432,7 +6999,7 @@
               <a:t>399055</a:t>
             </a:r>
             <a:r>
-              <a:rPr lang="en-US" b="1" dirty="0">
+              <a:rPr lang="en-US" sz="2200" b="1" dirty="0">
                 <a:solidFill>
                   <a:srgbClr val="D4D4D4"/>
                 </a:solidFill>
@@ -5446,16 +7013,16 @@
               <a:buNone/>
             </a:pPr>
             <a:r>
-              <a:rPr lang="en-US" b="1" dirty="0">
+              <a:rPr lang="en-US" sz="2200" b="1" dirty="0">
                 <a:solidFill>
                   <a:srgbClr val="9CDCFE"/>
                 </a:solidFill>
                 <a:latin typeface="Consolas" panose="020B0609020204030204" pitchFamily="49" charset="0"/>
               </a:rPr>
-              <a:t>"video"</a:t>
-            </a:r>
-            <a:r>
-              <a:rPr lang="en-US" b="1" dirty="0">
+              <a:t>	"video"</a:t>
+            </a:r>
+            <a:r>
+              <a:rPr lang="en-US" sz="2200" b="1" dirty="0">
                 <a:solidFill>
                   <a:srgbClr val="D4D4D4"/>
                 </a:solidFill>
@@ -5464,7 +7031,7 @@
               <a:t>: </a:t>
             </a:r>
             <a:r>
-              <a:rPr lang="en-US" b="1" dirty="0">
+              <a:rPr lang="en-US" sz="2200" b="1" dirty="0">
                 <a:solidFill>
                   <a:srgbClr val="569CD6"/>
                 </a:solidFill>
@@ -5473,7 +7040,7 @@
               <a:t>false</a:t>
             </a:r>
             <a:r>
-              <a:rPr lang="en-US" b="1" dirty="0">
+              <a:rPr lang="en-US" sz="2200" b="1" dirty="0">
                 <a:solidFill>
                   <a:srgbClr val="D4D4D4"/>
                 </a:solidFill>
@@ -5487,16 +7054,16 @@
               <a:buNone/>
             </a:pPr>
             <a:r>
-              <a:rPr lang="en-US" b="1" dirty="0">
+              <a:rPr lang="en-US" sz="2200" b="1" dirty="0">
                 <a:solidFill>
                   <a:srgbClr val="9CDCFE"/>
                 </a:solidFill>
                 <a:latin typeface="Consolas" panose="020B0609020204030204" pitchFamily="49" charset="0"/>
               </a:rPr>
-              <a:t>"vote_average"</a:t>
-            </a:r>
-            <a:r>
-              <a:rPr lang="en-US" b="1" dirty="0">
+              <a:t>	"vote_average"</a:t>
+            </a:r>
+            <a:r>
+              <a:rPr lang="en-US" sz="2200" b="1" dirty="0">
                 <a:solidFill>
                   <a:srgbClr val="D4D4D4"/>
                 </a:solidFill>
@@ -5505,7 +7072,7 @@
               <a:t>: </a:t>
             </a:r>
             <a:r>
-              <a:rPr lang="en-US" b="1" dirty="0">
+              <a:rPr lang="en-US" sz="2200" b="1" dirty="0">
                 <a:solidFill>
                   <a:srgbClr val="B5CEA8"/>
                 </a:solidFill>
@@ -5514,7 +7081,7 @@
               <a:t>7.4</a:t>
             </a:r>
             <a:r>
-              <a:rPr lang="en-US" b="1" dirty="0">
+              <a:rPr lang="en-US" sz="2200" b="1" dirty="0">
                 <a:solidFill>
                   <a:srgbClr val="D4D4D4"/>
                 </a:solidFill>
@@ -5528,16 +7095,16 @@
               <a:buNone/>
             </a:pPr>
             <a:r>
-              <a:rPr lang="en-US" b="1" dirty="0">
+              <a:rPr lang="en-US" sz="2200" b="1" dirty="0">
                 <a:solidFill>
                   <a:srgbClr val="9CDCFE"/>
                 </a:solidFill>
                 <a:latin typeface="Consolas" panose="020B0609020204030204" pitchFamily="49" charset="0"/>
               </a:rPr>
-              <a:t>"title"</a:t>
-            </a:r>
-            <a:r>
-              <a:rPr lang="en-US" b="1" dirty="0">
+              <a:t>	"title"</a:t>
+            </a:r>
+            <a:r>
+              <a:rPr lang="en-US" sz="2200" b="1" dirty="0">
                 <a:solidFill>
                   <a:srgbClr val="D4D4D4"/>
                 </a:solidFill>
@@ -5546,7 +7113,7 @@
               <a:t>: </a:t>
             </a:r>
             <a:r>
-              <a:rPr lang="en-US" b="1" dirty="0">
+              <a:rPr lang="en-US" sz="2200" b="1" dirty="0">
                 <a:solidFill>
                   <a:srgbClr val="CE9178"/>
                 </a:solidFill>
@@ -5555,7 +7122,7 @@
               <a:t>"The Shape of Water"</a:t>
             </a:r>
             <a:r>
-              <a:rPr lang="en-US" b="1" dirty="0">
+              <a:rPr lang="en-US" sz="2200" b="1" dirty="0">
                 <a:solidFill>
                   <a:srgbClr val="D4D4D4"/>
                 </a:solidFill>
@@ -5569,16 +7136,16 @@
               <a:buNone/>
             </a:pPr>
             <a:r>
-              <a:rPr lang="en-US" b="1" dirty="0">
+              <a:rPr lang="en-US" sz="2200" b="1" dirty="0">
                 <a:solidFill>
                   <a:srgbClr val="9CDCFE"/>
                 </a:solidFill>
                 <a:latin typeface="Consolas" panose="020B0609020204030204" pitchFamily="49" charset="0"/>
               </a:rPr>
-              <a:t>"popularity"</a:t>
-            </a:r>
-            <a:r>
-              <a:rPr lang="en-US" b="1" dirty="0">
+              <a:t>	"popularity"</a:t>
+            </a:r>
+            <a:r>
+              <a:rPr lang="en-US" sz="2200" b="1" dirty="0">
                 <a:solidFill>
                   <a:srgbClr val="D4D4D4"/>
                 </a:solidFill>
@@ -5587,7 +7154,7 @@
               <a:t>: </a:t>
             </a:r>
             <a:r>
-              <a:rPr lang="en-US" b="1" dirty="0">
+              <a:rPr lang="en-US" sz="2200" b="1" dirty="0">
                 <a:solidFill>
                   <a:srgbClr val="B5CEA8"/>
                 </a:solidFill>
@@ -5596,7 +7163,7 @@
               <a:t>452.295995</a:t>
             </a:r>
             <a:r>
-              <a:rPr lang="en-US" b="1" dirty="0">
+              <a:rPr lang="en-US" sz="2200" b="1" dirty="0">
                 <a:solidFill>
                   <a:srgbClr val="D4D4D4"/>
                 </a:solidFill>
@@ -5605,327 +7172,237 @@
               <a:t>, </a:t>
             </a:r>
             <a:r>
-              <a:rPr lang="en-US" b="1" dirty="0">
+              <a:rPr lang="en-US" sz="2200" b="1" dirty="0">
                 <a:solidFill>
                   <a:srgbClr val="9CDCFE"/>
                 </a:solidFill>
                 <a:latin typeface="Consolas" panose="020B0609020204030204" pitchFamily="49" charset="0"/>
               </a:rPr>
-              <a:t>"</a:t>
-            </a:r>
-            <a:r>
-              <a:rPr lang="en-US" b="1" dirty="0" err="1">
+              <a:t>"original_language"</a:t>
+            </a:r>
+            <a:r>
+              <a:rPr lang="en-US" sz="2200" b="1" dirty="0">
+                <a:solidFill>
+                  <a:srgbClr val="D4D4D4"/>
+                </a:solidFill>
+                <a:latin typeface="Consolas" panose="020B0609020204030204" pitchFamily="49" charset="0"/>
+              </a:rPr>
+              <a:t>: </a:t>
+            </a:r>
+            <a:r>
+              <a:rPr lang="en-US" sz="2200" b="1" dirty="0">
+                <a:solidFill>
+                  <a:srgbClr val="CE9178"/>
+                </a:solidFill>
+                <a:latin typeface="Consolas" panose="020B0609020204030204" pitchFamily="49" charset="0"/>
+              </a:rPr>
+              <a:t>"en"</a:t>
+            </a:r>
+            <a:r>
+              <a:rPr lang="en-US" sz="2200" b="1" dirty="0">
+                <a:solidFill>
+                  <a:srgbClr val="D4D4D4"/>
+                </a:solidFill>
+                <a:latin typeface="Consolas" panose="020B0609020204030204" pitchFamily="49" charset="0"/>
+              </a:rPr>
+              <a:t>,</a:t>
+            </a:r>
+          </a:p>
+          <a:p>
+            <a:pPr marL="0" indent="0">
+              <a:buNone/>
+            </a:pPr>
+            <a:r>
+              <a:rPr lang="en-US" sz="2200" b="1" dirty="0">
                 <a:solidFill>
                   <a:srgbClr val="9CDCFE"/>
                 </a:solidFill>
                 <a:latin typeface="Consolas" panose="020B0609020204030204" pitchFamily="49" charset="0"/>
               </a:rPr>
-              <a:t>original_language</a:t>
-            </a:r>
-            <a:r>
-              <a:rPr lang="en-US" b="1" dirty="0">
+              <a:t>	"original_title"</a:t>
+            </a:r>
+            <a:r>
+              <a:rPr lang="en-US" sz="2200" b="1" dirty="0">
+                <a:solidFill>
+                  <a:srgbClr val="D4D4D4"/>
+                </a:solidFill>
+                <a:latin typeface="Consolas" panose="020B0609020204030204" pitchFamily="49" charset="0"/>
+              </a:rPr>
+              <a:t>: </a:t>
+            </a:r>
+            <a:r>
+              <a:rPr lang="en-US" sz="2200" b="1" dirty="0">
+                <a:solidFill>
+                  <a:srgbClr val="CE9178"/>
+                </a:solidFill>
+                <a:latin typeface="Consolas" panose="020B0609020204030204" pitchFamily="49" charset="0"/>
+              </a:rPr>
+              <a:t>"The Shape of Water"</a:t>
+            </a:r>
+            <a:r>
+              <a:rPr lang="en-US" sz="2200" b="1" dirty="0">
+                <a:solidFill>
+                  <a:srgbClr val="D4D4D4"/>
+                </a:solidFill>
+                <a:latin typeface="Consolas" panose="020B0609020204030204" pitchFamily="49" charset="0"/>
+              </a:rPr>
+              <a:t>,</a:t>
+            </a:r>
+          </a:p>
+          <a:p>
+            <a:pPr marL="0" indent="0">
+              <a:buNone/>
+            </a:pPr>
+            <a:r>
+              <a:rPr lang="en-US" sz="2200" b="1" dirty="0">
                 <a:solidFill>
                   <a:srgbClr val="9CDCFE"/>
                 </a:solidFill>
                 <a:latin typeface="Consolas" panose="020B0609020204030204" pitchFamily="49" charset="0"/>
               </a:rPr>
-              <a:t>"</a:t>
-            </a:r>
-            <a:r>
-              <a:rPr lang="en-US" b="1" dirty="0">
+              <a:t>	"genre_ids"</a:t>
+            </a:r>
+            <a:r>
+              <a:rPr lang="en-US" sz="2200" b="1" dirty="0">
                 <a:solidFill>
                   <a:srgbClr val="D4D4D4"/>
                 </a:solidFill>
                 <a:latin typeface="Consolas" panose="020B0609020204030204" pitchFamily="49" charset="0"/>
               </a:rPr>
+              <a:t>: [</a:t>
+            </a:r>
+            <a:r>
+              <a:rPr lang="en-US" sz="2200" b="1" dirty="0">
+                <a:solidFill>
+                  <a:srgbClr val="B5CEA8"/>
+                </a:solidFill>
+                <a:latin typeface="Consolas" panose="020B0609020204030204" pitchFamily="49" charset="0"/>
+              </a:rPr>
+              <a:t>18</a:t>
+            </a:r>
+            <a:r>
+              <a:rPr lang="en-US" sz="2200" b="1" dirty="0">
+                <a:solidFill>
+                  <a:srgbClr val="D4D4D4"/>
+                </a:solidFill>
+                <a:latin typeface="Consolas" panose="020B0609020204030204" pitchFamily="49" charset="0"/>
+              </a:rPr>
+              <a:t>,</a:t>
+            </a:r>
+            <a:r>
+              <a:rPr lang="en-US" sz="2200" b="1" dirty="0">
+                <a:solidFill>
+                  <a:srgbClr val="B5CEA8"/>
+                </a:solidFill>
+                <a:latin typeface="Consolas" panose="020B0609020204030204" pitchFamily="49" charset="0"/>
+              </a:rPr>
+              <a:t>14</a:t>
+            </a:r>
+            <a:r>
+              <a:rPr lang="en-US" sz="2200" b="1" dirty="0">
+                <a:solidFill>
+                  <a:srgbClr val="D4D4D4"/>
+                </a:solidFill>
+                <a:latin typeface="Consolas" panose="020B0609020204030204" pitchFamily="49" charset="0"/>
+              </a:rPr>
+              <a:t>,</a:t>
+            </a:r>
+            <a:r>
+              <a:rPr lang="en-US" sz="2200" b="1" dirty="0">
+                <a:solidFill>
+                  <a:srgbClr val="B5CEA8"/>
+                </a:solidFill>
+                <a:latin typeface="Consolas" panose="020B0609020204030204" pitchFamily="49" charset="0"/>
+              </a:rPr>
+              <a:t>10749</a:t>
+            </a:r>
+            <a:r>
+              <a:rPr lang="en-US" sz="2200" b="1" dirty="0">
+                <a:solidFill>
+                  <a:srgbClr val="D4D4D4"/>
+                </a:solidFill>
+                <a:latin typeface="Consolas" panose="020B0609020204030204" pitchFamily="49" charset="0"/>
+              </a:rPr>
+              <a:t>],</a:t>
+            </a:r>
+          </a:p>
+          <a:p>
+            <a:pPr marL="0" indent="0">
+              <a:buNone/>
+            </a:pPr>
+            <a:r>
+              <a:rPr lang="en-US" sz="2200" b="1" dirty="0">
+                <a:solidFill>
+                  <a:srgbClr val="D4D4D4"/>
+                </a:solidFill>
+                <a:latin typeface="Consolas" panose="020B0609020204030204" pitchFamily="49" charset="0"/>
+              </a:rPr>
+              <a:t>	</a:t>
+            </a:r>
+            <a:r>
+              <a:rPr lang="en-US" sz="2200" b="1" dirty="0">
+                <a:solidFill>
+                  <a:srgbClr val="9CDCFE"/>
+                </a:solidFill>
+                <a:latin typeface="Consolas" panose="020B0609020204030204" pitchFamily="49" charset="0"/>
+              </a:rPr>
+              <a:t>"adult"</a:t>
+            </a:r>
+            <a:r>
+              <a:rPr lang="en-US" sz="2200" b="1" dirty="0">
+                <a:solidFill>
+                  <a:srgbClr val="D4D4D4"/>
+                </a:solidFill>
+                <a:latin typeface="Consolas" panose="020B0609020204030204" pitchFamily="49" charset="0"/>
+              </a:rPr>
               <a:t>: </a:t>
             </a:r>
             <a:r>
-              <a:rPr lang="en-US" b="1" dirty="0">
+              <a:rPr lang="en-US" sz="2200" b="1" dirty="0">
+                <a:solidFill>
+                  <a:srgbClr val="569CD6"/>
+                </a:solidFill>
+                <a:latin typeface="Consolas" panose="020B0609020204030204" pitchFamily="49" charset="0"/>
+              </a:rPr>
+              <a:t>false</a:t>
+            </a:r>
+            <a:r>
+              <a:rPr lang="en-US" sz="2200" b="1" dirty="0">
+                <a:solidFill>
+                  <a:srgbClr val="D4D4D4"/>
+                </a:solidFill>
+                <a:latin typeface="Consolas" panose="020B0609020204030204" pitchFamily="49" charset="0"/>
+              </a:rPr>
+              <a:t>, </a:t>
+            </a:r>
+            <a:r>
+              <a:rPr lang="en-US" sz="2200" b="1" dirty="0">
+                <a:solidFill>
+                  <a:srgbClr val="9CDCFE"/>
+                </a:solidFill>
+                <a:latin typeface="Consolas" panose="020B0609020204030204" pitchFamily="49" charset="0"/>
+              </a:rPr>
+              <a:t>"release_date"</a:t>
+            </a:r>
+            <a:r>
+              <a:rPr lang="en-US" sz="2200" b="1" dirty="0">
+                <a:solidFill>
+                  <a:srgbClr val="D4D4D4"/>
+                </a:solidFill>
+                <a:latin typeface="Consolas" panose="020B0609020204030204" pitchFamily="49" charset="0"/>
+              </a:rPr>
+              <a:t>: </a:t>
+            </a:r>
+            <a:r>
+              <a:rPr lang="en-US" sz="2200" b="1" dirty="0">
                 <a:solidFill>
                   <a:srgbClr val="CE9178"/>
                 </a:solidFill>
                 <a:latin typeface="Consolas" panose="020B0609020204030204" pitchFamily="49" charset="0"/>
               </a:rPr>
-              <a:t>"</a:t>
-            </a:r>
-            <a:r>
-              <a:rPr lang="en-US" b="1" dirty="0" err="1">
-                <a:solidFill>
-                  <a:srgbClr val="CE9178"/>
-                </a:solidFill>
-                <a:latin typeface="Consolas" panose="020B0609020204030204" pitchFamily="49" charset="0"/>
-              </a:rPr>
-              <a:t>en</a:t>
-            </a:r>
-            <a:r>
-              <a:rPr lang="en-US" b="1" dirty="0">
-                <a:solidFill>
-                  <a:srgbClr val="CE9178"/>
-                </a:solidFill>
-                <a:latin typeface="Consolas" panose="020B0609020204030204" pitchFamily="49" charset="0"/>
-              </a:rPr>
-              <a:t>"</a:t>
-            </a:r>
-            <a:r>
-              <a:rPr lang="en-US" b="1" dirty="0">
-                <a:solidFill>
-                  <a:srgbClr val="D4D4D4"/>
-                </a:solidFill>
-                <a:latin typeface="Consolas" panose="020B0609020204030204" pitchFamily="49" charset="0"/>
-              </a:rPr>
-              <a:t>,</a:t>
-            </a:r>
-          </a:p>
-          <a:p>
-            <a:pPr marL="0" indent="0">
-              <a:buNone/>
-            </a:pPr>
-            <a:r>
-              <a:rPr lang="en-US" b="1" dirty="0">
-                <a:solidFill>
-                  <a:srgbClr val="9CDCFE"/>
-                </a:solidFill>
-                <a:latin typeface="Consolas" panose="020B0609020204030204" pitchFamily="49" charset="0"/>
-              </a:rPr>
-              <a:t>"</a:t>
-            </a:r>
-            <a:r>
-              <a:rPr lang="en-US" b="1" dirty="0" err="1">
-                <a:solidFill>
-                  <a:srgbClr val="9CDCFE"/>
-                </a:solidFill>
-                <a:latin typeface="Consolas" panose="020B0609020204030204" pitchFamily="49" charset="0"/>
-              </a:rPr>
-              <a:t>original_title</a:t>
-            </a:r>
-            <a:r>
-              <a:rPr lang="en-US" b="1" dirty="0">
-                <a:solidFill>
-                  <a:srgbClr val="9CDCFE"/>
-                </a:solidFill>
-                <a:latin typeface="Consolas" panose="020B0609020204030204" pitchFamily="49" charset="0"/>
-              </a:rPr>
-              <a:t>"</a:t>
-            </a:r>
-            <a:r>
-              <a:rPr lang="en-US" b="1" dirty="0">
-                <a:solidFill>
-                  <a:srgbClr val="D4D4D4"/>
-                </a:solidFill>
-                <a:latin typeface="Consolas" panose="020B0609020204030204" pitchFamily="49" charset="0"/>
-              </a:rPr>
-              <a:t>: </a:t>
-            </a:r>
-            <a:r>
-              <a:rPr lang="en-US" b="1" dirty="0">
-                <a:solidFill>
-                  <a:srgbClr val="CE9178"/>
-                </a:solidFill>
-                <a:latin typeface="Consolas" panose="020B0609020204030204" pitchFamily="49" charset="0"/>
-              </a:rPr>
-              <a:t>"The Shape of Water"</a:t>
-            </a:r>
-            <a:r>
-              <a:rPr lang="en-US" b="1" dirty="0">
-                <a:solidFill>
-                  <a:srgbClr val="D4D4D4"/>
-                </a:solidFill>
-                <a:latin typeface="Consolas" panose="020B0609020204030204" pitchFamily="49" charset="0"/>
-              </a:rPr>
-              <a:t>,</a:t>
-            </a:r>
-          </a:p>
-          <a:p>
-            <a:pPr marL="0" indent="0">
-              <a:buNone/>
-            </a:pPr>
-            <a:r>
-              <a:rPr lang="en-US" b="1" dirty="0">
-                <a:solidFill>
-                  <a:srgbClr val="9CDCFE"/>
-                </a:solidFill>
-                <a:latin typeface="Consolas" panose="020B0609020204030204" pitchFamily="49" charset="0"/>
-              </a:rPr>
-              <a:t>"</a:t>
-            </a:r>
-            <a:r>
-              <a:rPr lang="en-US" b="1" dirty="0" err="1">
-                <a:solidFill>
-                  <a:srgbClr val="9CDCFE"/>
-                </a:solidFill>
-                <a:latin typeface="Consolas" panose="020B0609020204030204" pitchFamily="49" charset="0"/>
-              </a:rPr>
-              <a:t>genre_ids</a:t>
-            </a:r>
-            <a:r>
-              <a:rPr lang="en-US" b="1" dirty="0">
-                <a:solidFill>
-                  <a:srgbClr val="9CDCFE"/>
-                </a:solidFill>
-                <a:latin typeface="Consolas" panose="020B0609020204030204" pitchFamily="49" charset="0"/>
-              </a:rPr>
-              <a:t>"</a:t>
-            </a:r>
-            <a:r>
-              <a:rPr lang="en-US" b="1" dirty="0">
-                <a:solidFill>
-                  <a:srgbClr val="D4D4D4"/>
-                </a:solidFill>
-                <a:latin typeface="Consolas" panose="020B0609020204030204" pitchFamily="49" charset="0"/>
-              </a:rPr>
-              <a:t>: [</a:t>
-            </a:r>
-            <a:r>
-              <a:rPr lang="en-US" b="1" dirty="0">
-                <a:solidFill>
-                  <a:srgbClr val="B5CEA8"/>
-                </a:solidFill>
-                <a:latin typeface="Consolas" panose="020B0609020204030204" pitchFamily="49" charset="0"/>
-              </a:rPr>
-              <a:t>18</a:t>
-            </a:r>
-            <a:r>
-              <a:rPr lang="en-US" b="1" dirty="0">
-                <a:solidFill>
-                  <a:srgbClr val="D4D4D4"/>
-                </a:solidFill>
-                <a:latin typeface="Consolas" panose="020B0609020204030204" pitchFamily="49" charset="0"/>
-              </a:rPr>
-              <a:t>,</a:t>
-            </a:r>
-            <a:r>
-              <a:rPr lang="en-US" b="1" dirty="0">
-                <a:solidFill>
-                  <a:srgbClr val="B5CEA8"/>
-                </a:solidFill>
-                <a:latin typeface="Consolas" panose="020B0609020204030204" pitchFamily="49" charset="0"/>
-              </a:rPr>
-              <a:t>14</a:t>
-            </a:r>
-            <a:r>
-              <a:rPr lang="en-US" b="1" dirty="0">
-                <a:solidFill>
-                  <a:srgbClr val="D4D4D4"/>
-                </a:solidFill>
-                <a:latin typeface="Consolas" panose="020B0609020204030204" pitchFamily="49" charset="0"/>
-              </a:rPr>
-              <a:t>,</a:t>
-            </a:r>
-            <a:r>
-              <a:rPr lang="en-US" b="1" dirty="0">
-                <a:solidFill>
-                  <a:srgbClr val="B5CEA8"/>
-                </a:solidFill>
-                <a:latin typeface="Consolas" panose="020B0609020204030204" pitchFamily="49" charset="0"/>
-              </a:rPr>
-              <a:t>10749</a:t>
-            </a:r>
-            <a:r>
-              <a:rPr lang="en-US" b="1" dirty="0">
-                <a:solidFill>
-                  <a:srgbClr val="D4D4D4"/>
-                </a:solidFill>
-                <a:latin typeface="Consolas" panose="020B0609020204030204" pitchFamily="49" charset="0"/>
-              </a:rPr>
-              <a:t>],</a:t>
-            </a:r>
-          </a:p>
-          <a:p>
-            <a:pPr marL="0" indent="0">
-              <a:buNone/>
-            </a:pPr>
-            <a:r>
-              <a:rPr lang="en-US" b="1" dirty="0">
-                <a:solidFill>
-                  <a:srgbClr val="D4D4D4"/>
-                </a:solidFill>
-                <a:latin typeface="Consolas" panose="020B0609020204030204" pitchFamily="49" charset="0"/>
-              </a:rPr>
-              <a:t> </a:t>
-            </a:r>
-            <a:r>
-              <a:rPr lang="en-US" b="1" dirty="0">
-                <a:solidFill>
-                  <a:srgbClr val="9CDCFE"/>
-                </a:solidFill>
-                <a:latin typeface="Consolas" panose="020B0609020204030204" pitchFamily="49" charset="0"/>
-              </a:rPr>
-              <a:t>"adult"</a:t>
-            </a:r>
-            <a:r>
-              <a:rPr lang="en-US" b="1" dirty="0">
-                <a:solidFill>
-                  <a:srgbClr val="D4D4D4"/>
-                </a:solidFill>
-                <a:latin typeface="Consolas" panose="020B0609020204030204" pitchFamily="49" charset="0"/>
-              </a:rPr>
-              <a:t>: </a:t>
-            </a:r>
-            <a:r>
-              <a:rPr lang="en-US" b="1" dirty="0">
-                <a:solidFill>
-                  <a:srgbClr val="569CD6"/>
-                </a:solidFill>
-                <a:latin typeface="Consolas" panose="020B0609020204030204" pitchFamily="49" charset="0"/>
-              </a:rPr>
-              <a:t>false</a:t>
-            </a:r>
-            <a:r>
-              <a:rPr lang="en-US" b="1" dirty="0">
-                <a:solidFill>
-                  <a:srgbClr val="D4D4D4"/>
-                </a:solidFill>
-                <a:latin typeface="Consolas" panose="020B0609020204030204" pitchFamily="49" charset="0"/>
-              </a:rPr>
-              <a:t>, </a:t>
-            </a:r>
-            <a:r>
-              <a:rPr lang="en-US" b="1" dirty="0">
-                <a:solidFill>
-                  <a:srgbClr val="9CDCFE"/>
-                </a:solidFill>
-                <a:latin typeface="Consolas" panose="020B0609020204030204" pitchFamily="49" charset="0"/>
-              </a:rPr>
-              <a:t>"</a:t>
-            </a:r>
-            <a:r>
-              <a:rPr lang="en-US" b="1" dirty="0" err="1">
-                <a:solidFill>
-                  <a:srgbClr val="9CDCFE"/>
-                </a:solidFill>
-                <a:latin typeface="Consolas" panose="020B0609020204030204" pitchFamily="49" charset="0"/>
-              </a:rPr>
-              <a:t>release_date</a:t>
-            </a:r>
-            <a:r>
-              <a:rPr lang="en-US" b="1" dirty="0">
-                <a:solidFill>
-                  <a:srgbClr val="9CDCFE"/>
-                </a:solidFill>
-                <a:latin typeface="Consolas" panose="020B0609020204030204" pitchFamily="49" charset="0"/>
-              </a:rPr>
-              <a:t>"</a:t>
-            </a:r>
-            <a:r>
-              <a:rPr lang="en-US" b="1" dirty="0">
-                <a:solidFill>
-                  <a:srgbClr val="D4D4D4"/>
-                </a:solidFill>
-                <a:latin typeface="Consolas" panose="020B0609020204030204" pitchFamily="49" charset="0"/>
-              </a:rPr>
-              <a:t>: </a:t>
-            </a:r>
-            <a:r>
-              <a:rPr lang="en-US" b="1" dirty="0">
-                <a:solidFill>
-                  <a:srgbClr val="CE9178"/>
-                </a:solidFill>
-                <a:latin typeface="Consolas" panose="020B0609020204030204" pitchFamily="49" charset="0"/>
-              </a:rPr>
               <a:t>"2017-12-01"</a:t>
             </a:r>
-            <a:endParaRPr lang="en-US" b="1" dirty="0">
+            <a:endParaRPr lang="en-US" sz="2200" b="1" dirty="0">
               <a:solidFill>
                 <a:srgbClr val="D4D4D4"/>
               </a:solidFill>
@@ -5937,7 +7414,7 @@
               <a:buNone/>
             </a:pPr>
             <a:r>
-              <a:rPr lang="en-US" b="1" dirty="0">
+              <a:rPr lang="en-US" sz="2200" b="1" dirty="0">
                 <a:solidFill>
                   <a:srgbClr val="D4D4D4"/>
                 </a:solidFill>
@@ -5967,6 +7444,14 @@
 <file path=ppt/slides/slide9.xml><?xml version="1.0" encoding="utf-8"?>
 <p:sld xmlns:a="http://schemas.openxmlformats.org/drawingml/2006/main" xmlns:r="http://schemas.openxmlformats.org/officeDocument/2006/relationships" xmlns:p="http://schemas.openxmlformats.org/presentationml/2006/main">
   <p:cSld>
+    <p:bg>
+      <p:bgPr>
+        <a:solidFill>
+          <a:schemeClr val="bg1"/>
+        </a:solidFill>
+        <a:effectLst/>
+      </p:bgPr>
+    </p:bg>
     <p:spTree>
       <p:nvGrpSpPr>
         <p:cNvPr id="1" name=""/>
@@ -5983,61 +7468,132 @@
       </p:grpSpPr>
       <p:sp>
         <p:nvSpPr>
-          <p:cNvPr id="3" name="Content Placeholder 2">
-            <a:extLst>
-              <a:ext uri="{FF2B5EF4-FFF2-40B4-BE49-F238E27FC236}">
-                <a16:creationId xmlns:a16="http://schemas.microsoft.com/office/drawing/2014/main" id="{4735D31E-B1E9-4CFC-8505-04B31461C819}"/>
-              </a:ext>
-            </a:extLst>
-          </p:cNvPr>
-          <p:cNvSpPr>
-            <a:spLocks noGrp="1"/>
-          </p:cNvSpPr>
-          <p:nvPr>
-            <p:ph idx="1"/>
+          <p:cNvPr id="10" name="Rectangle 9">
+            <a:extLst>
+              <a:ext uri="{FF2B5EF4-FFF2-40B4-BE49-F238E27FC236}">
+                <a16:creationId xmlns:a16="http://schemas.microsoft.com/office/drawing/2014/main" id="{59A309A7-1751-4ABE-A3C1-EEC40366AD89}"/>
+              </a:ext>
+            </a:extLst>
+          </p:cNvPr>
+          <p:cNvSpPr>
+            <a:spLocks noGrp="1" noRot="1" noChangeAspect="1" noMove="1" noResize="1" noEditPoints="1" noAdjustHandles="1" noChangeArrowheads="1" noChangeShapeType="1" noTextEdit="1"/>
+          </p:cNvSpPr>
+          <p:nvPr>
+            <p:extLst>
+              <p:ext uri="{386F3935-93C4-4BCD-93E2-E3B085C9AB24}">
+                <p16:designElem xmlns:p16="http://schemas.microsoft.com/office/powerpoint/2015/main" val="1"/>
+              </p:ext>
+            </p:extLst>
           </p:nvPr>
         </p:nvSpPr>
         <p:spPr>
           <a:xfrm>
-            <a:off x="838200" y="670560"/>
-            <a:ext cx="10515600" cy="5506403"/>
+            <a:off x="10088880" y="0"/>
+            <a:ext cx="2103120" cy="6858000"/>
           </a:xfrm>
+          <a:prstGeom prst="rect">
+            <a:avLst/>
+          </a:prstGeom>
+          <a:solidFill>
+            <a:schemeClr val="accent1"/>
+          </a:solidFill>
+          <a:ln>
+            <a:noFill/>
+          </a:ln>
         </p:spPr>
-        <p:txBody>
-          <a:bodyPr/>
+        <p:style>
+          <a:lnRef idx="2">
+            <a:schemeClr val="accent1">
+              <a:shade val="50000"/>
+            </a:schemeClr>
+          </a:lnRef>
+          <a:fillRef idx="1">
+            <a:schemeClr val="accent1"/>
+          </a:fillRef>
+          <a:effectRef idx="0">
+            <a:schemeClr val="accent1"/>
+          </a:effectRef>
+          <a:fontRef idx="minor">
+            <a:schemeClr val="lt1"/>
+          </a:fontRef>
+        </p:style>
+        <p:txBody>
+          <a:bodyPr rtlCol="0" anchor="ctr"/>
           <a:lstStyle/>
           <a:p>
-            <a:r>
-              <a:rPr lang="en-US" dirty="0"/>
-              <a:t>We used custom class for displaying labels like popups,</a:t>
-            </a:r>
-          </a:p>
-          <a:p>
-            <a:endParaRPr lang="en-US" dirty="0"/>
-          </a:p>
-          <a:p>
-            <a:endParaRPr lang="en-US" dirty="0"/>
-          </a:p>
-          <a:p>
-            <a:r>
-              <a:rPr lang="en-US" dirty="0"/>
-              <a:t>The font size reflects its popularity.</a:t>
-            </a:r>
-          </a:p>
-          <a:p>
-            <a:pPr marL="0" indent="0">
-              <a:buNone/>
-            </a:pPr>
-            <a:endParaRPr lang="en-US" dirty="0"/>
+            <a:pPr algn="ctr"/>
+            <a:endParaRPr lang="en-US"/>
+          </a:p>
+        </p:txBody>
+      </p:sp>
+      <p:sp>
+        <p:nvSpPr>
+          <p:cNvPr id="12" name="Oval 11">
+            <a:extLst>
+              <a:ext uri="{FF2B5EF4-FFF2-40B4-BE49-F238E27FC236}">
+                <a16:creationId xmlns:a16="http://schemas.microsoft.com/office/drawing/2014/main" id="{967D8EB6-EAE1-4F9C-B398-83321E287204}"/>
+              </a:ext>
+            </a:extLst>
+          </p:cNvPr>
+          <p:cNvSpPr>
+            <a:spLocks noGrp="1" noRot="1" noChangeAspect="1" noMove="1" noResize="1" noEditPoints="1" noAdjustHandles="1" noChangeArrowheads="1" noChangeShapeType="1" noTextEdit="1"/>
+          </p:cNvSpPr>
+          <p:nvPr>
+            <p:extLst>
+              <p:ext uri="{386F3935-93C4-4BCD-93E2-E3B085C9AB24}">
+                <p16:designElem xmlns:p16="http://schemas.microsoft.com/office/powerpoint/2015/main" val="1"/>
+              </p:ext>
+            </p:extLst>
+          </p:nvPr>
+        </p:nvSpPr>
+        <p:spPr>
+          <a:xfrm>
+            <a:off x="8915400" y="2358913"/>
+            <a:ext cx="2140172" cy="2140172"/>
+          </a:xfrm>
+          <a:prstGeom prst="ellipse">
+            <a:avLst/>
+          </a:prstGeom>
+          <a:solidFill>
+            <a:srgbClr val="FFFFFF"/>
+          </a:solidFill>
+          <a:ln w="22225">
+            <a:solidFill>
+              <a:schemeClr val="accent1"/>
+            </a:solidFill>
+          </a:ln>
+        </p:spPr>
+        <p:style>
+          <a:lnRef idx="2">
+            <a:schemeClr val="accent1">
+              <a:shade val="50000"/>
+            </a:schemeClr>
+          </a:lnRef>
+          <a:fillRef idx="1">
+            <a:schemeClr val="accent1"/>
+          </a:fillRef>
+          <a:effectRef idx="0">
+            <a:schemeClr val="accent1"/>
+          </a:effectRef>
+          <a:fontRef idx="minor">
+            <a:schemeClr val="lt1"/>
+          </a:fontRef>
+        </p:style>
+        <p:txBody>
+          <a:bodyPr rtlCol="0" anchor="ctr"/>
+          <a:lstStyle/>
+          <a:p>
+            <a:pPr algn="ctr"/>
+            <a:endParaRPr lang="en-US"/>
           </a:p>
         </p:txBody>
       </p:sp>
       <p:pic>
         <p:nvPicPr>
-          <p:cNvPr id="4" name="Picture 3">
-            <a:extLst>
-              <a:ext uri="{FF2B5EF4-FFF2-40B4-BE49-F238E27FC236}">
-                <a16:creationId xmlns:a16="http://schemas.microsoft.com/office/drawing/2014/main" id="{55343DBC-72B8-4E84-A139-B977161CE11C}"/>
+          <p:cNvPr id="7" name="Graphic 6">
+            <a:extLst>
+              <a:ext uri="{FF2B5EF4-FFF2-40B4-BE49-F238E27FC236}">
+                <a16:creationId xmlns:a16="http://schemas.microsoft.com/office/drawing/2014/main" id="{890191A2-2B01-4C3E-92EF-84691F4E91A9}"/>
               </a:ext>
             </a:extLst>
           </p:cNvPr>
@@ -6047,55 +7603,128 @@
           <p:nvPr/>
         </p:nvPicPr>
         <p:blipFill>
-          <a:blip r:embed="rId2"/>
+          <a:blip r:embed="rId2">
+            <a:extLst>
+              <a:ext uri="{28A0092B-C50C-407E-A947-70E740481C1C}">
+                <a14:useLocalDpi xmlns:a14="http://schemas.microsoft.com/office/drawing/2010/main" val="0"/>
+              </a:ext>
+              <a:ext uri="{96DAC541-7B7A-43D3-8B79-37D633B846F1}">
+                <asvg:svgBlip xmlns:asvg="http://schemas.microsoft.com/office/drawing/2016/SVG/main" r:embed="rId3"/>
+              </a:ext>
+            </a:extLst>
+          </a:blip>
           <a:stretch>
             <a:fillRect/>
           </a:stretch>
         </p:blipFill>
         <p:spPr>
           <a:xfrm>
-            <a:off x="2380297" y="1122044"/>
-            <a:ext cx="1801559" cy="730043"/>
+            <a:off x="9413987" y="2857501"/>
+            <a:ext cx="1142998" cy="1142998"/>
           </a:xfrm>
           <a:prstGeom prst="rect">
             <a:avLst/>
           </a:prstGeom>
         </p:spPr>
       </p:pic>
-      <p:pic>
-        <p:nvPicPr>
-          <p:cNvPr id="2" name="Picture 1">
-            <a:extLst>
-              <a:ext uri="{FF2B5EF4-FFF2-40B4-BE49-F238E27FC236}">
-                <a16:creationId xmlns:a16="http://schemas.microsoft.com/office/drawing/2014/main" id="{FB1FB6A7-69C9-4B78-9614-C1795B5EF880}"/>
-              </a:ext>
-            </a:extLst>
-          </p:cNvPr>
-          <p:cNvPicPr>
-            <a:picLocks noChangeAspect="1"/>
-          </p:cNvPicPr>
-          <p:nvPr/>
-        </p:nvPicPr>
-        <p:blipFill>
-          <a:blip r:embed="rId3"/>
-          <a:stretch>
-            <a:fillRect/>
-          </a:stretch>
-        </p:blipFill>
+      <p:sp>
+        <p:nvSpPr>
+          <p:cNvPr id="3" name="Content Placeholder 2">
+            <a:extLst>
+              <a:ext uri="{FF2B5EF4-FFF2-40B4-BE49-F238E27FC236}">
+                <a16:creationId xmlns:a16="http://schemas.microsoft.com/office/drawing/2014/main" id="{247D2049-072E-4094-B624-1D15F41D8A52}"/>
+              </a:ext>
+            </a:extLst>
+          </p:cNvPr>
+          <p:cNvSpPr>
+            <a:spLocks noGrp="1"/>
+          </p:cNvSpPr>
+          <p:nvPr>
+            <p:ph idx="1"/>
+          </p:nvPr>
+        </p:nvSpPr>
         <p:spPr>
           <a:xfrm>
-            <a:off x="2380297" y="3151251"/>
-            <a:ext cx="5723052" cy="3025712"/>
+            <a:off x="1136429" y="2278173"/>
+            <a:ext cx="6467867" cy="3450613"/>
           </a:xfrm>
-          <a:prstGeom prst="rect">
-            <a:avLst/>
-          </a:prstGeom>
         </p:spPr>
-      </p:pic>
+        <p:txBody>
+          <a:bodyPr anchor="ctr">
+            <a:normAutofit/>
+          </a:bodyPr>
+          <a:lstStyle/>
+          <a:p>
+            <a:r>
+              <a:rPr lang="en-US" sz="2400" dirty="0"/>
+              <a:t>JSON object for movies doesn’t contain Region. </a:t>
+            </a:r>
+            <a:r>
+              <a:rPr lang="en-IN" sz="2400" dirty="0"/>
+              <a:t> But it is possible to specify region in the query. </a:t>
+            </a:r>
+          </a:p>
+          <a:p>
+            <a:r>
+              <a:rPr lang="en-IN" sz="2400" dirty="0"/>
+              <a:t>So we chose some regions around the world (regions with sufficient number of movie releases). </a:t>
+            </a:r>
+            <a:r>
+              <a:rPr lang="en-US" sz="2400" dirty="0"/>
+              <a:t>H</a:t>
+            </a:r>
+            <a:r>
+              <a:rPr lang="en-IN" sz="2400" dirty="0"/>
+              <a:t>it the API by specifying these regions in the query. </a:t>
+            </a:r>
+          </a:p>
+          <a:p>
+            <a:r>
+              <a:rPr lang="en-US" sz="2000" dirty="0">
+                <a:latin typeface="Consolas" panose="020B0609020204030204" pitchFamily="49" charset="0"/>
+              </a:rPr>
+              <a:t>https://api.themoviedb.org/3/movie/</a:t>
+            </a:r>
+            <a:r>
+              <a:rPr lang="en-US" sz="2000" dirty="0" err="1">
+                <a:latin typeface="Consolas" panose="020B0609020204030204" pitchFamily="49" charset="0"/>
+              </a:rPr>
+              <a:t>now_playing?api_key</a:t>
+            </a:r>
+            <a:r>
+              <a:rPr lang="en-US" sz="2000" dirty="0">
+                <a:latin typeface="Consolas" panose="020B0609020204030204" pitchFamily="49" charset="0"/>
+              </a:rPr>
+              <a:t>=</a:t>
+            </a:r>
+            <a:r>
+              <a:rPr lang="en-US" sz="2000" dirty="0" err="1">
+                <a:latin typeface="Consolas" panose="020B0609020204030204" pitchFamily="49" charset="0"/>
+              </a:rPr>
+              <a:t>mykey&amp;page</a:t>
+            </a:r>
+            <a:r>
+              <a:rPr lang="en-US" sz="2000" dirty="0">
+                <a:latin typeface="Consolas" panose="020B0609020204030204" pitchFamily="49" charset="0"/>
+              </a:rPr>
+              <a:t>=1&amp;</a:t>
+            </a:r>
+            <a:r>
+              <a:rPr lang="en-US" sz="2000" b="1" dirty="0">
+                <a:latin typeface="Consolas" panose="020B0609020204030204" pitchFamily="49" charset="0"/>
+              </a:rPr>
+              <a:t>region=‘DE’</a:t>
+            </a:r>
+          </a:p>
+          <a:p>
+            <a:endParaRPr lang="en-US" sz="2400" dirty="0"/>
+          </a:p>
+        </p:txBody>
+      </p:sp>
     </p:spTree>
     <p:extLst>
       <p:ext uri="{BB962C8B-B14F-4D97-AF65-F5344CB8AC3E}">
-        <p14:creationId xmlns:p14="http://schemas.microsoft.com/office/powerpoint/2010/main" val="1280395981"/>
+        <p14:creationId xmlns:p14="http://schemas.microsoft.com/office/powerpoint/2010/main" val="3216338175"/>
       </p:ext>
     </p:extLst>
   </p:cSld>
